--- a/PCBA allocation Sep 29.pptx
+++ b/PCBA allocation Sep 29.pptx
@@ -229,7 +229,7 @@
           <a:p>
             <a:fld id="{055D18FD-D4CC-4163-B221-261AEA246121}" type="datetimeFigureOut">
               <a:rPr lang="en-US" smtClean="0"/>
-              <a:t>10/8/20</a:t>
+              <a:t>10/9/20</a:t>
             </a:fld>
             <a:endParaRPr lang="en-US"/>
           </a:p>
@@ -564,14 +564,14 @@
           </a:ln>
           <a:extLst>
             <a:ext uri="{909E8E84-426E-40dd-AFC4-6F175D3DCCD1}">
-              <a14:hiddenFill xmlns:a14="http://schemas.microsoft.com/office/drawing/2010/main" xmlns="">
+              <a14:hiddenFill xmlns="" xmlns:a14="http://schemas.microsoft.com/office/drawing/2010/main">
                 <a:solidFill>
                   <a:srgbClr val="FFFFFF"/>
                 </a:solidFill>
               </a14:hiddenFill>
             </a:ext>
             <a:ext uri="{91240B29-F687-4f45-9708-019B960494DF}">
-              <a14:hiddenLine xmlns:a14="http://schemas.microsoft.com/office/drawing/2010/main" xmlns="" w="9525">
+              <a14:hiddenLine xmlns="" xmlns:a14="http://schemas.microsoft.com/office/drawing/2010/main" w="9525">
                 <a:solidFill>
                   <a:srgbClr val="000000"/>
                 </a:solidFill>
@@ -1356,14 +1356,14 @@
           </a:ln>
           <a:extLst>
             <a:ext uri="{909E8E84-426E-40dd-AFC4-6F175D3DCCD1}">
-              <a14:hiddenFill xmlns:a14="http://schemas.microsoft.com/office/drawing/2010/main" xmlns="">
+              <a14:hiddenFill xmlns="" xmlns:a14="http://schemas.microsoft.com/office/drawing/2010/main">
                 <a:solidFill>
                   <a:srgbClr val="FFFFFF"/>
                 </a:solidFill>
               </a14:hiddenFill>
             </a:ext>
             <a:ext uri="{91240B29-F687-4f45-9708-019B960494DF}">
-              <a14:hiddenLine xmlns:a14="http://schemas.microsoft.com/office/drawing/2010/main" xmlns="" w="9525">
+              <a14:hiddenLine xmlns="" xmlns:a14="http://schemas.microsoft.com/office/drawing/2010/main" w="9525">
                 <a:solidFill>
                   <a:srgbClr val="000000"/>
                 </a:solidFill>
@@ -1752,14 +1752,14 @@
           </a:ln>
           <a:extLst>
             <a:ext uri="{909E8E84-426E-40dd-AFC4-6F175D3DCCD1}">
-              <a14:hiddenFill xmlns:a14="http://schemas.microsoft.com/office/drawing/2010/main" xmlns="">
+              <a14:hiddenFill xmlns="" xmlns:a14="http://schemas.microsoft.com/office/drawing/2010/main">
                 <a:solidFill>
                   <a:srgbClr val="FFFFFF"/>
                 </a:solidFill>
               </a14:hiddenFill>
             </a:ext>
             <a:ext uri="{91240B29-F687-4f45-9708-019B960494DF}">
-              <a14:hiddenLine xmlns:a14="http://schemas.microsoft.com/office/drawing/2010/main" xmlns="" w="9525">
+              <a14:hiddenLine xmlns="" xmlns:a14="http://schemas.microsoft.com/office/drawing/2010/main" w="9525">
                 <a:solidFill>
                   <a:srgbClr val="000000"/>
                 </a:solidFill>
@@ -3401,14 +3401,14 @@
           </a:ln>
           <a:extLst>
             <a:ext uri="{909E8E84-426E-40dd-AFC4-6F175D3DCCD1}">
-              <a14:hiddenFill xmlns:a14="http://schemas.microsoft.com/office/drawing/2010/main" xmlns="">
+              <a14:hiddenFill xmlns="" xmlns:a14="http://schemas.microsoft.com/office/drawing/2010/main">
                 <a:solidFill>
                   <a:srgbClr val="FFFFFF"/>
                 </a:solidFill>
               </a14:hiddenFill>
             </a:ext>
             <a:ext uri="{91240B29-F687-4f45-9708-019B960494DF}">
-              <a14:hiddenLine xmlns:a14="http://schemas.microsoft.com/office/drawing/2010/main" xmlns="" w="9525">
+              <a14:hiddenLine xmlns="" xmlns:a14="http://schemas.microsoft.com/office/drawing/2010/main" w="9525">
                 <a:solidFill>
                   <a:srgbClr val="000000"/>
                 </a:solidFill>
@@ -3497,14 +3497,14 @@
           </a:ln>
           <a:extLst>
             <a:ext uri="{909E8E84-426E-40dd-AFC4-6F175D3DCCD1}">
-              <a14:hiddenFill xmlns:a14="http://schemas.microsoft.com/office/drawing/2010/main" xmlns="">
+              <a14:hiddenFill xmlns="" xmlns:a14="http://schemas.microsoft.com/office/drawing/2010/main">
                 <a:solidFill>
                   <a:srgbClr val="FFFFFF"/>
                 </a:solidFill>
               </a14:hiddenFill>
             </a:ext>
             <a:ext uri="{91240B29-F687-4f45-9708-019B960494DF}">
-              <a14:hiddenLine xmlns:a14="http://schemas.microsoft.com/office/drawing/2010/main" xmlns="" w="9525">
+              <a14:hiddenLine xmlns="" xmlns:a14="http://schemas.microsoft.com/office/drawing/2010/main" w="9525">
                 <a:solidFill>
                   <a:srgbClr val="000000"/>
                 </a:solidFill>
@@ -4032,14 +4032,14 @@
           </a:ln>
           <a:extLst>
             <a:ext uri="{909E8E84-426E-40dd-AFC4-6F175D3DCCD1}">
-              <a14:hiddenFill xmlns:a14="http://schemas.microsoft.com/office/drawing/2010/main" xmlns="">
+              <a14:hiddenFill xmlns="" xmlns:a14="http://schemas.microsoft.com/office/drawing/2010/main">
                 <a:solidFill>
                   <a:srgbClr val="FFFFFF"/>
                 </a:solidFill>
               </a14:hiddenFill>
             </a:ext>
             <a:ext uri="{91240B29-F687-4f45-9708-019B960494DF}">
-              <a14:hiddenLine xmlns:a14="http://schemas.microsoft.com/office/drawing/2010/main" xmlns="" w="9525">
+              <a14:hiddenLine xmlns="" xmlns:a14="http://schemas.microsoft.com/office/drawing/2010/main" w="9525">
                 <a:solidFill>
                   <a:srgbClr val="000000"/>
                 </a:solidFill>
@@ -4508,14 +4508,14 @@
           </a:ln>
           <a:extLst>
             <a:ext uri="{909E8E84-426E-40dd-AFC4-6F175D3DCCD1}">
-              <a14:hiddenFill xmlns:a14="http://schemas.microsoft.com/office/drawing/2010/main" xmlns="">
+              <a14:hiddenFill xmlns="" xmlns:a14="http://schemas.microsoft.com/office/drawing/2010/main">
                 <a:solidFill>
                   <a:srgbClr val="FFFFFF"/>
                 </a:solidFill>
               </a14:hiddenFill>
             </a:ext>
             <a:ext uri="{91240B29-F687-4f45-9708-019B960494DF}">
-              <a14:hiddenLine xmlns:a14="http://schemas.microsoft.com/office/drawing/2010/main" xmlns="" w="9525">
+              <a14:hiddenLine xmlns="" xmlns:a14="http://schemas.microsoft.com/office/drawing/2010/main" w="9525">
                 <a:solidFill>
                   <a:srgbClr val="000000"/>
                 </a:solidFill>
@@ -4729,14 +4729,14 @@
           </a:ln>
           <a:extLst>
             <a:ext uri="{909E8E84-426E-40dd-AFC4-6F175D3DCCD1}">
-              <a14:hiddenFill xmlns:a14="http://schemas.microsoft.com/office/drawing/2010/main" xmlns="">
+              <a14:hiddenFill xmlns="" xmlns:a14="http://schemas.microsoft.com/office/drawing/2010/main">
                 <a:solidFill>
                   <a:srgbClr val="FFFFFF"/>
                 </a:solidFill>
               </a14:hiddenFill>
             </a:ext>
             <a:ext uri="{91240B29-F687-4f45-9708-019B960494DF}">
-              <a14:hiddenLine xmlns:a14="http://schemas.microsoft.com/office/drawing/2010/main" xmlns="" w="9525">
+              <a14:hiddenLine xmlns="" xmlns:a14="http://schemas.microsoft.com/office/drawing/2010/main" w="9525">
                 <a:solidFill>
                   <a:srgbClr val="000000"/>
                 </a:solidFill>
@@ -4950,14 +4950,14 @@
           </a:ln>
           <a:extLst>
             <a:ext uri="{909E8E84-426E-40dd-AFC4-6F175D3DCCD1}">
-              <a14:hiddenFill xmlns:a14="http://schemas.microsoft.com/office/drawing/2010/main" xmlns="">
+              <a14:hiddenFill xmlns="" xmlns:a14="http://schemas.microsoft.com/office/drawing/2010/main">
                 <a:solidFill>
                   <a:srgbClr val="FFFFFF"/>
                 </a:solidFill>
               </a14:hiddenFill>
             </a:ext>
             <a:ext uri="{91240B29-F687-4f45-9708-019B960494DF}">
-              <a14:hiddenLine xmlns:a14="http://schemas.microsoft.com/office/drawing/2010/main" xmlns="" w="9525">
+              <a14:hiddenLine xmlns="" xmlns:a14="http://schemas.microsoft.com/office/drawing/2010/main" w="9525">
                 <a:solidFill>
                   <a:srgbClr val="000000"/>
                 </a:solidFill>
@@ -5619,7 +5619,7 @@
           </a:ln>
           <a:extLst>
             <a:ext uri="{91240B29-F687-4f45-9708-019B960494DF}">
-              <a14:hiddenLine xmlns:a14="http://schemas.microsoft.com/office/drawing/2010/main" xmlns="" w="25400" algn="ctr">
+              <a14:hiddenLine xmlns="" xmlns:a14="http://schemas.microsoft.com/office/drawing/2010/main" w="25400" algn="ctr">
                 <a:solidFill>
                   <a:srgbClr val="000000"/>
                 </a:solidFill>
@@ -5775,7 +5775,7 @@
           </a:ln>
           <a:extLst>
             <a:ext uri="{91240B29-F687-4f45-9708-019B960494DF}">
-              <a14:hiddenLine xmlns:a14="http://schemas.microsoft.com/office/drawing/2010/main" xmlns="" w="25400" algn="ctr">
+              <a14:hiddenLine xmlns="" xmlns:a14="http://schemas.microsoft.com/office/drawing/2010/main" w="25400" algn="ctr">
                 <a:solidFill>
                   <a:srgbClr val="000000"/>
                 </a:solidFill>
@@ -5931,7 +5931,7 @@
           </a:ln>
           <a:extLst>
             <a:ext uri="{91240B29-F687-4f45-9708-019B960494DF}">
-              <a14:hiddenLine xmlns:a14="http://schemas.microsoft.com/office/drawing/2010/main" xmlns="" w="25400" algn="ctr">
+              <a14:hiddenLine xmlns="" xmlns:a14="http://schemas.microsoft.com/office/drawing/2010/main" w="25400" algn="ctr">
                 <a:solidFill>
                   <a:srgbClr val="000000"/>
                 </a:solidFill>
@@ -6085,14 +6085,14 @@
           </a:ln>
           <a:extLst>
             <a:ext uri="{909E8E84-426E-40dd-AFC4-6F175D3DCCD1}">
-              <a14:hiddenFill xmlns:a14="http://schemas.microsoft.com/office/drawing/2010/main" xmlns="">
+              <a14:hiddenFill xmlns="" xmlns:a14="http://schemas.microsoft.com/office/drawing/2010/main">
                 <a:solidFill>
                   <a:srgbClr val="FFFFFF"/>
                 </a:solidFill>
               </a14:hiddenFill>
             </a:ext>
             <a:ext uri="{91240B29-F687-4f45-9708-019B960494DF}">
-              <a14:hiddenLine xmlns:a14="http://schemas.microsoft.com/office/drawing/2010/main" xmlns="" w="9525">
+              <a14:hiddenLine xmlns="" xmlns:a14="http://schemas.microsoft.com/office/drawing/2010/main" w="9525">
                 <a:solidFill>
                   <a:srgbClr val="000000"/>
                 </a:solidFill>
@@ -12957,14 +12957,14 @@
           <a:noFill/>
           <a:extLst>
             <a:ext uri="{909E8E84-426E-40dd-AFC4-6F175D3DCCD1}">
-              <a14:hiddenFill xmlns:a14="http://schemas.microsoft.com/office/drawing/2010/main" xmlns="">
+              <a14:hiddenFill xmlns="" xmlns:a14="http://schemas.microsoft.com/office/drawing/2010/main">
                 <a:solidFill>
                   <a:srgbClr val="FFFFFF"/>
                 </a:solidFill>
               </a14:hiddenFill>
             </a:ext>
             <a:ext uri="{91240B29-F687-4f45-9708-019B960494DF}">
-              <a14:hiddenLine xmlns:a14="http://schemas.microsoft.com/office/drawing/2010/main" xmlns="" w="9525">
+              <a14:hiddenLine xmlns="" xmlns:a14="http://schemas.microsoft.com/office/drawing/2010/main" w="9525">
                 <a:solidFill>
                   <a:srgbClr val="000000"/>
                 </a:solidFill>
@@ -15387,14 +15387,14 @@
           </a:ln>
           <a:extLst>
             <a:ext uri="{909E8E84-426E-40dd-AFC4-6F175D3DCCD1}">
-              <a14:hiddenFill xmlns:a14="http://schemas.microsoft.com/office/drawing/2010/main" xmlns="">
+              <a14:hiddenFill xmlns="" xmlns:a14="http://schemas.microsoft.com/office/drawing/2010/main">
                 <a:solidFill>
                   <a:srgbClr val="FFFFFF"/>
                 </a:solidFill>
               </a14:hiddenFill>
             </a:ext>
             <a:ext uri="{91240B29-F687-4f45-9708-019B960494DF}">
-              <a14:hiddenLine xmlns:a14="http://schemas.microsoft.com/office/drawing/2010/main" xmlns="" w="9525">
+              <a14:hiddenLine xmlns="" xmlns:a14="http://schemas.microsoft.com/office/drawing/2010/main" w="9525">
                 <a:solidFill>
                   <a:srgbClr val="000000"/>
                 </a:solidFill>
@@ -15691,14 +15691,14 @@
           </a:ln>
           <a:extLst>
             <a:ext uri="{909E8E84-426E-40dd-AFC4-6F175D3DCCD1}">
-              <a14:hiddenFill xmlns:a14="http://schemas.microsoft.com/office/drawing/2010/main" xmlns="">
+              <a14:hiddenFill xmlns="" xmlns:a14="http://schemas.microsoft.com/office/drawing/2010/main">
                 <a:solidFill>
                   <a:srgbClr val="FFFFFF"/>
                 </a:solidFill>
               </a14:hiddenFill>
             </a:ext>
             <a:ext uri="{91240B29-F687-4f45-9708-019B960494DF}">
-              <a14:hiddenLine xmlns:a14="http://schemas.microsoft.com/office/drawing/2010/main" xmlns="" w="9525">
+              <a14:hiddenLine xmlns="" xmlns:a14="http://schemas.microsoft.com/office/drawing/2010/main" w="9525">
                 <a:solidFill>
                   <a:srgbClr val="000000"/>
                 </a:solidFill>
@@ -15821,14 +15821,14 @@
           </a:ln>
           <a:extLst>
             <a:ext uri="{909E8E84-426E-40dd-AFC4-6F175D3DCCD1}">
-              <a14:hiddenFill xmlns:a14="http://schemas.microsoft.com/office/drawing/2010/main" xmlns="">
+              <a14:hiddenFill xmlns="" xmlns:a14="http://schemas.microsoft.com/office/drawing/2010/main">
                 <a:solidFill>
                   <a:srgbClr val="FFFFFF"/>
                 </a:solidFill>
               </a14:hiddenFill>
             </a:ext>
             <a:ext uri="{91240B29-F687-4f45-9708-019B960494DF}">
-              <a14:hiddenLine xmlns:a14="http://schemas.microsoft.com/office/drawing/2010/main" xmlns="" w="9525">
+              <a14:hiddenLine xmlns="" xmlns:a14="http://schemas.microsoft.com/office/drawing/2010/main" w="9525">
                 <a:solidFill>
                   <a:srgbClr val="000000"/>
                 </a:solidFill>
@@ -16059,14 +16059,14 @@
           <a:noFill/>
           <a:extLst>
             <a:ext uri="{909E8E84-426E-40dd-AFC4-6F175D3DCCD1}">
-              <a14:hiddenFill xmlns:a14="http://schemas.microsoft.com/office/drawing/2010/main" xmlns="">
+              <a14:hiddenFill xmlns="" xmlns:a14="http://schemas.microsoft.com/office/drawing/2010/main">
                 <a:solidFill>
                   <a:srgbClr val="FFFFFF"/>
                 </a:solidFill>
               </a14:hiddenFill>
             </a:ext>
             <a:ext uri="{91240B29-F687-4f45-9708-019B960494DF}">
-              <a14:hiddenLine xmlns:a14="http://schemas.microsoft.com/office/drawing/2010/main" xmlns="" w="9525">
+              <a14:hiddenLine xmlns="" xmlns:a14="http://schemas.microsoft.com/office/drawing/2010/main" w="9525">
                 <a:solidFill>
                   <a:srgbClr val="000000"/>
                 </a:solidFill>
@@ -18032,14 +18032,14 @@
           <a:noFill/>
           <a:extLst>
             <a:ext uri="{909E8E84-426E-40dd-AFC4-6F175D3DCCD1}">
-              <a14:hiddenFill xmlns:a14="http://schemas.microsoft.com/office/drawing/2010/main" xmlns="">
+              <a14:hiddenFill xmlns="" xmlns:a14="http://schemas.microsoft.com/office/drawing/2010/main">
                 <a:solidFill>
                   <a:srgbClr val="FFFFFF"/>
                 </a:solidFill>
               </a14:hiddenFill>
             </a:ext>
             <a:ext uri="{91240B29-F687-4f45-9708-019B960494DF}">
-              <a14:hiddenLine xmlns:a14="http://schemas.microsoft.com/office/drawing/2010/main" xmlns="" w="9525">
+              <a14:hiddenLine xmlns="" xmlns:a14="http://schemas.microsoft.com/office/drawing/2010/main" w="9525">
                 <a:solidFill>
                   <a:srgbClr val="000000"/>
                 </a:solidFill>
@@ -18420,14 +18420,14 @@
           </a:ln>
           <a:extLst>
             <a:ext uri="{909E8E84-426E-40dd-AFC4-6F175D3DCCD1}">
-              <a14:hiddenFill xmlns:a14="http://schemas.microsoft.com/office/drawing/2010/main" xmlns="">
+              <a14:hiddenFill xmlns="" xmlns:a14="http://schemas.microsoft.com/office/drawing/2010/main">
                 <a:solidFill>
                   <a:srgbClr val="FFFFFF"/>
                 </a:solidFill>
               </a14:hiddenFill>
             </a:ext>
             <a:ext uri="{91240B29-F687-4f45-9708-019B960494DF}">
-              <a14:hiddenLine xmlns:a14="http://schemas.microsoft.com/office/drawing/2010/main" xmlns="" w="9525">
+              <a14:hiddenLine xmlns="" xmlns:a14="http://schemas.microsoft.com/office/drawing/2010/main" w="9525">
                 <a:solidFill>
                   <a:srgbClr val="000000"/>
                 </a:solidFill>
@@ -18634,14 +18634,14 @@
           </a:ln>
           <a:extLst>
             <a:ext uri="{909E8E84-426E-40dd-AFC4-6F175D3DCCD1}">
-              <a14:hiddenFill xmlns:a14="http://schemas.microsoft.com/office/drawing/2010/main" xmlns="">
+              <a14:hiddenFill xmlns="" xmlns:a14="http://schemas.microsoft.com/office/drawing/2010/main">
                 <a:solidFill>
                   <a:srgbClr val="FFFFFF"/>
                 </a:solidFill>
               </a14:hiddenFill>
             </a:ext>
             <a:ext uri="{91240B29-F687-4f45-9708-019B960494DF}">
-              <a14:hiddenLine xmlns:a14="http://schemas.microsoft.com/office/drawing/2010/main" xmlns="" w="9525">
+              <a14:hiddenLine xmlns="" xmlns:a14="http://schemas.microsoft.com/office/drawing/2010/main" w="9525">
                 <a:solidFill>
                   <a:srgbClr val="000000"/>
                 </a:solidFill>
@@ -18860,14 +18860,14 @@
           </a:ln>
           <a:extLst>
             <a:ext uri="{909E8E84-426E-40dd-AFC4-6F175D3DCCD1}">
-              <a14:hiddenFill xmlns:a14="http://schemas.microsoft.com/office/drawing/2010/main" xmlns="">
+              <a14:hiddenFill xmlns="" xmlns:a14="http://schemas.microsoft.com/office/drawing/2010/main">
                 <a:solidFill>
                   <a:srgbClr val="FFFFFF"/>
                 </a:solidFill>
               </a14:hiddenFill>
             </a:ext>
             <a:ext uri="{91240B29-F687-4f45-9708-019B960494DF}">
-              <a14:hiddenLine xmlns:a14="http://schemas.microsoft.com/office/drawing/2010/main" xmlns="" w="9525">
+              <a14:hiddenLine xmlns="" xmlns:a14="http://schemas.microsoft.com/office/drawing/2010/main" w="9525">
                 <a:solidFill>
                   <a:srgbClr val="000000"/>
                 </a:solidFill>
@@ -19077,14 +19077,14 @@
           </a:ln>
           <a:extLst>
             <a:ext uri="{909E8E84-426E-40dd-AFC4-6F175D3DCCD1}">
-              <a14:hiddenFill xmlns:a14="http://schemas.microsoft.com/office/drawing/2010/main" xmlns="">
+              <a14:hiddenFill xmlns="" xmlns:a14="http://schemas.microsoft.com/office/drawing/2010/main">
                 <a:solidFill>
                   <a:srgbClr val="FFFFFF"/>
                 </a:solidFill>
               </a14:hiddenFill>
             </a:ext>
             <a:ext uri="{91240B29-F687-4f45-9708-019B960494DF}">
-              <a14:hiddenLine xmlns:a14="http://schemas.microsoft.com/office/drawing/2010/main" xmlns="" w="9525">
+              <a14:hiddenLine xmlns="" xmlns:a14="http://schemas.microsoft.com/office/drawing/2010/main" w="9525">
                 <a:solidFill>
                   <a:srgbClr val="000000"/>
                 </a:solidFill>
@@ -19335,14 +19335,14 @@
           </a:ln>
           <a:extLst>
             <a:ext uri="{909E8E84-426E-40dd-AFC4-6F175D3DCCD1}">
-              <a14:hiddenFill xmlns:a14="http://schemas.microsoft.com/office/drawing/2010/main" xmlns="">
+              <a14:hiddenFill xmlns="" xmlns:a14="http://schemas.microsoft.com/office/drawing/2010/main">
                 <a:solidFill>
                   <a:srgbClr val="FFFFFF"/>
                 </a:solidFill>
               </a14:hiddenFill>
             </a:ext>
             <a:ext uri="{91240B29-F687-4f45-9708-019B960494DF}">
-              <a14:hiddenLine xmlns:a14="http://schemas.microsoft.com/office/drawing/2010/main" xmlns="" w="9525">
+              <a14:hiddenLine xmlns="" xmlns:a14="http://schemas.microsoft.com/office/drawing/2010/main" w="9525">
                 <a:solidFill>
                   <a:srgbClr val="000000"/>
                 </a:solidFill>
@@ -19534,14 +19534,14 @@
           </a:ln>
           <a:extLst>
             <a:ext uri="{909E8E84-426E-40dd-AFC4-6F175D3DCCD1}">
-              <a14:hiddenFill xmlns:a14="http://schemas.microsoft.com/office/drawing/2010/main" xmlns="">
+              <a14:hiddenFill xmlns="" xmlns:a14="http://schemas.microsoft.com/office/drawing/2010/main">
                 <a:solidFill>
                   <a:srgbClr val="FFFFFF"/>
                 </a:solidFill>
               </a14:hiddenFill>
             </a:ext>
             <a:ext uri="{91240B29-F687-4f45-9708-019B960494DF}">
-              <a14:hiddenLine xmlns:a14="http://schemas.microsoft.com/office/drawing/2010/main" xmlns="" w="9525">
+              <a14:hiddenLine xmlns="" xmlns:a14="http://schemas.microsoft.com/office/drawing/2010/main" w="9525">
                 <a:solidFill>
                   <a:srgbClr val="000000"/>
                 </a:solidFill>
@@ -20418,7 +20418,7 @@
             </a:pPr>
             <a:r>
               <a:rPr lang="en-CN" sz="1400" dirty="0"/>
-              <a:t>DPAS: some under PR7/8 instead of PR1/2/3, recategozied as PR1/2</a:t>
+              <a:t>DPAS: some under PR7/8 instead of PR1/2/3, recategozied as PR1</a:t>
             </a:r>
             <a:endParaRPr lang="en-CN" sz="1400" b="1" dirty="0"/>
           </a:p>
@@ -21050,6 +21050,53 @@
             <a:r>
               <a:rPr lang="en-CN" sz="1400" dirty="0"/>
               <a:t>(PCBA LT to DF will be considered)</a:t>
+            </a:r>
+          </a:p>
+        </p:txBody>
+      </p:sp>
+      <p:sp>
+        <p:nvSpPr>
+          <p:cNvPr id="3" name="TextBox 2">
+            <a:extLst>
+              <a:ext uri="{FF2B5EF4-FFF2-40B4-BE49-F238E27FC236}">
+                <a16:creationId xmlns:a16="http://schemas.microsoft.com/office/drawing/2014/main" id="{FCB1C6AC-07E7-834E-BDAC-006E77878B95}"/>
+              </a:ext>
+            </a:extLst>
+          </p:cNvPr>
+          <p:cNvSpPr txBox="1"/>
+          <p:nvPr/>
+        </p:nvSpPr>
+        <p:spPr>
+          <a:xfrm>
+            <a:off x="1408386" y="5339255"/>
+            <a:ext cx="9080499" cy="369332"/>
+          </a:xfrm>
+          <a:prstGeom prst="rect">
+            <a:avLst/>
+          </a:prstGeom>
+          <a:noFill/>
+        </p:spPr>
+        <p:txBody>
+          <a:bodyPr wrap="none" rtlCol="0">
+            <a:spAutoFit/>
+          </a:bodyPr>
+          <a:lstStyle/>
+          <a:p>
+            <a:r>
+              <a:rPr lang="en-CN" dirty="0"/>
+              <a:t>Logic shared and aligned with DF managers: BP, Paco, Max, Seth, </a:t>
+            </a:r>
+            <a:r>
+              <a:rPr lang="en-CN" dirty="0">
+                <a:highlight>
+                  <a:srgbClr val="FFFF00"/>
+                </a:highlight>
+              </a:rPr>
+              <a:t>Ann</a:t>
+            </a:r>
+            <a:r>
+              <a:rPr lang="en-CN" dirty="0"/>
+              <a:t> (further confirm)</a:t>
             </a:r>
           </a:p>
         </p:txBody>
@@ -22162,13 +22209,15 @@
         </p:nvSpPr>
         <p:spPr>
           <a:xfrm>
-            <a:off x="3990310" y="6033583"/>
-            <a:ext cx="4658070" cy="738664"/>
+            <a:off x="4694501" y="6033583"/>
+            <a:ext cx="5563511" cy="738664"/>
           </a:xfrm>
           <a:prstGeom prst="rect">
             <a:avLst/>
           </a:prstGeom>
-          <a:noFill/>
+          <a:solidFill>
+            <a:schemeClr val="bg1"/>
+          </a:solidFill>
         </p:spPr>
         <p:txBody>
           <a:bodyPr wrap="none" rtlCol="0">
@@ -22178,19 +22227,19 @@
           <a:p>
             <a:r>
               <a:rPr lang="en-CN" sz="1400" dirty="0"/>
-              <a:t>Versions: Assume no need to separate different versions</a:t>
+              <a:t>Versions: no need to separate different versions</a:t>
             </a:r>
           </a:p>
           <a:p>
             <a:r>
               <a:rPr lang="en-CN" sz="1400" dirty="0"/>
-              <a:t>Sourcing rules: assume no multi-sourcing </a:t>
+              <a:t>Sourcing rules: each DF only source same TAN from one PCBA site</a:t>
             </a:r>
           </a:p>
           <a:p>
             <a:r>
               <a:rPr lang="en-CN" sz="1400" dirty="0"/>
-              <a:t>Backlog offset: assume air transit pad</a:t>
+              <a:t>Backlog gap:  use air ship from PCBA site to cover </a:t>
             </a:r>
           </a:p>
         </p:txBody>
@@ -22312,8 +22361,8 @@
         </p:nvSpPr>
         <p:spPr>
           <a:xfrm>
-            <a:off x="2459122" y="6001686"/>
-            <a:ext cx="1531188" cy="369332"/>
+            <a:off x="3058501" y="5993156"/>
+            <a:ext cx="1762021" cy="369332"/>
           </a:xfrm>
           <a:prstGeom prst="rect">
             <a:avLst/>
@@ -22328,7 +22377,7 @@
           <a:p>
             <a:r>
               <a:rPr lang="en-CN" dirty="0"/>
-              <a:t>Summptions:</a:t>
+              <a:t>Assummptions:</a:t>
             </a:r>
           </a:p>
         </p:txBody>

--- a/PCBA allocation Sep 29.pptx
+++ b/PCBA allocation Sep 29.pptx
@@ -229,7 +229,7 @@
           <a:p>
             <a:fld id="{055D18FD-D4CC-4163-B221-261AEA246121}" type="datetimeFigureOut">
               <a:rPr lang="en-US" smtClean="0"/>
-              <a:t>10/9/20</a:t>
+              <a:t>10/10/20</a:t>
             </a:fld>
             <a:endParaRPr lang="en-US"/>
           </a:p>
@@ -20088,7 +20088,7 @@
         <p:spPr>
           <a:xfrm>
             <a:off x="625995" y="2162832"/>
-            <a:ext cx="11426745" cy="1429030"/>
+            <a:ext cx="10589693" cy="1429030"/>
           </a:xfrm>
         </p:spPr>
         <p:txBody>
@@ -20105,7 +20105,7 @@
             </a:br>
             <a:r>
               <a:rPr lang="en-US" altLang="zh-CN" sz="2400" dirty="0"/>
-              <a:t>Ranking Logic and Procedure</a:t>
+              <a:t>Ranking Logic and Allocation Procedures</a:t>
             </a:r>
             <a:endParaRPr lang="en-US" sz="3200" dirty="0"/>
           </a:p>
@@ -21033,8 +21033,8 @@
         </p:nvSpPr>
         <p:spPr>
           <a:xfrm>
-            <a:off x="3729525" y="1399349"/>
-            <a:ext cx="2985882" cy="307777"/>
+            <a:off x="3445748" y="1399349"/>
+            <a:ext cx="3316614" cy="307777"/>
           </a:xfrm>
           <a:prstGeom prst="rect">
             <a:avLst/>
@@ -21049,7 +21049,7 @@
           <a:p>
             <a:r>
               <a:rPr lang="en-CN" sz="1400" dirty="0"/>
-              <a:t>(PCBA LT to DF will be considered)</a:t>
+              <a:t>(date offset by PCBA to DF transit time)</a:t>
             </a:r>
           </a:p>
         </p:txBody>
@@ -21096,11 +21096,117 @@
             </a:r>
             <a:r>
               <a:rPr lang="en-CN" dirty="0"/>
-              <a:t> (further confirm)</a:t>
-            </a:r>
-          </a:p>
-        </p:txBody>
-      </p:sp>
+              <a:t> (Ann is shared)</a:t>
+            </a:r>
+          </a:p>
+        </p:txBody>
+      </p:sp>
+      <p:sp>
+        <p:nvSpPr>
+          <p:cNvPr id="21" name="Process 20">
+            <a:extLst>
+              <a:ext uri="{FF2B5EF4-FFF2-40B4-BE49-F238E27FC236}">
+                <a16:creationId xmlns:a16="http://schemas.microsoft.com/office/drawing/2014/main" id="{64C36445-2FBB-1841-A5AC-74A47F9C4300}"/>
+              </a:ext>
+            </a:extLst>
+          </p:cNvPr>
+          <p:cNvSpPr/>
+          <p:nvPr/>
+        </p:nvSpPr>
+        <p:spPr>
+          <a:xfrm>
+            <a:off x="2893017" y="2988390"/>
+            <a:ext cx="1176549" cy="614849"/>
+          </a:xfrm>
+          <a:prstGeom prst="flowChartProcess">
+            <a:avLst/>
+          </a:prstGeom>
+          <a:noFill/>
+          <a:ln>
+            <a:solidFill>
+              <a:srgbClr val="FFC000"/>
+            </a:solidFill>
+          </a:ln>
+          <a:effectLst/>
+        </p:spPr>
+        <p:style>
+          <a:lnRef idx="2">
+            <a:schemeClr val="accent1">
+              <a:shade val="50000"/>
+            </a:schemeClr>
+          </a:lnRef>
+          <a:fillRef idx="1">
+            <a:schemeClr val="accent1"/>
+          </a:fillRef>
+          <a:effectRef idx="0">
+            <a:schemeClr val="accent1"/>
+          </a:effectRef>
+          <a:fontRef idx="minor">
+            <a:schemeClr val="lt1"/>
+          </a:fontRef>
+        </p:style>
+        <p:txBody>
+          <a:bodyPr rtlCol="0" anchor="ctr"/>
+          <a:lstStyle/>
+          <a:p>
+            <a:pPr algn="ctr"/>
+            <a:r>
+              <a:rPr lang="en-CN" sz="1050" dirty="0">
+                <a:solidFill>
+                  <a:schemeClr val="tx1"/>
+                </a:solidFill>
+              </a:rPr>
+              <a:t>Manual priority injection by PPF</a:t>
+            </a:r>
+          </a:p>
+        </p:txBody>
+      </p:sp>
+      <p:cxnSp>
+        <p:nvCxnSpPr>
+          <p:cNvPr id="22" name="Elbow Connector 21">
+            <a:extLst>
+              <a:ext uri="{FF2B5EF4-FFF2-40B4-BE49-F238E27FC236}">
+                <a16:creationId xmlns:a16="http://schemas.microsoft.com/office/drawing/2014/main" id="{CEE62B35-6228-7743-AFAB-D84FF5CAC211}"/>
+              </a:ext>
+            </a:extLst>
+          </p:cNvPr>
+          <p:cNvCxnSpPr>
+            <a:cxnSpLocks/>
+            <a:stCxn id="21" idx="1"/>
+          </p:cNvCxnSpPr>
+          <p:nvPr/>
+        </p:nvCxnSpPr>
+        <p:spPr>
+          <a:xfrm rot="10800000">
+            <a:off x="2574429" y="2307171"/>
+            <a:ext cx="318589" cy="988645"/>
+          </a:xfrm>
+          <a:prstGeom prst="bentConnector2">
+            <a:avLst/>
+          </a:prstGeom>
+          <a:ln w="19050">
+            <a:solidFill>
+              <a:srgbClr val="FFC000"/>
+            </a:solidFill>
+            <a:prstDash val="dashDot"/>
+            <a:tailEnd type="triangle"/>
+          </a:ln>
+        </p:spPr>
+        <p:style>
+          <a:lnRef idx="1">
+            <a:schemeClr val="accent1"/>
+          </a:lnRef>
+          <a:fillRef idx="0">
+            <a:schemeClr val="accent1"/>
+          </a:fillRef>
+          <a:effectRef idx="0">
+            <a:schemeClr val="accent1"/>
+          </a:effectRef>
+          <a:fontRef idx="minor">
+            <a:schemeClr val="tx1"/>
+          </a:fontRef>
+        </p:style>
+      </p:cxnSp>
     </p:spTree>
     <p:extLst>
       <p:ext uri="{BB962C8B-B14F-4D97-AF65-F5344CB8AC3E}">
@@ -21279,7 +21385,7 @@
             <a:pPr algn="ctr"/>
             <a:r>
               <a:rPr lang="en-CN" sz="1100" dirty="0"/>
-              <a:t>SCR (incl. SM)</a:t>
+              <a:t>SCR (incl. OH)</a:t>
             </a:r>
           </a:p>
         </p:txBody>
@@ -22210,7 +22316,7 @@
         <p:spPr>
           <a:xfrm>
             <a:off x="4694501" y="6033583"/>
-            <a:ext cx="5563511" cy="738664"/>
+            <a:ext cx="5826980" cy="738664"/>
           </a:xfrm>
           <a:prstGeom prst="rect">
             <a:avLst/>
@@ -22227,7 +22333,7 @@
           <a:p>
             <a:r>
               <a:rPr lang="en-CN" sz="1400" dirty="0"/>
-              <a:t>Versions: no need to separate different versions</a:t>
+              <a:t>Versions: different versions considered as same</a:t>
             </a:r>
           </a:p>
           <a:p>
@@ -22239,7 +22345,7 @@
           <a:p>
             <a:r>
               <a:rPr lang="en-CN" sz="1400" dirty="0"/>
-              <a:t>Backlog gap:  use air ship from PCBA site to cover </a:t>
+              <a:t>Transit time: air transit time – backlog gap should be covered by air ship</a:t>
             </a:r>
           </a:p>
         </p:txBody>
@@ -22294,11 +22400,7 @@
           <a:p>
             <a:pPr algn="ctr"/>
             <a:r>
-              <a:rPr lang="en-CN" sz="1100" dirty="0">
-                <a:highlight>
-                  <a:srgbClr val="FFC080"/>
-                </a:highlight>
-              </a:rPr>
+              <a:rPr lang="en-CN" sz="1100" dirty="0"/>
               <a:t>SB</a:t>
             </a:r>
           </a:p>
@@ -22362,7 +22464,7 @@
         <p:spPr>
           <a:xfrm>
             <a:off x="3058501" y="5993156"/>
-            <a:ext cx="1762021" cy="369332"/>
+            <a:ext cx="1569660" cy="369332"/>
           </a:xfrm>
           <a:prstGeom prst="rect">
             <a:avLst/>
@@ -22377,17 +22479,17 @@
           <a:p>
             <a:r>
               <a:rPr lang="en-CN" dirty="0"/>
-              <a:t>Assummptions:</a:t>
-            </a:r>
-          </a:p>
-        </p:txBody>
-      </p:sp>
-      <p:sp>
-        <p:nvSpPr>
-          <p:cNvPr id="3" name="TextBox 2">
+              <a:t>Assumptions:</a:t>
+            </a:r>
+          </a:p>
+        </p:txBody>
+      </p:sp>
+      <p:sp>
+        <p:nvSpPr>
+          <p:cNvPr id="31" name="TextBox 30">
             <a:extLst>
               <a:ext uri="{FF2B5EF4-FFF2-40B4-BE49-F238E27FC236}">
-                <a16:creationId xmlns:a16="http://schemas.microsoft.com/office/drawing/2014/main" id="{C9110377-6477-EE45-9EC3-5915185D1520}"/>
+                <a16:creationId xmlns:a16="http://schemas.microsoft.com/office/drawing/2014/main" id="{2773AE47-D6B4-6F42-BBF1-A5883D416888}"/>
               </a:ext>
             </a:extLst>
           </p:cNvPr>
@@ -22396,8 +22498,8 @@
         </p:nvSpPr>
         <p:spPr>
           <a:xfrm>
-            <a:off x="9249104" y="3128866"/>
-            <a:ext cx="2543503" cy="954107"/>
+            <a:off x="2430519" y="5020223"/>
+            <a:ext cx="2795958" cy="246221"/>
           </a:xfrm>
           <a:prstGeom prst="rect">
             <a:avLst/>
@@ -22405,34 +22507,49 @@
           <a:noFill/>
         </p:spPr>
         <p:txBody>
-          <a:bodyPr wrap="square" rtlCol="0">
+          <a:bodyPr wrap="none" rtlCol="0">
             <a:spAutoFit/>
           </a:bodyPr>
           <a:lstStyle/>
           <a:p>
             <a:r>
-              <a:rPr lang="en-CN" sz="1400" dirty="0"/>
-              <a:t>Questions: </a:t>
-            </a:r>
-          </a:p>
-          <a:p>
-            <a:pPr marL="285750" indent="-285750">
-              <a:buFont typeface="Arial" panose="020B0604020202020204" pitchFamily="34" charset="0"/>
-              <a:buChar char="•"/>
-            </a:pPr>
-            <a:r>
-              <a:rPr lang="en-CN" sz="1400" dirty="0"/>
-              <a:t>OH sheet, transit is from where to where?</a:t>
-            </a:r>
-          </a:p>
-          <a:p>
-            <a:pPr marL="285750" indent="-285750">
-              <a:buFont typeface="Arial" panose="020B0604020202020204" pitchFamily="34" charset="0"/>
-              <a:buChar char="•"/>
-            </a:pPr>
-            <a:r>
-              <a:rPr lang="en-CN" sz="1400" dirty="0"/>
-              <a:t>SB datasource?</a:t>
+              <a:rPr lang="en-CN" sz="1000" dirty="0"/>
+              <a:t>To be considered if we have good data source</a:t>
+            </a:r>
+          </a:p>
+        </p:txBody>
+      </p:sp>
+      <p:sp>
+        <p:nvSpPr>
+          <p:cNvPr id="33" name="TextBox 32">
+            <a:extLst>
+              <a:ext uri="{FF2B5EF4-FFF2-40B4-BE49-F238E27FC236}">
+                <a16:creationId xmlns:a16="http://schemas.microsoft.com/office/drawing/2014/main" id="{158DB9B5-DB86-E747-8B78-67938A7CEF49}"/>
+              </a:ext>
+            </a:extLst>
+          </p:cNvPr>
+          <p:cNvSpPr txBox="1"/>
+          <p:nvPr/>
+        </p:nvSpPr>
+        <p:spPr>
+          <a:xfrm>
+            <a:off x="2420006" y="4351357"/>
+            <a:ext cx="4549643" cy="246221"/>
+          </a:xfrm>
+          <a:prstGeom prst="rect">
+            <a:avLst/>
+          </a:prstGeom>
+          <a:noFill/>
+        </p:spPr>
+        <p:txBody>
+          <a:bodyPr wrap="none" rtlCol="0">
+            <a:spAutoFit/>
+          </a:bodyPr>
+          <a:lstStyle/>
+          <a:p>
+            <a:r>
+              <a:rPr lang="en-CN" sz="1000" dirty="0"/>
+              <a:t>ETA&lt;=15days considered as OH; ETA&gt;15days can backward fulfill by 7 days</a:t>
             </a:r>
           </a:p>
         </p:txBody>

--- a/PCBA allocation Sep 29.pptx
+++ b/PCBA allocation Sep 29.pptx
@@ -22534,7 +22534,7 @@
         <p:spPr>
           <a:xfrm>
             <a:off x="2420006" y="4351357"/>
-            <a:ext cx="4549643" cy="246221"/>
+            <a:ext cx="4804520" cy="246221"/>
           </a:xfrm>
           <a:prstGeom prst="rect">
             <a:avLst/>
@@ -22549,7 +22549,7 @@
           <a:p>
             <a:r>
               <a:rPr lang="en-CN" sz="1000" dirty="0"/>
-              <a:t>ETA&lt;=15days considered as OH; ETA&gt;15days can backward fulfill by 7 days</a:t>
+              <a:t>ETA&lt;=15days considered as OH; ETA&gt;15days can backward fulfill by 7 days(15?)</a:t>
             </a:r>
           </a:p>
         </p:txBody>

--- a/PCBA allocation Sep 29.pptx
+++ b/PCBA allocation Sep 29.pptx
@@ -229,7 +229,7 @@
           <a:p>
             <a:fld id="{055D18FD-D4CC-4163-B221-261AEA246121}" type="datetimeFigureOut">
               <a:rPr lang="en-US" smtClean="0"/>
-              <a:t>10/10/20</a:t>
+              <a:t>10/11/20</a:t>
             </a:fld>
             <a:endParaRPr lang="en-US"/>
           </a:p>
@@ -564,14 +564,14 @@
           </a:ln>
           <a:extLst>
             <a:ext uri="{909E8E84-426E-40dd-AFC4-6F175D3DCCD1}">
-              <a14:hiddenFill xmlns="" xmlns:a14="http://schemas.microsoft.com/office/drawing/2010/main">
+              <a14:hiddenFill xmlns:a14="http://schemas.microsoft.com/office/drawing/2010/main" xmlns="">
                 <a:solidFill>
                   <a:srgbClr val="FFFFFF"/>
                 </a:solidFill>
               </a14:hiddenFill>
             </a:ext>
             <a:ext uri="{91240B29-F687-4f45-9708-019B960494DF}">
-              <a14:hiddenLine xmlns="" xmlns:a14="http://schemas.microsoft.com/office/drawing/2010/main" w="9525">
+              <a14:hiddenLine xmlns:a14="http://schemas.microsoft.com/office/drawing/2010/main" xmlns="" w="9525">
                 <a:solidFill>
                   <a:srgbClr val="000000"/>
                 </a:solidFill>
@@ -1356,14 +1356,14 @@
           </a:ln>
           <a:extLst>
             <a:ext uri="{909E8E84-426E-40dd-AFC4-6F175D3DCCD1}">
-              <a14:hiddenFill xmlns="" xmlns:a14="http://schemas.microsoft.com/office/drawing/2010/main">
+              <a14:hiddenFill xmlns:a14="http://schemas.microsoft.com/office/drawing/2010/main" xmlns="">
                 <a:solidFill>
                   <a:srgbClr val="FFFFFF"/>
                 </a:solidFill>
               </a14:hiddenFill>
             </a:ext>
             <a:ext uri="{91240B29-F687-4f45-9708-019B960494DF}">
-              <a14:hiddenLine xmlns="" xmlns:a14="http://schemas.microsoft.com/office/drawing/2010/main" w="9525">
+              <a14:hiddenLine xmlns:a14="http://schemas.microsoft.com/office/drawing/2010/main" xmlns="" w="9525">
                 <a:solidFill>
                   <a:srgbClr val="000000"/>
                 </a:solidFill>
@@ -1752,14 +1752,14 @@
           </a:ln>
           <a:extLst>
             <a:ext uri="{909E8E84-426E-40dd-AFC4-6F175D3DCCD1}">
-              <a14:hiddenFill xmlns="" xmlns:a14="http://schemas.microsoft.com/office/drawing/2010/main">
+              <a14:hiddenFill xmlns:a14="http://schemas.microsoft.com/office/drawing/2010/main" xmlns="">
                 <a:solidFill>
                   <a:srgbClr val="FFFFFF"/>
                 </a:solidFill>
               </a14:hiddenFill>
             </a:ext>
             <a:ext uri="{91240B29-F687-4f45-9708-019B960494DF}">
-              <a14:hiddenLine xmlns="" xmlns:a14="http://schemas.microsoft.com/office/drawing/2010/main" w="9525">
+              <a14:hiddenLine xmlns:a14="http://schemas.microsoft.com/office/drawing/2010/main" xmlns="" w="9525">
                 <a:solidFill>
                   <a:srgbClr val="000000"/>
                 </a:solidFill>
@@ -3401,14 +3401,14 @@
           </a:ln>
           <a:extLst>
             <a:ext uri="{909E8E84-426E-40dd-AFC4-6F175D3DCCD1}">
-              <a14:hiddenFill xmlns="" xmlns:a14="http://schemas.microsoft.com/office/drawing/2010/main">
+              <a14:hiddenFill xmlns:a14="http://schemas.microsoft.com/office/drawing/2010/main" xmlns="">
                 <a:solidFill>
                   <a:srgbClr val="FFFFFF"/>
                 </a:solidFill>
               </a14:hiddenFill>
             </a:ext>
             <a:ext uri="{91240B29-F687-4f45-9708-019B960494DF}">
-              <a14:hiddenLine xmlns="" xmlns:a14="http://schemas.microsoft.com/office/drawing/2010/main" w="9525">
+              <a14:hiddenLine xmlns:a14="http://schemas.microsoft.com/office/drawing/2010/main" xmlns="" w="9525">
                 <a:solidFill>
                   <a:srgbClr val="000000"/>
                 </a:solidFill>
@@ -3497,14 +3497,14 @@
           </a:ln>
           <a:extLst>
             <a:ext uri="{909E8E84-426E-40dd-AFC4-6F175D3DCCD1}">
-              <a14:hiddenFill xmlns="" xmlns:a14="http://schemas.microsoft.com/office/drawing/2010/main">
+              <a14:hiddenFill xmlns:a14="http://schemas.microsoft.com/office/drawing/2010/main" xmlns="">
                 <a:solidFill>
                   <a:srgbClr val="FFFFFF"/>
                 </a:solidFill>
               </a14:hiddenFill>
             </a:ext>
             <a:ext uri="{91240B29-F687-4f45-9708-019B960494DF}">
-              <a14:hiddenLine xmlns="" xmlns:a14="http://schemas.microsoft.com/office/drawing/2010/main" w="9525">
+              <a14:hiddenLine xmlns:a14="http://schemas.microsoft.com/office/drawing/2010/main" xmlns="" w="9525">
                 <a:solidFill>
                   <a:srgbClr val="000000"/>
                 </a:solidFill>
@@ -4032,14 +4032,14 @@
           </a:ln>
           <a:extLst>
             <a:ext uri="{909E8E84-426E-40dd-AFC4-6F175D3DCCD1}">
-              <a14:hiddenFill xmlns="" xmlns:a14="http://schemas.microsoft.com/office/drawing/2010/main">
+              <a14:hiddenFill xmlns:a14="http://schemas.microsoft.com/office/drawing/2010/main" xmlns="">
                 <a:solidFill>
                   <a:srgbClr val="FFFFFF"/>
                 </a:solidFill>
               </a14:hiddenFill>
             </a:ext>
             <a:ext uri="{91240B29-F687-4f45-9708-019B960494DF}">
-              <a14:hiddenLine xmlns="" xmlns:a14="http://schemas.microsoft.com/office/drawing/2010/main" w="9525">
+              <a14:hiddenLine xmlns:a14="http://schemas.microsoft.com/office/drawing/2010/main" xmlns="" w="9525">
                 <a:solidFill>
                   <a:srgbClr val="000000"/>
                 </a:solidFill>
@@ -4508,14 +4508,14 @@
           </a:ln>
           <a:extLst>
             <a:ext uri="{909E8E84-426E-40dd-AFC4-6F175D3DCCD1}">
-              <a14:hiddenFill xmlns="" xmlns:a14="http://schemas.microsoft.com/office/drawing/2010/main">
+              <a14:hiddenFill xmlns:a14="http://schemas.microsoft.com/office/drawing/2010/main" xmlns="">
                 <a:solidFill>
                   <a:srgbClr val="FFFFFF"/>
                 </a:solidFill>
               </a14:hiddenFill>
             </a:ext>
             <a:ext uri="{91240B29-F687-4f45-9708-019B960494DF}">
-              <a14:hiddenLine xmlns="" xmlns:a14="http://schemas.microsoft.com/office/drawing/2010/main" w="9525">
+              <a14:hiddenLine xmlns:a14="http://schemas.microsoft.com/office/drawing/2010/main" xmlns="" w="9525">
                 <a:solidFill>
                   <a:srgbClr val="000000"/>
                 </a:solidFill>
@@ -4729,14 +4729,14 @@
           </a:ln>
           <a:extLst>
             <a:ext uri="{909E8E84-426E-40dd-AFC4-6F175D3DCCD1}">
-              <a14:hiddenFill xmlns="" xmlns:a14="http://schemas.microsoft.com/office/drawing/2010/main">
+              <a14:hiddenFill xmlns:a14="http://schemas.microsoft.com/office/drawing/2010/main" xmlns="">
                 <a:solidFill>
                   <a:srgbClr val="FFFFFF"/>
                 </a:solidFill>
               </a14:hiddenFill>
             </a:ext>
             <a:ext uri="{91240B29-F687-4f45-9708-019B960494DF}">
-              <a14:hiddenLine xmlns="" xmlns:a14="http://schemas.microsoft.com/office/drawing/2010/main" w="9525">
+              <a14:hiddenLine xmlns:a14="http://schemas.microsoft.com/office/drawing/2010/main" xmlns="" w="9525">
                 <a:solidFill>
                   <a:srgbClr val="000000"/>
                 </a:solidFill>
@@ -4950,14 +4950,14 @@
           </a:ln>
           <a:extLst>
             <a:ext uri="{909E8E84-426E-40dd-AFC4-6F175D3DCCD1}">
-              <a14:hiddenFill xmlns="" xmlns:a14="http://schemas.microsoft.com/office/drawing/2010/main">
+              <a14:hiddenFill xmlns:a14="http://schemas.microsoft.com/office/drawing/2010/main" xmlns="">
                 <a:solidFill>
                   <a:srgbClr val="FFFFFF"/>
                 </a:solidFill>
               </a14:hiddenFill>
             </a:ext>
             <a:ext uri="{91240B29-F687-4f45-9708-019B960494DF}">
-              <a14:hiddenLine xmlns="" xmlns:a14="http://schemas.microsoft.com/office/drawing/2010/main" w="9525">
+              <a14:hiddenLine xmlns:a14="http://schemas.microsoft.com/office/drawing/2010/main" xmlns="" w="9525">
                 <a:solidFill>
                   <a:srgbClr val="000000"/>
                 </a:solidFill>
@@ -5619,7 +5619,7 @@
           </a:ln>
           <a:extLst>
             <a:ext uri="{91240B29-F687-4f45-9708-019B960494DF}">
-              <a14:hiddenLine xmlns="" xmlns:a14="http://schemas.microsoft.com/office/drawing/2010/main" w="25400" algn="ctr">
+              <a14:hiddenLine xmlns:a14="http://schemas.microsoft.com/office/drawing/2010/main" xmlns="" w="25400" algn="ctr">
                 <a:solidFill>
                   <a:srgbClr val="000000"/>
                 </a:solidFill>
@@ -5775,7 +5775,7 @@
           </a:ln>
           <a:extLst>
             <a:ext uri="{91240B29-F687-4f45-9708-019B960494DF}">
-              <a14:hiddenLine xmlns="" xmlns:a14="http://schemas.microsoft.com/office/drawing/2010/main" w="25400" algn="ctr">
+              <a14:hiddenLine xmlns:a14="http://schemas.microsoft.com/office/drawing/2010/main" xmlns="" w="25400" algn="ctr">
                 <a:solidFill>
                   <a:srgbClr val="000000"/>
                 </a:solidFill>
@@ -5931,7 +5931,7 @@
           </a:ln>
           <a:extLst>
             <a:ext uri="{91240B29-F687-4f45-9708-019B960494DF}">
-              <a14:hiddenLine xmlns="" xmlns:a14="http://schemas.microsoft.com/office/drawing/2010/main" w="25400" algn="ctr">
+              <a14:hiddenLine xmlns:a14="http://schemas.microsoft.com/office/drawing/2010/main" xmlns="" w="25400" algn="ctr">
                 <a:solidFill>
                   <a:srgbClr val="000000"/>
                 </a:solidFill>
@@ -6085,14 +6085,14 @@
           </a:ln>
           <a:extLst>
             <a:ext uri="{909E8E84-426E-40dd-AFC4-6F175D3DCCD1}">
-              <a14:hiddenFill xmlns="" xmlns:a14="http://schemas.microsoft.com/office/drawing/2010/main">
+              <a14:hiddenFill xmlns:a14="http://schemas.microsoft.com/office/drawing/2010/main" xmlns="">
                 <a:solidFill>
                   <a:srgbClr val="FFFFFF"/>
                 </a:solidFill>
               </a14:hiddenFill>
             </a:ext>
             <a:ext uri="{91240B29-F687-4f45-9708-019B960494DF}">
-              <a14:hiddenLine xmlns="" xmlns:a14="http://schemas.microsoft.com/office/drawing/2010/main" w="9525">
+              <a14:hiddenLine xmlns:a14="http://schemas.microsoft.com/office/drawing/2010/main" xmlns="" w="9525">
                 <a:solidFill>
                   <a:srgbClr val="000000"/>
                 </a:solidFill>
@@ -12957,14 +12957,14 @@
           <a:noFill/>
           <a:extLst>
             <a:ext uri="{909E8E84-426E-40dd-AFC4-6F175D3DCCD1}">
-              <a14:hiddenFill xmlns="" xmlns:a14="http://schemas.microsoft.com/office/drawing/2010/main">
+              <a14:hiddenFill xmlns:a14="http://schemas.microsoft.com/office/drawing/2010/main" xmlns="">
                 <a:solidFill>
                   <a:srgbClr val="FFFFFF"/>
                 </a:solidFill>
               </a14:hiddenFill>
             </a:ext>
             <a:ext uri="{91240B29-F687-4f45-9708-019B960494DF}">
-              <a14:hiddenLine xmlns="" xmlns:a14="http://schemas.microsoft.com/office/drawing/2010/main" w="9525">
+              <a14:hiddenLine xmlns:a14="http://schemas.microsoft.com/office/drawing/2010/main" xmlns="" w="9525">
                 <a:solidFill>
                   <a:srgbClr val="000000"/>
                 </a:solidFill>
@@ -15387,14 +15387,14 @@
           </a:ln>
           <a:extLst>
             <a:ext uri="{909E8E84-426E-40dd-AFC4-6F175D3DCCD1}">
-              <a14:hiddenFill xmlns="" xmlns:a14="http://schemas.microsoft.com/office/drawing/2010/main">
+              <a14:hiddenFill xmlns:a14="http://schemas.microsoft.com/office/drawing/2010/main" xmlns="">
                 <a:solidFill>
                   <a:srgbClr val="FFFFFF"/>
                 </a:solidFill>
               </a14:hiddenFill>
             </a:ext>
             <a:ext uri="{91240B29-F687-4f45-9708-019B960494DF}">
-              <a14:hiddenLine xmlns="" xmlns:a14="http://schemas.microsoft.com/office/drawing/2010/main" w="9525">
+              <a14:hiddenLine xmlns:a14="http://schemas.microsoft.com/office/drawing/2010/main" xmlns="" w="9525">
                 <a:solidFill>
                   <a:srgbClr val="000000"/>
                 </a:solidFill>
@@ -15691,14 +15691,14 @@
           </a:ln>
           <a:extLst>
             <a:ext uri="{909E8E84-426E-40dd-AFC4-6F175D3DCCD1}">
-              <a14:hiddenFill xmlns="" xmlns:a14="http://schemas.microsoft.com/office/drawing/2010/main">
+              <a14:hiddenFill xmlns:a14="http://schemas.microsoft.com/office/drawing/2010/main" xmlns="">
                 <a:solidFill>
                   <a:srgbClr val="FFFFFF"/>
                 </a:solidFill>
               </a14:hiddenFill>
             </a:ext>
             <a:ext uri="{91240B29-F687-4f45-9708-019B960494DF}">
-              <a14:hiddenLine xmlns="" xmlns:a14="http://schemas.microsoft.com/office/drawing/2010/main" w="9525">
+              <a14:hiddenLine xmlns:a14="http://schemas.microsoft.com/office/drawing/2010/main" xmlns="" w="9525">
                 <a:solidFill>
                   <a:srgbClr val="000000"/>
                 </a:solidFill>
@@ -15821,14 +15821,14 @@
           </a:ln>
           <a:extLst>
             <a:ext uri="{909E8E84-426E-40dd-AFC4-6F175D3DCCD1}">
-              <a14:hiddenFill xmlns="" xmlns:a14="http://schemas.microsoft.com/office/drawing/2010/main">
+              <a14:hiddenFill xmlns:a14="http://schemas.microsoft.com/office/drawing/2010/main" xmlns="">
                 <a:solidFill>
                   <a:srgbClr val="FFFFFF"/>
                 </a:solidFill>
               </a14:hiddenFill>
             </a:ext>
             <a:ext uri="{91240B29-F687-4f45-9708-019B960494DF}">
-              <a14:hiddenLine xmlns="" xmlns:a14="http://schemas.microsoft.com/office/drawing/2010/main" w="9525">
+              <a14:hiddenLine xmlns:a14="http://schemas.microsoft.com/office/drawing/2010/main" xmlns="" w="9525">
                 <a:solidFill>
                   <a:srgbClr val="000000"/>
                 </a:solidFill>
@@ -16059,14 +16059,14 @@
           <a:noFill/>
           <a:extLst>
             <a:ext uri="{909E8E84-426E-40dd-AFC4-6F175D3DCCD1}">
-              <a14:hiddenFill xmlns="" xmlns:a14="http://schemas.microsoft.com/office/drawing/2010/main">
+              <a14:hiddenFill xmlns:a14="http://schemas.microsoft.com/office/drawing/2010/main" xmlns="">
                 <a:solidFill>
                   <a:srgbClr val="FFFFFF"/>
                 </a:solidFill>
               </a14:hiddenFill>
             </a:ext>
             <a:ext uri="{91240B29-F687-4f45-9708-019B960494DF}">
-              <a14:hiddenLine xmlns="" xmlns:a14="http://schemas.microsoft.com/office/drawing/2010/main" w="9525">
+              <a14:hiddenLine xmlns:a14="http://schemas.microsoft.com/office/drawing/2010/main" xmlns="" w="9525">
                 <a:solidFill>
                   <a:srgbClr val="000000"/>
                 </a:solidFill>
@@ -18032,14 +18032,14 @@
           <a:noFill/>
           <a:extLst>
             <a:ext uri="{909E8E84-426E-40dd-AFC4-6F175D3DCCD1}">
-              <a14:hiddenFill xmlns="" xmlns:a14="http://schemas.microsoft.com/office/drawing/2010/main">
+              <a14:hiddenFill xmlns:a14="http://schemas.microsoft.com/office/drawing/2010/main" xmlns="">
                 <a:solidFill>
                   <a:srgbClr val="FFFFFF"/>
                 </a:solidFill>
               </a14:hiddenFill>
             </a:ext>
             <a:ext uri="{91240B29-F687-4f45-9708-019B960494DF}">
-              <a14:hiddenLine xmlns="" xmlns:a14="http://schemas.microsoft.com/office/drawing/2010/main" w="9525">
+              <a14:hiddenLine xmlns:a14="http://schemas.microsoft.com/office/drawing/2010/main" xmlns="" w="9525">
                 <a:solidFill>
                   <a:srgbClr val="000000"/>
                 </a:solidFill>
@@ -18420,14 +18420,14 @@
           </a:ln>
           <a:extLst>
             <a:ext uri="{909E8E84-426E-40dd-AFC4-6F175D3DCCD1}">
-              <a14:hiddenFill xmlns="" xmlns:a14="http://schemas.microsoft.com/office/drawing/2010/main">
+              <a14:hiddenFill xmlns:a14="http://schemas.microsoft.com/office/drawing/2010/main" xmlns="">
                 <a:solidFill>
                   <a:srgbClr val="FFFFFF"/>
                 </a:solidFill>
               </a14:hiddenFill>
             </a:ext>
             <a:ext uri="{91240B29-F687-4f45-9708-019B960494DF}">
-              <a14:hiddenLine xmlns="" xmlns:a14="http://schemas.microsoft.com/office/drawing/2010/main" w="9525">
+              <a14:hiddenLine xmlns:a14="http://schemas.microsoft.com/office/drawing/2010/main" xmlns="" w="9525">
                 <a:solidFill>
                   <a:srgbClr val="000000"/>
                 </a:solidFill>
@@ -18634,14 +18634,14 @@
           </a:ln>
           <a:extLst>
             <a:ext uri="{909E8E84-426E-40dd-AFC4-6F175D3DCCD1}">
-              <a14:hiddenFill xmlns="" xmlns:a14="http://schemas.microsoft.com/office/drawing/2010/main">
+              <a14:hiddenFill xmlns:a14="http://schemas.microsoft.com/office/drawing/2010/main" xmlns="">
                 <a:solidFill>
                   <a:srgbClr val="FFFFFF"/>
                 </a:solidFill>
               </a14:hiddenFill>
             </a:ext>
             <a:ext uri="{91240B29-F687-4f45-9708-019B960494DF}">
-              <a14:hiddenLine xmlns="" xmlns:a14="http://schemas.microsoft.com/office/drawing/2010/main" w="9525">
+              <a14:hiddenLine xmlns:a14="http://schemas.microsoft.com/office/drawing/2010/main" xmlns="" w="9525">
                 <a:solidFill>
                   <a:srgbClr val="000000"/>
                 </a:solidFill>
@@ -18860,14 +18860,14 @@
           </a:ln>
           <a:extLst>
             <a:ext uri="{909E8E84-426E-40dd-AFC4-6F175D3DCCD1}">
-              <a14:hiddenFill xmlns="" xmlns:a14="http://schemas.microsoft.com/office/drawing/2010/main">
+              <a14:hiddenFill xmlns:a14="http://schemas.microsoft.com/office/drawing/2010/main" xmlns="">
                 <a:solidFill>
                   <a:srgbClr val="FFFFFF"/>
                 </a:solidFill>
               </a14:hiddenFill>
             </a:ext>
             <a:ext uri="{91240B29-F687-4f45-9708-019B960494DF}">
-              <a14:hiddenLine xmlns="" xmlns:a14="http://schemas.microsoft.com/office/drawing/2010/main" w="9525">
+              <a14:hiddenLine xmlns:a14="http://schemas.microsoft.com/office/drawing/2010/main" xmlns="" w="9525">
                 <a:solidFill>
                   <a:srgbClr val="000000"/>
                 </a:solidFill>
@@ -19077,14 +19077,14 @@
           </a:ln>
           <a:extLst>
             <a:ext uri="{909E8E84-426E-40dd-AFC4-6F175D3DCCD1}">
-              <a14:hiddenFill xmlns="" xmlns:a14="http://schemas.microsoft.com/office/drawing/2010/main">
+              <a14:hiddenFill xmlns:a14="http://schemas.microsoft.com/office/drawing/2010/main" xmlns="">
                 <a:solidFill>
                   <a:srgbClr val="FFFFFF"/>
                 </a:solidFill>
               </a14:hiddenFill>
             </a:ext>
             <a:ext uri="{91240B29-F687-4f45-9708-019B960494DF}">
-              <a14:hiddenLine xmlns="" xmlns:a14="http://schemas.microsoft.com/office/drawing/2010/main" w="9525">
+              <a14:hiddenLine xmlns:a14="http://schemas.microsoft.com/office/drawing/2010/main" xmlns="" w="9525">
                 <a:solidFill>
                   <a:srgbClr val="000000"/>
                 </a:solidFill>
@@ -19335,14 +19335,14 @@
           </a:ln>
           <a:extLst>
             <a:ext uri="{909E8E84-426E-40dd-AFC4-6F175D3DCCD1}">
-              <a14:hiddenFill xmlns="" xmlns:a14="http://schemas.microsoft.com/office/drawing/2010/main">
+              <a14:hiddenFill xmlns:a14="http://schemas.microsoft.com/office/drawing/2010/main" xmlns="">
                 <a:solidFill>
                   <a:srgbClr val="FFFFFF"/>
                 </a:solidFill>
               </a14:hiddenFill>
             </a:ext>
             <a:ext uri="{91240B29-F687-4f45-9708-019B960494DF}">
-              <a14:hiddenLine xmlns="" xmlns:a14="http://schemas.microsoft.com/office/drawing/2010/main" w="9525">
+              <a14:hiddenLine xmlns:a14="http://schemas.microsoft.com/office/drawing/2010/main" xmlns="" w="9525">
                 <a:solidFill>
                   <a:srgbClr val="000000"/>
                 </a:solidFill>
@@ -19534,14 +19534,14 @@
           </a:ln>
           <a:extLst>
             <a:ext uri="{909E8E84-426E-40dd-AFC4-6F175D3DCCD1}">
-              <a14:hiddenFill xmlns="" xmlns:a14="http://schemas.microsoft.com/office/drawing/2010/main">
+              <a14:hiddenFill xmlns:a14="http://schemas.microsoft.com/office/drawing/2010/main" xmlns="">
                 <a:solidFill>
                   <a:srgbClr val="FFFFFF"/>
                 </a:solidFill>
               </a14:hiddenFill>
             </a:ext>
             <a:ext uri="{91240B29-F687-4f45-9708-019B960494DF}">
-              <a14:hiddenLine xmlns="" xmlns:a14="http://schemas.microsoft.com/office/drawing/2010/main" w="9525">
+              <a14:hiddenLine xmlns:a14="http://schemas.microsoft.com/office/drawing/2010/main" xmlns="" w="9525">
                 <a:solidFill>
                   <a:srgbClr val="000000"/>
                 </a:solidFill>
@@ -22534,7 +22534,7 @@
         <p:spPr>
           <a:xfrm>
             <a:off x="2420006" y="4351357"/>
-            <a:ext cx="4804520" cy="246221"/>
+            <a:ext cx="4891083" cy="246221"/>
           </a:xfrm>
           <a:prstGeom prst="rect">
             <a:avLst/>
@@ -22549,7 +22549,7 @@
           <a:p>
             <a:r>
               <a:rPr lang="en-CN" sz="1000" dirty="0"/>
-              <a:t>ETA&lt;=15days considered as OH; ETA&gt;15days can backward fulfill by 7 days(15?)</a:t>
+              <a:t>ETA&lt;=15days considered as OH; ETA&gt;15days can backward fulfill -10 days OSSD</a:t>
             </a:r>
           </a:p>
         </p:txBody>

--- a/PCBA allocation Sep 29.pptx
+++ b/PCBA allocation Sep 29.pptx
@@ -5,12 +5,13 @@
     <p:sldMasterId id="2147483662" r:id="rId1"/>
   </p:sldMasterIdLst>
   <p:notesMasterIdLst>
-    <p:notesMasterId r:id="rId5"/>
+    <p:notesMasterId r:id="rId6"/>
   </p:notesMasterIdLst>
   <p:sldIdLst>
     <p:sldId id="267" r:id="rId2"/>
-    <p:sldId id="285" r:id="rId3"/>
-    <p:sldId id="281" r:id="rId4"/>
+    <p:sldId id="281" r:id="rId3"/>
+    <p:sldId id="285" r:id="rId4"/>
+    <p:sldId id="286" r:id="rId5"/>
   </p:sldIdLst>
   <p:sldSz cx="12192000" cy="6858000"/>
   <p:notesSz cx="6858000" cy="9144000"/>
@@ -20162,7 +20163,7 @@
           <a:p>
             <a:r>
               <a:rPr lang="en-CN" dirty="0"/>
-              <a:t>Sep 29, 2020</a:t>
+              <a:t>Oct, 2020</a:t>
             </a:r>
           </a:p>
         </p:txBody>
@@ -20202,6 +20203,1454 @@
       </p:grpSpPr>
       <p:sp>
         <p:nvSpPr>
+          <p:cNvPr id="2" name="Title 1">
+            <a:extLst>
+              <a:ext uri="{FF2B5EF4-FFF2-40B4-BE49-F238E27FC236}">
+                <a16:creationId xmlns:a16="http://schemas.microsoft.com/office/drawing/2014/main" id="{1E7C7457-2373-6845-A8D2-43FBA95BB1EA}"/>
+              </a:ext>
+            </a:extLst>
+          </p:cNvPr>
+          <p:cNvSpPr>
+            <a:spLocks noGrp="1"/>
+          </p:cNvSpPr>
+          <p:nvPr>
+            <p:ph type="title"/>
+          </p:nvPr>
+        </p:nvSpPr>
+        <p:spPr>
+          <a:xfrm>
+            <a:off x="583688" y="455085"/>
+            <a:ext cx="11127317" cy="975783"/>
+          </a:xfrm>
+        </p:spPr>
+        <p:txBody>
+          <a:bodyPr vert="horz" wrap="square" lIns="91424" tIns="45712" rIns="91424" bIns="45712" numCol="1" anchor="ctr" anchorCtr="0" compatLnSpc="1">
+            <a:prstTxWarp prst="textNoShape">
+              <a:avLst/>
+            </a:prstTxWarp>
+            <a:normAutofit/>
+          </a:bodyPr>
+          <a:lstStyle/>
+          <a:p>
+            <a:r>
+              <a:rPr lang="en-CN" dirty="0"/>
+              <a:t>PCBA Allocation – Input and Porcedures</a:t>
+            </a:r>
+          </a:p>
+        </p:txBody>
+      </p:sp>
+      <p:sp>
+        <p:nvSpPr>
+          <p:cNvPr id="4" name="Rounded Rectangle 3">
+            <a:extLst>
+              <a:ext uri="{FF2B5EF4-FFF2-40B4-BE49-F238E27FC236}">
+                <a16:creationId xmlns:a16="http://schemas.microsoft.com/office/drawing/2014/main" id="{C3E98461-2F8C-064D-A5B6-7ED64B586E4F}"/>
+              </a:ext>
+            </a:extLst>
+          </p:cNvPr>
+          <p:cNvSpPr/>
+          <p:nvPr/>
+        </p:nvSpPr>
+        <p:spPr>
+          <a:xfrm>
+            <a:off x="998482" y="1891869"/>
+            <a:ext cx="1166655" cy="504493"/>
+          </a:xfrm>
+          <a:prstGeom prst="roundRect">
+            <a:avLst/>
+          </a:prstGeom>
+          <a:solidFill>
+            <a:srgbClr val="36A4D7"/>
+          </a:solidFill>
+          <a:ln>
+            <a:noFill/>
+          </a:ln>
+          <a:effectLst/>
+        </p:spPr>
+        <p:style>
+          <a:lnRef idx="2">
+            <a:schemeClr val="accent1">
+              <a:shade val="50000"/>
+            </a:schemeClr>
+          </a:lnRef>
+          <a:fillRef idx="1">
+            <a:schemeClr val="accent1"/>
+          </a:fillRef>
+          <a:effectRef idx="0">
+            <a:schemeClr val="accent1"/>
+          </a:effectRef>
+          <a:fontRef idx="minor">
+            <a:schemeClr val="lt1"/>
+          </a:fontRef>
+        </p:style>
+        <p:txBody>
+          <a:bodyPr rtlCol="0" anchor="ctr"/>
+          <a:lstStyle/>
+          <a:p>
+            <a:pPr algn="ctr"/>
+            <a:r>
+              <a:rPr lang="en-CN" sz="1100" dirty="0"/>
+              <a:t>GLO 3A4</a:t>
+            </a:r>
+          </a:p>
+        </p:txBody>
+      </p:sp>
+      <p:sp>
+        <p:nvSpPr>
+          <p:cNvPr id="6" name="Rounded Rectangle 5">
+            <a:extLst>
+              <a:ext uri="{FF2B5EF4-FFF2-40B4-BE49-F238E27FC236}">
+                <a16:creationId xmlns:a16="http://schemas.microsoft.com/office/drawing/2014/main" id="{932BF7C8-A55A-8C4B-B71E-244FCD98588E}"/>
+              </a:ext>
+            </a:extLst>
+          </p:cNvPr>
+          <p:cNvSpPr/>
+          <p:nvPr/>
+        </p:nvSpPr>
+        <p:spPr>
+          <a:xfrm>
+            <a:off x="1004569" y="5340140"/>
+            <a:ext cx="1166655" cy="504493"/>
+          </a:xfrm>
+          <a:prstGeom prst="roundRect">
+            <a:avLst/>
+          </a:prstGeom>
+          <a:solidFill>
+            <a:srgbClr val="36A4D7"/>
+          </a:solidFill>
+          <a:ln>
+            <a:noFill/>
+          </a:ln>
+          <a:effectLst/>
+        </p:spPr>
+        <p:style>
+          <a:lnRef idx="2">
+            <a:schemeClr val="accent1">
+              <a:shade val="50000"/>
+            </a:schemeClr>
+          </a:lnRef>
+          <a:fillRef idx="1">
+            <a:schemeClr val="accent1"/>
+          </a:fillRef>
+          <a:effectRef idx="0">
+            <a:schemeClr val="accent1"/>
+          </a:effectRef>
+          <a:fontRef idx="minor">
+            <a:schemeClr val="lt1"/>
+          </a:fontRef>
+        </p:style>
+        <p:txBody>
+          <a:bodyPr rtlCol="0" anchor="ctr"/>
+          <a:lstStyle/>
+          <a:p>
+            <a:pPr algn="ctr"/>
+            <a:r>
+              <a:rPr lang="en-CN" sz="1100" dirty="0"/>
+              <a:t>SCR (incl. OH)</a:t>
+            </a:r>
+          </a:p>
+        </p:txBody>
+      </p:sp>
+      <p:sp>
+        <p:nvSpPr>
+          <p:cNvPr id="7" name="Rounded Rectangle 6">
+            <a:extLst>
+              <a:ext uri="{FF2B5EF4-FFF2-40B4-BE49-F238E27FC236}">
+                <a16:creationId xmlns:a16="http://schemas.microsoft.com/office/drawing/2014/main" id="{B98D710B-2C39-6044-9665-ED07A6EA5926}"/>
+              </a:ext>
+            </a:extLst>
+          </p:cNvPr>
+          <p:cNvSpPr/>
+          <p:nvPr/>
+        </p:nvSpPr>
+        <p:spPr>
+          <a:xfrm>
+            <a:off x="998476" y="3280105"/>
+            <a:ext cx="1166655" cy="504493"/>
+          </a:xfrm>
+          <a:prstGeom prst="roundRect">
+            <a:avLst/>
+          </a:prstGeom>
+          <a:solidFill>
+            <a:srgbClr val="36A4D7"/>
+          </a:solidFill>
+          <a:ln>
+            <a:noFill/>
+          </a:ln>
+          <a:effectLst/>
+        </p:spPr>
+        <p:style>
+          <a:lnRef idx="2">
+            <a:schemeClr val="accent1">
+              <a:shade val="50000"/>
+            </a:schemeClr>
+          </a:lnRef>
+          <a:fillRef idx="1">
+            <a:schemeClr val="accent1"/>
+          </a:fillRef>
+          <a:effectRef idx="0">
+            <a:schemeClr val="accent1"/>
+          </a:effectRef>
+          <a:fontRef idx="minor">
+            <a:schemeClr val="lt1"/>
+          </a:fontRef>
+        </p:style>
+        <p:txBody>
+          <a:bodyPr rtlCol="0" anchor="ctr"/>
+          <a:lstStyle/>
+          <a:p>
+            <a:pPr algn="ctr"/>
+            <a:r>
+              <a:rPr lang="en-CN" sz="1100" dirty="0"/>
+              <a:t>DF Site OH</a:t>
+            </a:r>
+          </a:p>
+        </p:txBody>
+      </p:sp>
+      <p:sp>
+        <p:nvSpPr>
+          <p:cNvPr id="8" name="Rounded Rectangle 7">
+            <a:extLst>
+              <a:ext uri="{FF2B5EF4-FFF2-40B4-BE49-F238E27FC236}">
+                <a16:creationId xmlns:a16="http://schemas.microsoft.com/office/drawing/2014/main" id="{82A99DFE-E6E5-1248-9DBB-B782ABBC5096}"/>
+              </a:ext>
+            </a:extLst>
+          </p:cNvPr>
+          <p:cNvSpPr/>
+          <p:nvPr/>
+        </p:nvSpPr>
+        <p:spPr>
+          <a:xfrm>
+            <a:off x="998475" y="3984301"/>
+            <a:ext cx="1166655" cy="504493"/>
+          </a:xfrm>
+          <a:prstGeom prst="roundRect">
+            <a:avLst/>
+          </a:prstGeom>
+          <a:solidFill>
+            <a:srgbClr val="36A4D7"/>
+          </a:solidFill>
+          <a:ln>
+            <a:noFill/>
+          </a:ln>
+          <a:effectLst/>
+        </p:spPr>
+        <p:style>
+          <a:lnRef idx="2">
+            <a:schemeClr val="accent1">
+              <a:shade val="50000"/>
+            </a:schemeClr>
+          </a:lnRef>
+          <a:fillRef idx="1">
+            <a:schemeClr val="accent1"/>
+          </a:fillRef>
+          <a:effectRef idx="0">
+            <a:schemeClr val="accent1"/>
+          </a:effectRef>
+          <a:fontRef idx="minor">
+            <a:schemeClr val="lt1"/>
+          </a:fontRef>
+        </p:style>
+        <p:txBody>
+          <a:bodyPr rtlCol="0" anchor="ctr"/>
+          <a:lstStyle/>
+          <a:p>
+            <a:pPr algn="ctr"/>
+            <a:r>
+              <a:rPr lang="en-CN" sz="1100" dirty="0"/>
+              <a:t>DF Site Intransit</a:t>
+            </a:r>
+          </a:p>
+        </p:txBody>
+      </p:sp>
+      <p:sp>
+        <p:nvSpPr>
+          <p:cNvPr id="9" name="Rounded Rectangle 8">
+            <a:extLst>
+              <a:ext uri="{FF2B5EF4-FFF2-40B4-BE49-F238E27FC236}">
+                <a16:creationId xmlns:a16="http://schemas.microsoft.com/office/drawing/2014/main" id="{95D920B9-6414-F443-B7A2-E9EACF03B0A1}"/>
+              </a:ext>
+            </a:extLst>
+          </p:cNvPr>
+          <p:cNvSpPr/>
+          <p:nvPr/>
+        </p:nvSpPr>
+        <p:spPr>
+          <a:xfrm>
+            <a:off x="4230401" y="1891868"/>
+            <a:ext cx="1166655" cy="504493"/>
+          </a:xfrm>
+          <a:prstGeom prst="roundRect">
+            <a:avLst/>
+          </a:prstGeom>
+          <a:solidFill>
+            <a:srgbClr val="36A4D7"/>
+          </a:solidFill>
+          <a:ln>
+            <a:noFill/>
+          </a:ln>
+          <a:effectLst/>
+        </p:spPr>
+        <p:style>
+          <a:lnRef idx="2">
+            <a:schemeClr val="accent1">
+              <a:shade val="50000"/>
+            </a:schemeClr>
+          </a:lnRef>
+          <a:fillRef idx="1">
+            <a:schemeClr val="accent1"/>
+          </a:fillRef>
+          <a:effectRef idx="0">
+            <a:schemeClr val="accent1"/>
+          </a:effectRef>
+          <a:fontRef idx="minor">
+            <a:schemeClr val="lt1"/>
+          </a:fontRef>
+        </p:style>
+        <p:txBody>
+          <a:bodyPr rtlCol="0" anchor="ctr"/>
+          <a:lstStyle/>
+          <a:p>
+            <a:pPr algn="ctr"/>
+            <a:r>
+              <a:rPr lang="en-CN" sz="1100" dirty="0"/>
+              <a:t>Ranking GLO 3A4</a:t>
+            </a:r>
+          </a:p>
+        </p:txBody>
+      </p:sp>
+      <p:cxnSp>
+        <p:nvCxnSpPr>
+          <p:cNvPr id="10" name="Straight Arrow Connector 9">
+            <a:extLst>
+              <a:ext uri="{FF2B5EF4-FFF2-40B4-BE49-F238E27FC236}">
+                <a16:creationId xmlns:a16="http://schemas.microsoft.com/office/drawing/2014/main" id="{E1882AE9-A8FA-424B-9E8E-142BB27456C0}"/>
+              </a:ext>
+            </a:extLst>
+          </p:cNvPr>
+          <p:cNvCxnSpPr>
+            <a:cxnSpLocks/>
+            <a:stCxn id="4" idx="3"/>
+            <a:endCxn id="42" idx="1"/>
+          </p:cNvCxnSpPr>
+          <p:nvPr/>
+        </p:nvCxnSpPr>
+        <p:spPr>
+          <a:xfrm flipV="1">
+            <a:off x="2165137" y="2138851"/>
+            <a:ext cx="475563" cy="5265"/>
+          </a:xfrm>
+          <a:prstGeom prst="straightConnector1">
+            <a:avLst/>
+          </a:prstGeom>
+          <a:ln>
+            <a:tailEnd type="triangle"/>
+          </a:ln>
+        </p:spPr>
+        <p:style>
+          <a:lnRef idx="1">
+            <a:schemeClr val="accent1"/>
+          </a:lnRef>
+          <a:fillRef idx="0">
+            <a:schemeClr val="accent1"/>
+          </a:fillRef>
+          <a:effectRef idx="0">
+            <a:schemeClr val="accent1"/>
+          </a:effectRef>
+          <a:fontRef idx="minor">
+            <a:schemeClr val="tx1"/>
+          </a:fontRef>
+        </p:style>
+      </p:cxnSp>
+      <p:sp>
+        <p:nvSpPr>
+          <p:cNvPr id="13" name="Rounded Rectangle 12">
+            <a:extLst>
+              <a:ext uri="{FF2B5EF4-FFF2-40B4-BE49-F238E27FC236}">
+                <a16:creationId xmlns:a16="http://schemas.microsoft.com/office/drawing/2014/main" id="{D8A56797-FEA9-F546-AD4F-4659FFB8CD26}"/>
+              </a:ext>
+            </a:extLst>
+          </p:cNvPr>
+          <p:cNvSpPr/>
+          <p:nvPr/>
+        </p:nvSpPr>
+        <p:spPr>
+          <a:xfrm>
+            <a:off x="5917312" y="1891868"/>
+            <a:ext cx="1166655" cy="504493"/>
+          </a:xfrm>
+          <a:prstGeom prst="roundRect">
+            <a:avLst/>
+          </a:prstGeom>
+          <a:solidFill>
+            <a:srgbClr val="36A4D7"/>
+          </a:solidFill>
+          <a:ln>
+            <a:noFill/>
+          </a:ln>
+          <a:effectLst/>
+        </p:spPr>
+        <p:style>
+          <a:lnRef idx="2">
+            <a:schemeClr val="accent1">
+              <a:shade val="50000"/>
+            </a:schemeClr>
+          </a:lnRef>
+          <a:fillRef idx="1">
+            <a:schemeClr val="accent1"/>
+          </a:fillRef>
+          <a:effectRef idx="0">
+            <a:schemeClr val="accent1"/>
+          </a:effectRef>
+          <a:fontRef idx="minor">
+            <a:schemeClr val="lt1"/>
+          </a:fontRef>
+        </p:style>
+        <p:txBody>
+          <a:bodyPr rtlCol="0" anchor="ctr"/>
+          <a:lstStyle/>
+          <a:p>
+            <a:pPr algn="ctr"/>
+            <a:r>
+              <a:rPr lang="en-CN" sz="1100" dirty="0"/>
+              <a:t>OH allocate to Site 3A4</a:t>
+            </a:r>
+          </a:p>
+        </p:txBody>
+      </p:sp>
+      <p:sp>
+        <p:nvSpPr>
+          <p:cNvPr id="14" name="Rounded Rectangle 13">
+            <a:extLst>
+              <a:ext uri="{FF2B5EF4-FFF2-40B4-BE49-F238E27FC236}">
+                <a16:creationId xmlns:a16="http://schemas.microsoft.com/office/drawing/2014/main" id="{2D703EEE-FC95-214D-96CF-DDBA52859C7E}"/>
+              </a:ext>
+            </a:extLst>
+          </p:cNvPr>
+          <p:cNvSpPr/>
+          <p:nvPr/>
+        </p:nvSpPr>
+        <p:spPr>
+          <a:xfrm>
+            <a:off x="7562183" y="1881355"/>
+            <a:ext cx="1166655" cy="504493"/>
+          </a:xfrm>
+          <a:prstGeom prst="roundRect">
+            <a:avLst/>
+          </a:prstGeom>
+          <a:solidFill>
+            <a:srgbClr val="36A4D7"/>
+          </a:solidFill>
+          <a:ln>
+            <a:noFill/>
+          </a:ln>
+          <a:effectLst/>
+        </p:spPr>
+        <p:style>
+          <a:lnRef idx="2">
+            <a:schemeClr val="accent1">
+              <a:shade val="50000"/>
+            </a:schemeClr>
+          </a:lnRef>
+          <a:fillRef idx="1">
+            <a:schemeClr val="accent1"/>
+          </a:fillRef>
+          <a:effectRef idx="0">
+            <a:schemeClr val="accent1"/>
+          </a:effectRef>
+          <a:fontRef idx="minor">
+            <a:schemeClr val="lt1"/>
+          </a:fontRef>
+        </p:style>
+        <p:txBody>
+          <a:bodyPr rtlCol="0" anchor="ctr"/>
+          <a:lstStyle/>
+          <a:p>
+            <a:pPr algn="ctr"/>
+            <a:r>
+              <a:rPr lang="en-CN" sz="1100" dirty="0"/>
+              <a:t>Intransit allocate to Site 3A4</a:t>
+            </a:r>
+          </a:p>
+        </p:txBody>
+      </p:sp>
+      <p:sp>
+        <p:nvSpPr>
+          <p:cNvPr id="16" name="Rounded Rectangle 15">
+            <a:extLst>
+              <a:ext uri="{FF2B5EF4-FFF2-40B4-BE49-F238E27FC236}">
+                <a16:creationId xmlns:a16="http://schemas.microsoft.com/office/drawing/2014/main" id="{FDADD7F8-E121-8A46-8600-DCF4C69170DA}"/>
+              </a:ext>
+            </a:extLst>
+          </p:cNvPr>
+          <p:cNvSpPr/>
+          <p:nvPr/>
+        </p:nvSpPr>
+        <p:spPr>
+          <a:xfrm>
+            <a:off x="9112461" y="1881354"/>
+            <a:ext cx="1166655" cy="504493"/>
+          </a:xfrm>
+          <a:prstGeom prst="roundRect">
+            <a:avLst/>
+          </a:prstGeom>
+          <a:solidFill>
+            <a:srgbClr val="36A4D7"/>
+          </a:solidFill>
+          <a:ln>
+            <a:noFill/>
+          </a:ln>
+          <a:effectLst/>
+        </p:spPr>
+        <p:style>
+          <a:lnRef idx="2">
+            <a:schemeClr val="accent1">
+              <a:shade val="50000"/>
+            </a:schemeClr>
+          </a:lnRef>
+          <a:fillRef idx="1">
+            <a:schemeClr val="accent1"/>
+          </a:fillRef>
+          <a:effectRef idx="0">
+            <a:schemeClr val="accent1"/>
+          </a:effectRef>
+          <a:fontRef idx="minor">
+            <a:schemeClr val="lt1"/>
+          </a:fontRef>
+        </p:style>
+        <p:txBody>
+          <a:bodyPr rtlCol="0" anchor="ctr"/>
+          <a:lstStyle/>
+          <a:p>
+            <a:pPr algn="ctr"/>
+            <a:r>
+              <a:rPr lang="en-CN" sz="1100" dirty="0"/>
+              <a:t>SCR allocate to GLO 3A4</a:t>
+            </a:r>
+          </a:p>
+        </p:txBody>
+      </p:sp>
+      <p:sp>
+        <p:nvSpPr>
+          <p:cNvPr id="17" name="Rounded Rectangle 16">
+            <a:extLst>
+              <a:ext uri="{FF2B5EF4-FFF2-40B4-BE49-F238E27FC236}">
+                <a16:creationId xmlns:a16="http://schemas.microsoft.com/office/drawing/2014/main" id="{6D8FF3CB-1279-D14B-B658-2714CD4F4F78}"/>
+              </a:ext>
+            </a:extLst>
+          </p:cNvPr>
+          <p:cNvSpPr/>
+          <p:nvPr/>
+        </p:nvSpPr>
+        <p:spPr>
+          <a:xfrm>
+            <a:off x="10575880" y="1881353"/>
+            <a:ext cx="1166655" cy="504493"/>
+          </a:xfrm>
+          <a:prstGeom prst="roundRect">
+            <a:avLst/>
+          </a:prstGeom>
+          <a:solidFill>
+            <a:srgbClr val="36A4D7"/>
+          </a:solidFill>
+          <a:ln>
+            <a:noFill/>
+          </a:ln>
+          <a:effectLst/>
+        </p:spPr>
+        <p:style>
+          <a:lnRef idx="2">
+            <a:schemeClr val="accent1">
+              <a:shade val="50000"/>
+            </a:schemeClr>
+          </a:lnRef>
+          <a:fillRef idx="1">
+            <a:schemeClr val="accent1"/>
+          </a:fillRef>
+          <a:effectRef idx="0">
+            <a:schemeClr val="accent1"/>
+          </a:effectRef>
+          <a:fontRef idx="minor">
+            <a:schemeClr val="lt1"/>
+          </a:fontRef>
+        </p:style>
+        <p:txBody>
+          <a:bodyPr rtlCol="0" anchor="ctr"/>
+          <a:lstStyle/>
+          <a:p>
+            <a:pPr algn="ctr"/>
+            <a:r>
+              <a:rPr lang="en-CN" sz="1100" dirty="0"/>
+              <a:t>SCR allocation result</a:t>
+            </a:r>
+          </a:p>
+        </p:txBody>
+      </p:sp>
+      <p:cxnSp>
+        <p:nvCxnSpPr>
+          <p:cNvPr id="18" name="Straight Arrow Connector 17">
+            <a:extLst>
+              <a:ext uri="{FF2B5EF4-FFF2-40B4-BE49-F238E27FC236}">
+                <a16:creationId xmlns:a16="http://schemas.microsoft.com/office/drawing/2014/main" id="{5C33B62F-7336-C948-AA61-0504C8AF3376}"/>
+              </a:ext>
+            </a:extLst>
+          </p:cNvPr>
+          <p:cNvCxnSpPr>
+            <a:cxnSpLocks/>
+            <a:stCxn id="9" idx="3"/>
+            <a:endCxn id="13" idx="1"/>
+          </p:cNvCxnSpPr>
+          <p:nvPr/>
+        </p:nvCxnSpPr>
+        <p:spPr>
+          <a:xfrm>
+            <a:off x="5397056" y="2144115"/>
+            <a:ext cx="520256" cy="0"/>
+          </a:xfrm>
+          <a:prstGeom prst="straightConnector1">
+            <a:avLst/>
+          </a:prstGeom>
+          <a:ln>
+            <a:tailEnd type="triangle"/>
+          </a:ln>
+        </p:spPr>
+        <p:style>
+          <a:lnRef idx="1">
+            <a:schemeClr val="accent1"/>
+          </a:lnRef>
+          <a:fillRef idx="0">
+            <a:schemeClr val="accent1"/>
+          </a:fillRef>
+          <a:effectRef idx="0">
+            <a:schemeClr val="accent1"/>
+          </a:effectRef>
+          <a:fontRef idx="minor">
+            <a:schemeClr val="tx1"/>
+          </a:fontRef>
+        </p:style>
+      </p:cxnSp>
+      <p:cxnSp>
+        <p:nvCxnSpPr>
+          <p:cNvPr id="20" name="Straight Arrow Connector 19">
+            <a:extLst>
+              <a:ext uri="{FF2B5EF4-FFF2-40B4-BE49-F238E27FC236}">
+                <a16:creationId xmlns:a16="http://schemas.microsoft.com/office/drawing/2014/main" id="{791D453D-4FCC-FC40-94BC-C394E95CE7B0}"/>
+              </a:ext>
+            </a:extLst>
+          </p:cNvPr>
+          <p:cNvCxnSpPr>
+            <a:cxnSpLocks/>
+            <a:stCxn id="13" idx="3"/>
+            <a:endCxn id="14" idx="1"/>
+          </p:cNvCxnSpPr>
+          <p:nvPr/>
+        </p:nvCxnSpPr>
+        <p:spPr>
+          <a:xfrm flipV="1">
+            <a:off x="7083967" y="2133602"/>
+            <a:ext cx="478216" cy="10513"/>
+          </a:xfrm>
+          <a:prstGeom prst="straightConnector1">
+            <a:avLst/>
+          </a:prstGeom>
+          <a:ln>
+            <a:tailEnd type="triangle"/>
+          </a:ln>
+        </p:spPr>
+        <p:style>
+          <a:lnRef idx="1">
+            <a:schemeClr val="accent1"/>
+          </a:lnRef>
+          <a:fillRef idx="0">
+            <a:schemeClr val="accent1"/>
+          </a:fillRef>
+          <a:effectRef idx="0">
+            <a:schemeClr val="accent1"/>
+          </a:effectRef>
+          <a:fontRef idx="minor">
+            <a:schemeClr val="tx1"/>
+          </a:fontRef>
+        </p:style>
+      </p:cxnSp>
+      <p:cxnSp>
+        <p:nvCxnSpPr>
+          <p:cNvPr id="23" name="Straight Arrow Connector 22">
+            <a:extLst>
+              <a:ext uri="{FF2B5EF4-FFF2-40B4-BE49-F238E27FC236}">
+                <a16:creationId xmlns:a16="http://schemas.microsoft.com/office/drawing/2014/main" id="{D78225D7-505E-CD41-9E7D-4FF1EF1BE470}"/>
+              </a:ext>
+            </a:extLst>
+          </p:cNvPr>
+          <p:cNvCxnSpPr>
+            <a:cxnSpLocks/>
+            <a:stCxn id="14" idx="3"/>
+            <a:endCxn id="16" idx="1"/>
+          </p:cNvCxnSpPr>
+          <p:nvPr/>
+        </p:nvCxnSpPr>
+        <p:spPr>
+          <a:xfrm flipV="1">
+            <a:off x="8728838" y="2133601"/>
+            <a:ext cx="383623" cy="1"/>
+          </a:xfrm>
+          <a:prstGeom prst="straightConnector1">
+            <a:avLst/>
+          </a:prstGeom>
+          <a:ln>
+            <a:tailEnd type="triangle"/>
+          </a:ln>
+        </p:spPr>
+        <p:style>
+          <a:lnRef idx="1">
+            <a:schemeClr val="accent1"/>
+          </a:lnRef>
+          <a:fillRef idx="0">
+            <a:schemeClr val="accent1"/>
+          </a:fillRef>
+          <a:effectRef idx="0">
+            <a:schemeClr val="accent1"/>
+          </a:effectRef>
+          <a:fontRef idx="minor">
+            <a:schemeClr val="tx1"/>
+          </a:fontRef>
+        </p:style>
+      </p:cxnSp>
+      <p:cxnSp>
+        <p:nvCxnSpPr>
+          <p:cNvPr id="26" name="Straight Arrow Connector 25">
+            <a:extLst>
+              <a:ext uri="{FF2B5EF4-FFF2-40B4-BE49-F238E27FC236}">
+                <a16:creationId xmlns:a16="http://schemas.microsoft.com/office/drawing/2014/main" id="{0F09219E-2567-DB43-BC1D-BFA38AAC4E8C}"/>
+              </a:ext>
+            </a:extLst>
+          </p:cNvPr>
+          <p:cNvCxnSpPr>
+            <a:cxnSpLocks/>
+            <a:stCxn id="16" idx="3"/>
+            <a:endCxn id="17" idx="1"/>
+          </p:cNvCxnSpPr>
+          <p:nvPr/>
+        </p:nvCxnSpPr>
+        <p:spPr>
+          <a:xfrm flipV="1">
+            <a:off x="10279116" y="2133600"/>
+            <a:ext cx="296764" cy="1"/>
+          </a:xfrm>
+          <a:prstGeom prst="straightConnector1">
+            <a:avLst/>
+          </a:prstGeom>
+          <a:ln>
+            <a:tailEnd type="triangle"/>
+          </a:ln>
+        </p:spPr>
+        <p:style>
+          <a:lnRef idx="1">
+            <a:schemeClr val="accent1"/>
+          </a:lnRef>
+          <a:fillRef idx="0">
+            <a:schemeClr val="accent1"/>
+          </a:fillRef>
+          <a:effectRef idx="0">
+            <a:schemeClr val="accent1"/>
+          </a:effectRef>
+          <a:fontRef idx="minor">
+            <a:schemeClr val="tx1"/>
+          </a:fontRef>
+        </p:style>
+      </p:cxnSp>
+      <p:cxnSp>
+        <p:nvCxnSpPr>
+          <p:cNvPr id="30" name="Elbow Connector 29">
+            <a:extLst>
+              <a:ext uri="{FF2B5EF4-FFF2-40B4-BE49-F238E27FC236}">
+                <a16:creationId xmlns:a16="http://schemas.microsoft.com/office/drawing/2014/main" id="{E9B13681-FFD4-4446-9F21-8A5D3DF11955}"/>
+              </a:ext>
+            </a:extLst>
+          </p:cNvPr>
+          <p:cNvCxnSpPr>
+            <a:cxnSpLocks/>
+            <a:stCxn id="7" idx="3"/>
+            <a:endCxn id="13" idx="2"/>
+          </p:cNvCxnSpPr>
+          <p:nvPr/>
+        </p:nvCxnSpPr>
+        <p:spPr>
+          <a:xfrm flipV="1">
+            <a:off x="2165131" y="2396361"/>
+            <a:ext cx="4335509" cy="1135991"/>
+          </a:xfrm>
+          <a:prstGeom prst="bentConnector2">
+            <a:avLst/>
+          </a:prstGeom>
+          <a:ln>
+            <a:tailEnd type="triangle"/>
+          </a:ln>
+        </p:spPr>
+        <p:style>
+          <a:lnRef idx="1">
+            <a:schemeClr val="accent1"/>
+          </a:lnRef>
+          <a:fillRef idx="0">
+            <a:schemeClr val="accent1"/>
+          </a:fillRef>
+          <a:effectRef idx="0">
+            <a:schemeClr val="accent1"/>
+          </a:effectRef>
+          <a:fontRef idx="minor">
+            <a:schemeClr val="tx1"/>
+          </a:fontRef>
+        </p:style>
+      </p:cxnSp>
+      <p:cxnSp>
+        <p:nvCxnSpPr>
+          <p:cNvPr id="32" name="Elbow Connector 31">
+            <a:extLst>
+              <a:ext uri="{FF2B5EF4-FFF2-40B4-BE49-F238E27FC236}">
+                <a16:creationId xmlns:a16="http://schemas.microsoft.com/office/drawing/2014/main" id="{D7C501C9-A628-7E45-8745-05D5B70ECC7D}"/>
+              </a:ext>
+            </a:extLst>
+          </p:cNvPr>
+          <p:cNvCxnSpPr>
+            <a:cxnSpLocks/>
+            <a:stCxn id="8" idx="3"/>
+            <a:endCxn id="14" idx="2"/>
+          </p:cNvCxnSpPr>
+          <p:nvPr/>
+        </p:nvCxnSpPr>
+        <p:spPr>
+          <a:xfrm flipV="1">
+            <a:off x="2165130" y="2385848"/>
+            <a:ext cx="5980381" cy="1850700"/>
+          </a:xfrm>
+          <a:prstGeom prst="bentConnector2">
+            <a:avLst/>
+          </a:prstGeom>
+          <a:ln>
+            <a:tailEnd type="triangle"/>
+          </a:ln>
+        </p:spPr>
+        <p:style>
+          <a:lnRef idx="1">
+            <a:schemeClr val="accent1"/>
+          </a:lnRef>
+          <a:fillRef idx="0">
+            <a:schemeClr val="accent1"/>
+          </a:fillRef>
+          <a:effectRef idx="0">
+            <a:schemeClr val="accent1"/>
+          </a:effectRef>
+          <a:fontRef idx="minor">
+            <a:schemeClr val="tx1"/>
+          </a:fontRef>
+        </p:style>
+      </p:cxnSp>
+      <p:cxnSp>
+        <p:nvCxnSpPr>
+          <p:cNvPr id="35" name="Elbow Connector 34">
+            <a:extLst>
+              <a:ext uri="{FF2B5EF4-FFF2-40B4-BE49-F238E27FC236}">
+                <a16:creationId xmlns:a16="http://schemas.microsoft.com/office/drawing/2014/main" id="{9B976E01-77F1-3946-BC3E-7D01125D2D99}"/>
+              </a:ext>
+            </a:extLst>
+          </p:cNvPr>
+          <p:cNvCxnSpPr>
+            <a:cxnSpLocks/>
+            <a:stCxn id="6" idx="3"/>
+            <a:endCxn id="16" idx="2"/>
+          </p:cNvCxnSpPr>
+          <p:nvPr/>
+        </p:nvCxnSpPr>
+        <p:spPr>
+          <a:xfrm flipV="1">
+            <a:off x="2171224" y="2385847"/>
+            <a:ext cx="7524565" cy="3206540"/>
+          </a:xfrm>
+          <a:prstGeom prst="bentConnector2">
+            <a:avLst/>
+          </a:prstGeom>
+          <a:ln>
+            <a:tailEnd type="triangle"/>
+          </a:ln>
+        </p:spPr>
+        <p:style>
+          <a:lnRef idx="1">
+            <a:schemeClr val="accent1"/>
+          </a:lnRef>
+          <a:fillRef idx="0">
+            <a:schemeClr val="accent1"/>
+          </a:fillRef>
+          <a:effectRef idx="0">
+            <a:schemeClr val="accent1"/>
+          </a:effectRef>
+          <a:fontRef idx="minor">
+            <a:schemeClr val="tx1"/>
+          </a:fontRef>
+        </p:style>
+      </p:cxnSp>
+      <p:sp>
+        <p:nvSpPr>
+          <p:cNvPr id="38" name="TextBox 37">
+            <a:extLst>
+              <a:ext uri="{FF2B5EF4-FFF2-40B4-BE49-F238E27FC236}">
+                <a16:creationId xmlns:a16="http://schemas.microsoft.com/office/drawing/2014/main" id="{16D1BC01-8536-9843-83C5-4203CE02E3D4}"/>
+              </a:ext>
+            </a:extLst>
+          </p:cNvPr>
+          <p:cNvSpPr txBox="1"/>
+          <p:nvPr/>
+        </p:nvSpPr>
+        <p:spPr>
+          <a:xfrm>
+            <a:off x="1036099" y="1450418"/>
+            <a:ext cx="1129031" cy="338554"/>
+          </a:xfrm>
+          <a:prstGeom prst="rect">
+            <a:avLst/>
+          </a:prstGeom>
+          <a:solidFill>
+            <a:schemeClr val="accent2"/>
+          </a:solidFill>
+        </p:spPr>
+        <p:txBody>
+          <a:bodyPr wrap="square" rtlCol="0">
+            <a:spAutoFit/>
+          </a:bodyPr>
+          <a:lstStyle/>
+          <a:p>
+            <a:r>
+              <a:rPr lang="en-CN" sz="1600" dirty="0"/>
+              <a:t>Input Data</a:t>
+            </a:r>
+          </a:p>
+        </p:txBody>
+      </p:sp>
+      <p:sp>
+        <p:nvSpPr>
+          <p:cNvPr id="39" name="TextBox 38">
+            <a:extLst>
+              <a:ext uri="{FF2B5EF4-FFF2-40B4-BE49-F238E27FC236}">
+                <a16:creationId xmlns:a16="http://schemas.microsoft.com/office/drawing/2014/main" id="{0E3E3C74-BB0B-8844-85D9-F7E605F32D6A}"/>
+              </a:ext>
+            </a:extLst>
+          </p:cNvPr>
+          <p:cNvSpPr txBox="1"/>
+          <p:nvPr/>
+        </p:nvSpPr>
+        <p:spPr>
+          <a:xfrm>
+            <a:off x="2640700" y="1450418"/>
+            <a:ext cx="9070305" cy="338554"/>
+          </a:xfrm>
+          <a:prstGeom prst="rect">
+            <a:avLst/>
+          </a:prstGeom>
+          <a:solidFill>
+            <a:schemeClr val="accent2"/>
+          </a:solidFill>
+        </p:spPr>
+        <p:txBody>
+          <a:bodyPr wrap="square" rtlCol="0">
+            <a:spAutoFit/>
+          </a:bodyPr>
+          <a:lstStyle/>
+          <a:p>
+            <a:pPr algn="ctr"/>
+            <a:r>
+              <a:rPr lang="en-CN" sz="1600" dirty="0"/>
+              <a:t>Procedures</a:t>
+            </a:r>
+          </a:p>
+        </p:txBody>
+      </p:sp>
+      <p:sp>
+        <p:nvSpPr>
+          <p:cNvPr id="28" name="Rounded Rectangle 27">
+            <a:extLst>
+              <a:ext uri="{FF2B5EF4-FFF2-40B4-BE49-F238E27FC236}">
+                <a16:creationId xmlns:a16="http://schemas.microsoft.com/office/drawing/2014/main" id="{CE24BF35-46EE-E147-A71B-5DC2B2B64E3E}"/>
+              </a:ext>
+            </a:extLst>
+          </p:cNvPr>
+          <p:cNvSpPr/>
+          <p:nvPr/>
+        </p:nvSpPr>
+        <p:spPr>
+          <a:xfrm>
+            <a:off x="998476" y="2568332"/>
+            <a:ext cx="1166655" cy="504493"/>
+          </a:xfrm>
+          <a:prstGeom prst="roundRect">
+            <a:avLst/>
+          </a:prstGeom>
+          <a:solidFill>
+            <a:srgbClr val="36A4D7"/>
+          </a:solidFill>
+          <a:ln>
+            <a:noFill/>
+          </a:ln>
+          <a:effectLst/>
+        </p:spPr>
+        <p:style>
+          <a:lnRef idx="2">
+            <a:schemeClr val="accent1">
+              <a:shade val="50000"/>
+            </a:schemeClr>
+          </a:lnRef>
+          <a:fillRef idx="1">
+            <a:schemeClr val="accent1"/>
+          </a:fillRef>
+          <a:effectRef idx="0">
+            <a:schemeClr val="accent1"/>
+          </a:effectRef>
+          <a:fontRef idx="minor">
+            <a:schemeClr val="lt1"/>
+          </a:fontRef>
+        </p:style>
+        <p:txBody>
+          <a:bodyPr rtlCol="0" anchor="ctr"/>
+          <a:lstStyle/>
+          <a:p>
+            <a:pPr algn="ctr"/>
+            <a:r>
+              <a:rPr lang="en-US" sz="1100" dirty="0"/>
+              <a:t>Transit time</a:t>
+            </a:r>
+            <a:endParaRPr lang="en-CN" sz="1100" dirty="0"/>
+          </a:p>
+        </p:txBody>
+      </p:sp>
+      <p:cxnSp>
+        <p:nvCxnSpPr>
+          <p:cNvPr id="21" name="Elbow Connector 20">
+            <a:extLst>
+              <a:ext uri="{FF2B5EF4-FFF2-40B4-BE49-F238E27FC236}">
+                <a16:creationId xmlns:a16="http://schemas.microsoft.com/office/drawing/2014/main" id="{66DA7311-AD24-154D-9628-D7D83B413514}"/>
+              </a:ext>
+            </a:extLst>
+          </p:cNvPr>
+          <p:cNvCxnSpPr>
+            <a:cxnSpLocks/>
+            <a:stCxn id="28" idx="3"/>
+            <a:endCxn id="42" idx="2"/>
+          </p:cNvCxnSpPr>
+          <p:nvPr/>
+        </p:nvCxnSpPr>
+        <p:spPr>
+          <a:xfrm flipV="1">
+            <a:off x="2165131" y="2391097"/>
+            <a:ext cx="1058897" cy="429482"/>
+          </a:xfrm>
+          <a:prstGeom prst="bentConnector2">
+            <a:avLst/>
+          </a:prstGeom>
+          <a:ln>
+            <a:tailEnd type="triangle"/>
+          </a:ln>
+        </p:spPr>
+        <p:style>
+          <a:lnRef idx="1">
+            <a:schemeClr val="accent1"/>
+          </a:lnRef>
+          <a:fillRef idx="0">
+            <a:schemeClr val="accent1"/>
+          </a:fillRef>
+          <a:effectRef idx="0">
+            <a:schemeClr val="accent1"/>
+          </a:effectRef>
+          <a:fontRef idx="minor">
+            <a:schemeClr val="tx1"/>
+          </a:fontRef>
+        </p:style>
+      </p:cxnSp>
+      <p:sp>
+        <p:nvSpPr>
+          <p:cNvPr id="49" name="TextBox 48">
+            <a:extLst>
+              <a:ext uri="{FF2B5EF4-FFF2-40B4-BE49-F238E27FC236}">
+                <a16:creationId xmlns:a16="http://schemas.microsoft.com/office/drawing/2014/main" id="{28843030-455F-4044-B55E-4E3250FB9312}"/>
+              </a:ext>
+            </a:extLst>
+          </p:cNvPr>
+          <p:cNvSpPr txBox="1"/>
+          <p:nvPr/>
+        </p:nvSpPr>
+        <p:spPr>
+          <a:xfrm>
+            <a:off x="4170477" y="5803528"/>
+            <a:ext cx="5826980" cy="738664"/>
+          </a:xfrm>
+          <a:prstGeom prst="rect">
+            <a:avLst/>
+          </a:prstGeom>
+          <a:solidFill>
+            <a:schemeClr val="bg1"/>
+          </a:solidFill>
+        </p:spPr>
+        <p:txBody>
+          <a:bodyPr wrap="none" rtlCol="0">
+            <a:spAutoFit/>
+          </a:bodyPr>
+          <a:lstStyle/>
+          <a:p>
+            <a:r>
+              <a:rPr lang="en-CN" sz="1400" dirty="0"/>
+              <a:t>Versions: different versions considered as same</a:t>
+            </a:r>
+          </a:p>
+          <a:p>
+            <a:r>
+              <a:rPr lang="en-CN" sz="1400" dirty="0"/>
+              <a:t>Sourcing rules: each DF only source same TAN from one PCBA site</a:t>
+            </a:r>
+          </a:p>
+          <a:p>
+            <a:r>
+              <a:rPr lang="en-CN" sz="1400" dirty="0"/>
+              <a:t>Transit time: air transit time – backlog gap should be covered by air ship</a:t>
+            </a:r>
+          </a:p>
+        </p:txBody>
+      </p:sp>
+      <p:sp>
+        <p:nvSpPr>
+          <p:cNvPr id="27" name="Rounded Rectangle 26">
+            <a:extLst>
+              <a:ext uri="{FF2B5EF4-FFF2-40B4-BE49-F238E27FC236}">
+                <a16:creationId xmlns:a16="http://schemas.microsoft.com/office/drawing/2014/main" id="{CD40F9E5-5FD3-4645-B4CF-E93EE130EDEE}"/>
+              </a:ext>
+            </a:extLst>
+          </p:cNvPr>
+          <p:cNvSpPr/>
+          <p:nvPr/>
+        </p:nvSpPr>
+        <p:spPr>
+          <a:xfrm>
+            <a:off x="998475" y="4660764"/>
+            <a:ext cx="1166655" cy="504493"/>
+          </a:xfrm>
+          <a:prstGeom prst="roundRect">
+            <a:avLst/>
+          </a:prstGeom>
+          <a:solidFill>
+            <a:srgbClr val="36A4D7"/>
+          </a:solidFill>
+          <a:ln>
+            <a:noFill/>
+          </a:ln>
+          <a:effectLst/>
+        </p:spPr>
+        <p:style>
+          <a:lnRef idx="2">
+            <a:schemeClr val="accent1">
+              <a:shade val="50000"/>
+            </a:schemeClr>
+          </a:lnRef>
+          <a:fillRef idx="1">
+            <a:schemeClr val="accent1"/>
+          </a:fillRef>
+          <a:effectRef idx="0">
+            <a:schemeClr val="accent1"/>
+          </a:effectRef>
+          <a:fontRef idx="minor">
+            <a:schemeClr val="lt1"/>
+          </a:fontRef>
+        </p:style>
+        <p:txBody>
+          <a:bodyPr rtlCol="0" anchor="ctr"/>
+          <a:lstStyle/>
+          <a:p>
+            <a:pPr algn="ctr"/>
+            <a:r>
+              <a:rPr lang="en-CN" sz="1100" dirty="0"/>
+              <a:t>SB</a:t>
+            </a:r>
+          </a:p>
+        </p:txBody>
+      </p:sp>
+      <p:cxnSp>
+        <p:nvCxnSpPr>
+          <p:cNvPr id="5" name="Elbow Connector 4">
+            <a:extLst>
+              <a:ext uri="{FF2B5EF4-FFF2-40B4-BE49-F238E27FC236}">
+                <a16:creationId xmlns:a16="http://schemas.microsoft.com/office/drawing/2014/main" id="{50044E46-EAB1-8345-9ABA-4E42D7512F21}"/>
+              </a:ext>
+            </a:extLst>
+          </p:cNvPr>
+          <p:cNvCxnSpPr>
+            <a:cxnSpLocks/>
+            <a:stCxn id="27" idx="3"/>
+            <a:endCxn id="14" idx="2"/>
+          </p:cNvCxnSpPr>
+          <p:nvPr/>
+        </p:nvCxnSpPr>
+        <p:spPr>
+          <a:xfrm flipV="1">
+            <a:off x="2165130" y="2385848"/>
+            <a:ext cx="5980381" cy="2527163"/>
+          </a:xfrm>
+          <a:prstGeom prst="bentConnector2">
+            <a:avLst/>
+          </a:prstGeom>
+          <a:ln>
+            <a:tailEnd type="triangle"/>
+          </a:ln>
+        </p:spPr>
+        <p:style>
+          <a:lnRef idx="1">
+            <a:schemeClr val="accent1"/>
+          </a:lnRef>
+          <a:fillRef idx="0">
+            <a:schemeClr val="accent1"/>
+          </a:fillRef>
+          <a:effectRef idx="0">
+            <a:schemeClr val="accent1"/>
+          </a:effectRef>
+          <a:fontRef idx="minor">
+            <a:schemeClr val="tx1"/>
+          </a:fontRef>
+        </p:style>
+      </p:cxnSp>
+      <p:sp>
+        <p:nvSpPr>
+          <p:cNvPr id="19" name="TextBox 18">
+            <a:extLst>
+              <a:ext uri="{FF2B5EF4-FFF2-40B4-BE49-F238E27FC236}">
+                <a16:creationId xmlns:a16="http://schemas.microsoft.com/office/drawing/2014/main" id="{75712387-A6FC-074B-A331-7DF4715D4021}"/>
+              </a:ext>
+            </a:extLst>
+          </p:cNvPr>
+          <p:cNvSpPr txBox="1"/>
+          <p:nvPr/>
+        </p:nvSpPr>
+        <p:spPr>
+          <a:xfrm>
+            <a:off x="2593421" y="5754557"/>
+            <a:ext cx="1569660" cy="369332"/>
+          </a:xfrm>
+          <a:prstGeom prst="rect">
+            <a:avLst/>
+          </a:prstGeom>
+          <a:solidFill>
+            <a:schemeClr val="bg1"/>
+          </a:solidFill>
+        </p:spPr>
+        <p:txBody>
+          <a:bodyPr wrap="none" rtlCol="0">
+            <a:spAutoFit/>
+          </a:bodyPr>
+          <a:lstStyle/>
+          <a:p>
+            <a:r>
+              <a:rPr lang="en-CN" dirty="0"/>
+              <a:t>Assumptions:</a:t>
+            </a:r>
+          </a:p>
+        </p:txBody>
+      </p:sp>
+      <p:sp>
+        <p:nvSpPr>
+          <p:cNvPr id="31" name="TextBox 30">
+            <a:extLst>
+              <a:ext uri="{FF2B5EF4-FFF2-40B4-BE49-F238E27FC236}">
+                <a16:creationId xmlns:a16="http://schemas.microsoft.com/office/drawing/2014/main" id="{2773AE47-D6B4-6F42-BBF1-A5883D416888}"/>
+              </a:ext>
+            </a:extLst>
+          </p:cNvPr>
+          <p:cNvSpPr txBox="1"/>
+          <p:nvPr/>
+        </p:nvSpPr>
+        <p:spPr>
+          <a:xfrm>
+            <a:off x="2430519" y="4694408"/>
+            <a:ext cx="2795958" cy="246221"/>
+          </a:xfrm>
+          <a:prstGeom prst="rect">
+            <a:avLst/>
+          </a:prstGeom>
+          <a:noFill/>
+        </p:spPr>
+        <p:txBody>
+          <a:bodyPr wrap="none" rtlCol="0">
+            <a:spAutoFit/>
+          </a:bodyPr>
+          <a:lstStyle/>
+          <a:p>
+            <a:r>
+              <a:rPr lang="en-CN" sz="1000" dirty="0"/>
+              <a:t>To be considered if we have good data source</a:t>
+            </a:r>
+          </a:p>
+        </p:txBody>
+      </p:sp>
+      <p:sp>
+        <p:nvSpPr>
+          <p:cNvPr id="33" name="TextBox 32">
+            <a:extLst>
+              <a:ext uri="{FF2B5EF4-FFF2-40B4-BE49-F238E27FC236}">
+                <a16:creationId xmlns:a16="http://schemas.microsoft.com/office/drawing/2014/main" id="{158DB9B5-DB86-E747-8B78-67938A7CEF49}"/>
+              </a:ext>
+            </a:extLst>
+          </p:cNvPr>
+          <p:cNvSpPr txBox="1"/>
+          <p:nvPr/>
+        </p:nvSpPr>
+        <p:spPr>
+          <a:xfrm>
+            <a:off x="2420006" y="4025542"/>
+            <a:ext cx="4891083" cy="246221"/>
+          </a:xfrm>
+          <a:prstGeom prst="rect">
+            <a:avLst/>
+          </a:prstGeom>
+          <a:noFill/>
+        </p:spPr>
+        <p:txBody>
+          <a:bodyPr wrap="none" rtlCol="0">
+            <a:spAutoFit/>
+          </a:bodyPr>
+          <a:lstStyle/>
+          <a:p>
+            <a:r>
+              <a:rPr lang="en-CN" sz="1000" dirty="0"/>
+              <a:t>ETA&lt;=15days considered as OH; ETA&gt;15days can backward fulfill -10 days OSSD</a:t>
+            </a:r>
+          </a:p>
+        </p:txBody>
+      </p:sp>
+      <p:sp>
+        <p:nvSpPr>
+          <p:cNvPr id="42" name="Rounded Rectangle 41">
+            <a:extLst>
+              <a:ext uri="{FF2B5EF4-FFF2-40B4-BE49-F238E27FC236}">
+                <a16:creationId xmlns:a16="http://schemas.microsoft.com/office/drawing/2014/main" id="{C0293DE8-F633-9444-B73D-1490ACEB9EFD}"/>
+              </a:ext>
+            </a:extLst>
+          </p:cNvPr>
+          <p:cNvSpPr/>
+          <p:nvPr/>
+        </p:nvSpPr>
+        <p:spPr>
+          <a:xfrm>
+            <a:off x="2640700" y="1886604"/>
+            <a:ext cx="1166655" cy="504493"/>
+          </a:xfrm>
+          <a:prstGeom prst="roundRect">
+            <a:avLst/>
+          </a:prstGeom>
+          <a:solidFill>
+            <a:srgbClr val="36A4D7"/>
+          </a:solidFill>
+          <a:ln>
+            <a:noFill/>
+          </a:ln>
+          <a:effectLst/>
+        </p:spPr>
+        <p:style>
+          <a:lnRef idx="2">
+            <a:schemeClr val="accent1">
+              <a:shade val="50000"/>
+            </a:schemeClr>
+          </a:lnRef>
+          <a:fillRef idx="1">
+            <a:schemeClr val="accent1"/>
+          </a:fillRef>
+          <a:effectRef idx="0">
+            <a:schemeClr val="accent1"/>
+          </a:effectRef>
+          <a:fontRef idx="minor">
+            <a:schemeClr val="lt1"/>
+          </a:fontRef>
+        </p:style>
+        <p:txBody>
+          <a:bodyPr rtlCol="0" anchor="ctr"/>
+          <a:lstStyle/>
+          <a:p>
+            <a:pPr algn="ctr"/>
+            <a:r>
+              <a:rPr lang="en-CN" sz="1100" dirty="0"/>
+              <a:t>Offsset 3A4 OSSD </a:t>
+            </a:r>
+          </a:p>
+        </p:txBody>
+      </p:sp>
+      <p:cxnSp>
+        <p:nvCxnSpPr>
+          <p:cNvPr id="45" name="Straight Arrow Connector 44">
+            <a:extLst>
+              <a:ext uri="{FF2B5EF4-FFF2-40B4-BE49-F238E27FC236}">
+                <a16:creationId xmlns:a16="http://schemas.microsoft.com/office/drawing/2014/main" id="{261995B6-7B71-8947-A65E-9C365866AD54}"/>
+              </a:ext>
+            </a:extLst>
+          </p:cNvPr>
+          <p:cNvCxnSpPr>
+            <a:cxnSpLocks/>
+            <a:stCxn id="42" idx="3"/>
+            <a:endCxn id="9" idx="1"/>
+          </p:cNvCxnSpPr>
+          <p:nvPr/>
+        </p:nvCxnSpPr>
+        <p:spPr>
+          <a:xfrm>
+            <a:off x="3807355" y="2138851"/>
+            <a:ext cx="423046" cy="5264"/>
+          </a:xfrm>
+          <a:prstGeom prst="straightConnector1">
+            <a:avLst/>
+          </a:prstGeom>
+          <a:ln>
+            <a:tailEnd type="triangle"/>
+          </a:ln>
+        </p:spPr>
+        <p:style>
+          <a:lnRef idx="1">
+            <a:schemeClr val="accent1"/>
+          </a:lnRef>
+          <a:fillRef idx="0">
+            <a:schemeClr val="accent1"/>
+          </a:fillRef>
+          <a:effectRef idx="0">
+            <a:schemeClr val="accent1"/>
+          </a:effectRef>
+          <a:fontRef idx="minor">
+            <a:schemeClr val="tx1"/>
+          </a:fontRef>
+        </p:style>
+      </p:cxnSp>
+    </p:spTree>
+    <p:extLst>
+      <p:ext uri="{BB962C8B-B14F-4D97-AF65-F5344CB8AC3E}">
+        <p14:creationId xmlns:p14="http://schemas.microsoft.com/office/powerpoint/2010/main" val="1021558180"/>
+      </p:ext>
+    </p:extLst>
+  </p:cSld>
+  <p:clrMapOvr>
+    <a:masterClrMapping/>
+  </p:clrMapOvr>
+  <p:transition spd="med">
+    <p:fade/>
+  </p:transition>
+</p:sld>
+</file>
+
+<file path=ppt/slides/slide3.xml><?xml version="1.0" encoding="utf-8"?>
+<p:sld xmlns:a="http://schemas.openxmlformats.org/drawingml/2006/main" xmlns:r="http://schemas.openxmlformats.org/officeDocument/2006/relationships" xmlns:p="http://schemas.openxmlformats.org/presentationml/2006/main">
+  <p:cSld>
+    <p:spTree>
+      <p:nvGrpSpPr>
+        <p:cNvPr id="1" name=""/>
+        <p:cNvGrpSpPr/>
+        <p:nvPr/>
+      </p:nvGrpSpPr>
+      <p:grpSpPr>
+        <a:xfrm>
+          <a:off x="0" y="0"/>
+          <a:ext cx="0" cy="0"/>
+          <a:chOff x="0" y="0"/>
+          <a:chExt cx="0" cy="0"/>
+        </a:xfrm>
+      </p:grpSpPr>
+      <p:sp>
+        <p:nvSpPr>
           <p:cNvPr id="5" name="Title 4">
             <a:extLst>
               <a:ext uri="{FF2B5EF4-FFF2-40B4-BE49-F238E27FC236}">
@@ -21115,8 +22564,8 @@
         </p:nvSpPr>
         <p:spPr>
           <a:xfrm>
-            <a:off x="2893017" y="2988390"/>
-            <a:ext cx="1176549" cy="614849"/>
+            <a:off x="3092707" y="2988390"/>
+            <a:ext cx="1554923" cy="614849"/>
           </a:xfrm>
           <a:prstGeom prst="flowChartProcess">
             <a:avLst/>
@@ -21156,7 +22605,7 @@
                   <a:schemeClr val="tx1"/>
                 </a:solidFill>
               </a:rPr>
-              <a:t>Manual priority injection by PPF</a:t>
+              <a:t>Manual priority injection by PPF via smartsheet portal</a:t>
             </a:r>
           </a:p>
         </p:txBody>
@@ -21178,8 +22627,8 @@
         </p:nvCxnSpPr>
         <p:spPr>
           <a:xfrm rot="10800000">
-            <a:off x="2574429" y="2307171"/>
-            <a:ext cx="318589" cy="988645"/>
+            <a:off x="2774123" y="2307175"/>
+            <a:ext cx="318585" cy="988641"/>
           </a:xfrm>
           <a:prstGeom prst="bentConnector2">
             <a:avLst/>
@@ -21223,7 +22672,7 @@
 </p:sld>
 </file>
 
-<file path=ppt/slides/slide3.xml><?xml version="1.0" encoding="utf-8"?>
+<file path=ppt/slides/slide4.xml><?xml version="1.0" encoding="utf-8"?>
 <p:sld xmlns:a="http://schemas.openxmlformats.org/drawingml/2006/main" xmlns:r="http://schemas.openxmlformats.org/officeDocument/2006/relationships" xmlns:p="http://schemas.openxmlformats.org/presentationml/2006/main">
   <p:cSld>
     <p:spTree>
@@ -21242,10 +22691,10 @@
       </p:grpSpPr>
       <p:sp>
         <p:nvSpPr>
-          <p:cNvPr id="2" name="Title 1">
+          <p:cNvPr id="4" name="Title 3">
             <a:extLst>
               <a:ext uri="{FF2B5EF4-FFF2-40B4-BE49-F238E27FC236}">
-                <a16:creationId xmlns:a16="http://schemas.microsoft.com/office/drawing/2014/main" id="{1E7C7457-2373-6845-A8D2-43FBA95BB1EA}"/>
+                <a16:creationId xmlns:a16="http://schemas.microsoft.com/office/drawing/2014/main" id="{93D5556D-850B-6F4B-AF16-9AB95FAF23B9}"/>
               </a:ext>
             </a:extLst>
           </p:cNvPr>
@@ -21256,1308 +22705,995 @@
             <p:ph type="title"/>
           </p:nvPr>
         </p:nvSpPr>
-        <p:spPr>
-          <a:xfrm>
-            <a:off x="583688" y="455085"/>
-            <a:ext cx="11127317" cy="975783"/>
-          </a:xfrm>
-        </p:spPr>
-        <p:txBody>
-          <a:bodyPr vert="horz" wrap="square" lIns="91424" tIns="45712" rIns="91424" bIns="45712" numCol="1" anchor="ctr" anchorCtr="0" compatLnSpc="1">
-            <a:prstTxWarp prst="textNoShape">
-              <a:avLst/>
-            </a:prstTxWarp>
-            <a:normAutofit/>
-          </a:bodyPr>
+        <p:spPr/>
+        <p:txBody>
+          <a:bodyPr/>
           <a:lstStyle/>
           <a:p>
             <a:r>
               <a:rPr lang="en-CN" dirty="0"/>
-              <a:t>PCBA Allocation – Input and Porcedures</a:t>
-            </a:r>
-          </a:p>
-        </p:txBody>
-      </p:sp>
-      <p:sp>
-        <p:nvSpPr>
-          <p:cNvPr id="4" name="Rounded Rectangle 3">
+              <a:t>Transit Time</a:t>
+            </a:r>
+          </a:p>
+        </p:txBody>
+      </p:sp>
+      <p:graphicFrame>
+        <p:nvGraphicFramePr>
+          <p:cNvPr id="5" name="Table 4">
             <a:extLst>
               <a:ext uri="{FF2B5EF4-FFF2-40B4-BE49-F238E27FC236}">
-                <a16:creationId xmlns:a16="http://schemas.microsoft.com/office/drawing/2014/main" id="{C3E98461-2F8C-064D-A5B6-7ED64B586E4F}"/>
+                <a16:creationId xmlns:a16="http://schemas.microsoft.com/office/drawing/2014/main" id="{5C5E95AA-DD99-5145-9DFE-5211D3DCBEC1}"/>
               </a:ext>
             </a:extLst>
           </p:cNvPr>
-          <p:cNvSpPr/>
-          <p:nvPr/>
-        </p:nvSpPr>
-        <p:spPr>
-          <a:xfrm>
-            <a:off x="998482" y="2217684"/>
-            <a:ext cx="1324303" cy="504493"/>
-          </a:xfrm>
-          <a:prstGeom prst="roundRect">
-            <a:avLst/>
-          </a:prstGeom>
-          <a:solidFill>
-            <a:srgbClr val="36A4D7"/>
-          </a:solidFill>
-          <a:ln>
-            <a:noFill/>
-          </a:ln>
-          <a:effectLst/>
-        </p:spPr>
-        <p:style>
-          <a:lnRef idx="2">
-            <a:schemeClr val="accent1">
-              <a:shade val="50000"/>
-            </a:schemeClr>
-          </a:lnRef>
-          <a:fillRef idx="1">
-            <a:schemeClr val="accent1"/>
-          </a:fillRef>
-          <a:effectRef idx="0">
-            <a:schemeClr val="accent1"/>
-          </a:effectRef>
-          <a:fontRef idx="minor">
-            <a:schemeClr val="lt1"/>
-          </a:fontRef>
-        </p:style>
-        <p:txBody>
-          <a:bodyPr rtlCol="0" anchor="ctr"/>
-          <a:lstStyle/>
-          <a:p>
-            <a:pPr algn="ctr"/>
-            <a:r>
-              <a:rPr lang="en-CN" sz="1100" dirty="0"/>
-              <a:t>GLO 3A4</a:t>
-            </a:r>
-          </a:p>
-        </p:txBody>
-      </p:sp>
-      <p:sp>
-        <p:nvSpPr>
-          <p:cNvPr id="6" name="Rounded Rectangle 5">
-            <a:extLst>
-              <a:ext uri="{FF2B5EF4-FFF2-40B4-BE49-F238E27FC236}">
-                <a16:creationId xmlns:a16="http://schemas.microsoft.com/office/drawing/2014/main" id="{932BF7C8-A55A-8C4B-B71E-244FCD98588E}"/>
-              </a:ext>
-            </a:extLst>
-          </p:cNvPr>
-          <p:cNvSpPr/>
-          <p:nvPr/>
-        </p:nvSpPr>
-        <p:spPr>
-          <a:xfrm>
-            <a:off x="1036099" y="5665955"/>
-            <a:ext cx="1324303" cy="504493"/>
-          </a:xfrm>
-          <a:prstGeom prst="roundRect">
-            <a:avLst/>
-          </a:prstGeom>
-          <a:solidFill>
-            <a:srgbClr val="36A4D7"/>
-          </a:solidFill>
-          <a:ln>
-            <a:noFill/>
-          </a:ln>
-          <a:effectLst/>
-        </p:spPr>
-        <p:style>
-          <a:lnRef idx="2">
-            <a:schemeClr val="accent1">
-              <a:shade val="50000"/>
-            </a:schemeClr>
-          </a:lnRef>
-          <a:fillRef idx="1">
-            <a:schemeClr val="accent1"/>
-          </a:fillRef>
-          <a:effectRef idx="0">
-            <a:schemeClr val="accent1"/>
-          </a:effectRef>
-          <a:fontRef idx="minor">
-            <a:schemeClr val="lt1"/>
-          </a:fontRef>
-        </p:style>
-        <p:txBody>
-          <a:bodyPr rtlCol="0" anchor="ctr"/>
-          <a:lstStyle/>
-          <a:p>
-            <a:pPr algn="ctr"/>
-            <a:r>
-              <a:rPr lang="en-CN" sz="1100" dirty="0"/>
-              <a:t>SCR (incl. OH)</a:t>
-            </a:r>
-          </a:p>
-        </p:txBody>
-      </p:sp>
-      <p:sp>
-        <p:nvSpPr>
-          <p:cNvPr id="7" name="Rounded Rectangle 6">
-            <a:extLst>
-              <a:ext uri="{FF2B5EF4-FFF2-40B4-BE49-F238E27FC236}">
-                <a16:creationId xmlns:a16="http://schemas.microsoft.com/office/drawing/2014/main" id="{B98D710B-2C39-6044-9665-ED07A6EA5926}"/>
-              </a:ext>
-            </a:extLst>
-          </p:cNvPr>
-          <p:cNvSpPr/>
-          <p:nvPr/>
-        </p:nvSpPr>
-        <p:spPr>
-          <a:xfrm>
-            <a:off x="998476" y="3605920"/>
-            <a:ext cx="1324303" cy="504493"/>
-          </a:xfrm>
-          <a:prstGeom prst="roundRect">
-            <a:avLst/>
-          </a:prstGeom>
-          <a:solidFill>
-            <a:srgbClr val="36A4D7"/>
-          </a:solidFill>
-          <a:ln>
-            <a:noFill/>
-          </a:ln>
-          <a:effectLst/>
-        </p:spPr>
-        <p:style>
-          <a:lnRef idx="2">
-            <a:schemeClr val="accent1">
-              <a:shade val="50000"/>
-            </a:schemeClr>
-          </a:lnRef>
-          <a:fillRef idx="1">
-            <a:schemeClr val="accent1"/>
-          </a:fillRef>
-          <a:effectRef idx="0">
-            <a:schemeClr val="accent1"/>
-          </a:effectRef>
-          <a:fontRef idx="minor">
-            <a:schemeClr val="lt1"/>
-          </a:fontRef>
-        </p:style>
-        <p:txBody>
-          <a:bodyPr rtlCol="0" anchor="ctr"/>
-          <a:lstStyle/>
-          <a:p>
-            <a:pPr algn="ctr"/>
-            <a:r>
-              <a:rPr lang="en-CN" sz="1100" dirty="0"/>
-              <a:t>DF Site OH</a:t>
-            </a:r>
-          </a:p>
-        </p:txBody>
-      </p:sp>
-      <p:sp>
-        <p:nvSpPr>
-          <p:cNvPr id="8" name="Rounded Rectangle 7">
-            <a:extLst>
-              <a:ext uri="{FF2B5EF4-FFF2-40B4-BE49-F238E27FC236}">
-                <a16:creationId xmlns:a16="http://schemas.microsoft.com/office/drawing/2014/main" id="{82A99DFE-E6E5-1248-9DBB-B782ABBC5096}"/>
-              </a:ext>
-            </a:extLst>
-          </p:cNvPr>
-          <p:cNvSpPr/>
-          <p:nvPr/>
-        </p:nvSpPr>
-        <p:spPr>
-          <a:xfrm>
-            <a:off x="998475" y="4310116"/>
-            <a:ext cx="1324303" cy="504493"/>
-          </a:xfrm>
-          <a:prstGeom prst="roundRect">
-            <a:avLst/>
-          </a:prstGeom>
-          <a:solidFill>
-            <a:srgbClr val="36A4D7"/>
-          </a:solidFill>
-          <a:ln>
-            <a:noFill/>
-          </a:ln>
-          <a:effectLst/>
-        </p:spPr>
-        <p:style>
-          <a:lnRef idx="2">
-            <a:schemeClr val="accent1">
-              <a:shade val="50000"/>
-            </a:schemeClr>
-          </a:lnRef>
-          <a:fillRef idx="1">
-            <a:schemeClr val="accent1"/>
-          </a:fillRef>
-          <a:effectRef idx="0">
-            <a:schemeClr val="accent1"/>
-          </a:effectRef>
-          <a:fontRef idx="minor">
-            <a:schemeClr val="lt1"/>
-          </a:fontRef>
-        </p:style>
-        <p:txBody>
-          <a:bodyPr rtlCol="0" anchor="ctr"/>
-          <a:lstStyle/>
-          <a:p>
-            <a:pPr algn="ctr"/>
-            <a:r>
-              <a:rPr lang="en-CN" sz="1100" dirty="0"/>
-              <a:t>DF Site Intransit</a:t>
-            </a:r>
-          </a:p>
-        </p:txBody>
-      </p:sp>
-      <p:sp>
-        <p:nvSpPr>
-          <p:cNvPr id="9" name="Rounded Rectangle 8">
-            <a:extLst>
-              <a:ext uri="{FF2B5EF4-FFF2-40B4-BE49-F238E27FC236}">
-                <a16:creationId xmlns:a16="http://schemas.microsoft.com/office/drawing/2014/main" id="{95D920B9-6414-F443-B7A2-E9EACF03B0A1}"/>
-              </a:ext>
-            </a:extLst>
-          </p:cNvPr>
-          <p:cNvSpPr/>
-          <p:nvPr/>
-        </p:nvSpPr>
-        <p:spPr>
-          <a:xfrm>
-            <a:off x="2874580" y="2217683"/>
-            <a:ext cx="1324303" cy="504493"/>
-          </a:xfrm>
-          <a:prstGeom prst="roundRect">
-            <a:avLst/>
-          </a:prstGeom>
-          <a:solidFill>
-            <a:srgbClr val="36A4D7"/>
-          </a:solidFill>
-          <a:ln>
-            <a:noFill/>
-          </a:ln>
-          <a:effectLst/>
-        </p:spPr>
-        <p:style>
-          <a:lnRef idx="2">
-            <a:schemeClr val="accent1">
-              <a:shade val="50000"/>
-            </a:schemeClr>
-          </a:lnRef>
-          <a:fillRef idx="1">
-            <a:schemeClr val="accent1"/>
-          </a:fillRef>
-          <a:effectRef idx="0">
-            <a:schemeClr val="accent1"/>
-          </a:effectRef>
-          <a:fontRef idx="minor">
-            <a:schemeClr val="lt1"/>
-          </a:fontRef>
-        </p:style>
-        <p:txBody>
-          <a:bodyPr rtlCol="0" anchor="ctr"/>
-          <a:lstStyle/>
-          <a:p>
-            <a:pPr algn="ctr"/>
-            <a:r>
-              <a:rPr lang="en-CN" sz="1100" dirty="0"/>
-              <a:t>Ranking GLO 3A4</a:t>
-            </a:r>
-          </a:p>
-        </p:txBody>
-      </p:sp>
-      <p:cxnSp>
-        <p:nvCxnSpPr>
-          <p:cNvPr id="10" name="Straight Arrow Connector 9">
-            <a:extLst>
-              <a:ext uri="{FF2B5EF4-FFF2-40B4-BE49-F238E27FC236}">
-                <a16:creationId xmlns:a16="http://schemas.microsoft.com/office/drawing/2014/main" id="{E1882AE9-A8FA-424B-9E8E-142BB27456C0}"/>
-              </a:ext>
-            </a:extLst>
-          </p:cNvPr>
-          <p:cNvCxnSpPr>
-            <a:cxnSpLocks/>
-            <a:stCxn id="4" idx="3"/>
-            <a:endCxn id="9" idx="1"/>
-          </p:cNvCxnSpPr>
-          <p:nvPr/>
-        </p:nvCxnSpPr>
-        <p:spPr>
-          <a:xfrm flipV="1">
-            <a:off x="2322785" y="2469930"/>
-            <a:ext cx="551795" cy="1"/>
-          </a:xfrm>
-          <a:prstGeom prst="straightConnector1">
-            <a:avLst/>
-          </a:prstGeom>
-          <a:ln>
-            <a:tailEnd type="triangle"/>
-          </a:ln>
-        </p:spPr>
-        <p:style>
-          <a:lnRef idx="1">
-            <a:schemeClr val="accent1"/>
-          </a:lnRef>
-          <a:fillRef idx="0">
-            <a:schemeClr val="accent1"/>
-          </a:fillRef>
-          <a:effectRef idx="0">
-            <a:schemeClr val="accent1"/>
-          </a:effectRef>
-          <a:fontRef idx="minor">
-            <a:schemeClr val="tx1"/>
-          </a:fontRef>
-        </p:style>
-      </p:cxnSp>
-      <p:sp>
-        <p:nvSpPr>
-          <p:cNvPr id="13" name="Rounded Rectangle 12">
-            <a:extLst>
-              <a:ext uri="{FF2B5EF4-FFF2-40B4-BE49-F238E27FC236}">
-                <a16:creationId xmlns:a16="http://schemas.microsoft.com/office/drawing/2014/main" id="{D8A56797-FEA9-F546-AD4F-4659FFB8CD26}"/>
-              </a:ext>
-            </a:extLst>
-          </p:cNvPr>
-          <p:cNvSpPr/>
-          <p:nvPr/>
-        </p:nvSpPr>
-        <p:spPr>
-          <a:xfrm>
-            <a:off x="4729656" y="2217683"/>
-            <a:ext cx="1324303" cy="504493"/>
-          </a:xfrm>
-          <a:prstGeom prst="roundRect">
-            <a:avLst/>
-          </a:prstGeom>
-          <a:solidFill>
-            <a:srgbClr val="36A4D7"/>
-          </a:solidFill>
-          <a:ln>
-            <a:noFill/>
-          </a:ln>
-          <a:effectLst/>
-        </p:spPr>
-        <p:style>
-          <a:lnRef idx="2">
-            <a:schemeClr val="accent1">
-              <a:shade val="50000"/>
-            </a:schemeClr>
-          </a:lnRef>
-          <a:fillRef idx="1">
-            <a:schemeClr val="accent1"/>
-          </a:fillRef>
-          <a:effectRef idx="0">
-            <a:schemeClr val="accent1"/>
-          </a:effectRef>
-          <a:fontRef idx="minor">
-            <a:schemeClr val="lt1"/>
-          </a:fontRef>
-        </p:style>
-        <p:txBody>
-          <a:bodyPr rtlCol="0" anchor="ctr"/>
-          <a:lstStyle/>
-          <a:p>
-            <a:pPr algn="ctr"/>
-            <a:r>
-              <a:rPr lang="en-CN" sz="1100" dirty="0"/>
-              <a:t>OH allocate to Site 3A4</a:t>
-            </a:r>
-          </a:p>
-        </p:txBody>
-      </p:sp>
-      <p:sp>
-        <p:nvSpPr>
-          <p:cNvPr id="14" name="Rounded Rectangle 13">
-            <a:extLst>
-              <a:ext uri="{FF2B5EF4-FFF2-40B4-BE49-F238E27FC236}">
-                <a16:creationId xmlns:a16="http://schemas.microsoft.com/office/drawing/2014/main" id="{2D703EEE-FC95-214D-96CF-DDBA52859C7E}"/>
-              </a:ext>
-            </a:extLst>
-          </p:cNvPr>
-          <p:cNvSpPr/>
-          <p:nvPr/>
-        </p:nvSpPr>
-        <p:spPr>
-          <a:xfrm>
-            <a:off x="6584732" y="2207170"/>
-            <a:ext cx="1324303" cy="504493"/>
-          </a:xfrm>
-          <a:prstGeom prst="roundRect">
-            <a:avLst/>
-          </a:prstGeom>
-          <a:solidFill>
-            <a:srgbClr val="36A4D7"/>
-          </a:solidFill>
-          <a:ln>
-            <a:noFill/>
-          </a:ln>
-          <a:effectLst/>
-        </p:spPr>
-        <p:style>
-          <a:lnRef idx="2">
-            <a:schemeClr val="accent1">
-              <a:shade val="50000"/>
-            </a:schemeClr>
-          </a:lnRef>
-          <a:fillRef idx="1">
-            <a:schemeClr val="accent1"/>
-          </a:fillRef>
-          <a:effectRef idx="0">
-            <a:schemeClr val="accent1"/>
-          </a:effectRef>
-          <a:fontRef idx="minor">
-            <a:schemeClr val="lt1"/>
-          </a:fontRef>
-        </p:style>
-        <p:txBody>
-          <a:bodyPr rtlCol="0" anchor="ctr"/>
-          <a:lstStyle/>
-          <a:p>
-            <a:pPr algn="ctr"/>
-            <a:r>
-              <a:rPr lang="en-CN" sz="1100" dirty="0"/>
-              <a:t>Intransit allocate to Site 3A4</a:t>
-            </a:r>
-          </a:p>
-        </p:txBody>
-      </p:sp>
-      <p:sp>
-        <p:nvSpPr>
-          <p:cNvPr id="16" name="Rounded Rectangle 15">
-            <a:extLst>
-              <a:ext uri="{FF2B5EF4-FFF2-40B4-BE49-F238E27FC236}">
-                <a16:creationId xmlns:a16="http://schemas.microsoft.com/office/drawing/2014/main" id="{FDADD7F8-E121-8A46-8600-DCF4C69170DA}"/>
-              </a:ext>
-            </a:extLst>
-          </p:cNvPr>
-          <p:cNvSpPr/>
-          <p:nvPr/>
-        </p:nvSpPr>
-        <p:spPr>
-          <a:xfrm>
-            <a:off x="8439808" y="2207169"/>
-            <a:ext cx="1324303" cy="504493"/>
-          </a:xfrm>
-          <a:prstGeom prst="roundRect">
-            <a:avLst/>
-          </a:prstGeom>
-          <a:solidFill>
-            <a:srgbClr val="36A4D7"/>
-          </a:solidFill>
-          <a:ln>
-            <a:noFill/>
-          </a:ln>
-          <a:effectLst/>
-        </p:spPr>
-        <p:style>
-          <a:lnRef idx="2">
-            <a:schemeClr val="accent1">
-              <a:shade val="50000"/>
-            </a:schemeClr>
-          </a:lnRef>
-          <a:fillRef idx="1">
-            <a:schemeClr val="accent1"/>
-          </a:fillRef>
-          <a:effectRef idx="0">
-            <a:schemeClr val="accent1"/>
-          </a:effectRef>
-          <a:fontRef idx="minor">
-            <a:schemeClr val="lt1"/>
-          </a:fontRef>
-        </p:style>
-        <p:txBody>
-          <a:bodyPr rtlCol="0" anchor="ctr"/>
-          <a:lstStyle/>
-          <a:p>
-            <a:pPr algn="ctr"/>
-            <a:r>
-              <a:rPr lang="en-CN" sz="1100" dirty="0"/>
-              <a:t>SCR allocate to GLO 3A4</a:t>
-            </a:r>
-          </a:p>
-        </p:txBody>
-      </p:sp>
-      <p:sp>
-        <p:nvSpPr>
-          <p:cNvPr id="17" name="Rounded Rectangle 16">
-            <a:extLst>
-              <a:ext uri="{FF2B5EF4-FFF2-40B4-BE49-F238E27FC236}">
-                <a16:creationId xmlns:a16="http://schemas.microsoft.com/office/drawing/2014/main" id="{6D8FF3CB-1279-D14B-B658-2714CD4F4F78}"/>
-              </a:ext>
-            </a:extLst>
-          </p:cNvPr>
-          <p:cNvSpPr/>
-          <p:nvPr/>
-        </p:nvSpPr>
-        <p:spPr>
-          <a:xfrm>
-            <a:off x="10386702" y="2207168"/>
-            <a:ext cx="1324303" cy="504493"/>
-          </a:xfrm>
-          <a:prstGeom prst="roundRect">
-            <a:avLst/>
-          </a:prstGeom>
-          <a:solidFill>
-            <a:srgbClr val="36A4D7"/>
-          </a:solidFill>
-          <a:ln>
-            <a:noFill/>
-          </a:ln>
-          <a:effectLst/>
-        </p:spPr>
-        <p:style>
-          <a:lnRef idx="2">
-            <a:schemeClr val="accent1">
-              <a:shade val="50000"/>
-            </a:schemeClr>
-          </a:lnRef>
-          <a:fillRef idx="1">
-            <a:schemeClr val="accent1"/>
-          </a:fillRef>
-          <a:effectRef idx="0">
-            <a:schemeClr val="accent1"/>
-          </a:effectRef>
-          <a:fontRef idx="minor">
-            <a:schemeClr val="lt1"/>
-          </a:fontRef>
-        </p:style>
-        <p:txBody>
-          <a:bodyPr rtlCol="0" anchor="ctr"/>
-          <a:lstStyle/>
-          <a:p>
-            <a:pPr algn="ctr"/>
-            <a:r>
-              <a:rPr lang="en-CN" sz="1100" dirty="0"/>
-              <a:t>Summarize SCR allocation to DF</a:t>
-            </a:r>
-          </a:p>
-        </p:txBody>
-      </p:sp>
-      <p:cxnSp>
-        <p:nvCxnSpPr>
-          <p:cNvPr id="18" name="Straight Arrow Connector 17">
-            <a:extLst>
-              <a:ext uri="{FF2B5EF4-FFF2-40B4-BE49-F238E27FC236}">
-                <a16:creationId xmlns:a16="http://schemas.microsoft.com/office/drawing/2014/main" id="{5C33B62F-7336-C948-AA61-0504C8AF3376}"/>
-              </a:ext>
-            </a:extLst>
-          </p:cNvPr>
-          <p:cNvCxnSpPr>
-            <a:cxnSpLocks/>
-            <a:stCxn id="9" idx="3"/>
-            <a:endCxn id="13" idx="1"/>
-          </p:cNvCxnSpPr>
-          <p:nvPr/>
-        </p:nvCxnSpPr>
-        <p:spPr>
-          <a:xfrm>
-            <a:off x="4198883" y="2469930"/>
-            <a:ext cx="530773" cy="0"/>
-          </a:xfrm>
-          <a:prstGeom prst="straightConnector1">
-            <a:avLst/>
-          </a:prstGeom>
-          <a:ln>
-            <a:tailEnd type="triangle"/>
-          </a:ln>
-        </p:spPr>
-        <p:style>
-          <a:lnRef idx="1">
-            <a:schemeClr val="accent1"/>
-          </a:lnRef>
-          <a:fillRef idx="0">
-            <a:schemeClr val="accent1"/>
-          </a:fillRef>
-          <a:effectRef idx="0">
-            <a:schemeClr val="accent1"/>
-          </a:effectRef>
-          <a:fontRef idx="minor">
-            <a:schemeClr val="tx1"/>
-          </a:fontRef>
-        </p:style>
-      </p:cxnSp>
-      <p:cxnSp>
-        <p:nvCxnSpPr>
-          <p:cNvPr id="20" name="Straight Arrow Connector 19">
-            <a:extLst>
-              <a:ext uri="{FF2B5EF4-FFF2-40B4-BE49-F238E27FC236}">
-                <a16:creationId xmlns:a16="http://schemas.microsoft.com/office/drawing/2014/main" id="{791D453D-4FCC-FC40-94BC-C394E95CE7B0}"/>
-              </a:ext>
-            </a:extLst>
-          </p:cNvPr>
-          <p:cNvCxnSpPr>
-            <a:cxnSpLocks/>
-            <a:stCxn id="13" idx="3"/>
-            <a:endCxn id="14" idx="1"/>
-          </p:cNvCxnSpPr>
-          <p:nvPr/>
-        </p:nvCxnSpPr>
-        <p:spPr>
-          <a:xfrm flipV="1">
-            <a:off x="6053959" y="2459417"/>
-            <a:ext cx="530773" cy="10513"/>
-          </a:xfrm>
-          <a:prstGeom prst="straightConnector1">
-            <a:avLst/>
-          </a:prstGeom>
-          <a:ln>
-            <a:tailEnd type="triangle"/>
-          </a:ln>
-        </p:spPr>
-        <p:style>
-          <a:lnRef idx="1">
-            <a:schemeClr val="accent1"/>
-          </a:lnRef>
-          <a:fillRef idx="0">
-            <a:schemeClr val="accent1"/>
-          </a:fillRef>
-          <a:effectRef idx="0">
-            <a:schemeClr val="accent1"/>
-          </a:effectRef>
-          <a:fontRef idx="minor">
-            <a:schemeClr val="tx1"/>
-          </a:fontRef>
-        </p:style>
-      </p:cxnSp>
-      <p:cxnSp>
-        <p:nvCxnSpPr>
-          <p:cNvPr id="23" name="Straight Arrow Connector 22">
-            <a:extLst>
-              <a:ext uri="{FF2B5EF4-FFF2-40B4-BE49-F238E27FC236}">
-                <a16:creationId xmlns:a16="http://schemas.microsoft.com/office/drawing/2014/main" id="{D78225D7-505E-CD41-9E7D-4FF1EF1BE470}"/>
-              </a:ext>
-            </a:extLst>
-          </p:cNvPr>
-          <p:cNvCxnSpPr>
-            <a:cxnSpLocks/>
-            <a:stCxn id="14" idx="3"/>
-            <a:endCxn id="16" idx="1"/>
-          </p:cNvCxnSpPr>
-          <p:nvPr/>
-        </p:nvCxnSpPr>
-        <p:spPr>
-          <a:xfrm flipV="1">
-            <a:off x="7909035" y="2459416"/>
-            <a:ext cx="530773" cy="1"/>
-          </a:xfrm>
-          <a:prstGeom prst="straightConnector1">
-            <a:avLst/>
-          </a:prstGeom>
-          <a:ln>
-            <a:tailEnd type="triangle"/>
-          </a:ln>
-        </p:spPr>
-        <p:style>
-          <a:lnRef idx="1">
-            <a:schemeClr val="accent1"/>
-          </a:lnRef>
-          <a:fillRef idx="0">
-            <a:schemeClr val="accent1"/>
-          </a:fillRef>
-          <a:effectRef idx="0">
-            <a:schemeClr val="accent1"/>
-          </a:effectRef>
-          <a:fontRef idx="minor">
-            <a:schemeClr val="tx1"/>
-          </a:fontRef>
-        </p:style>
-      </p:cxnSp>
-      <p:cxnSp>
-        <p:nvCxnSpPr>
-          <p:cNvPr id="26" name="Straight Arrow Connector 25">
-            <a:extLst>
-              <a:ext uri="{FF2B5EF4-FFF2-40B4-BE49-F238E27FC236}">
-                <a16:creationId xmlns:a16="http://schemas.microsoft.com/office/drawing/2014/main" id="{0F09219E-2567-DB43-BC1D-BFA38AAC4E8C}"/>
-              </a:ext>
-            </a:extLst>
-          </p:cNvPr>
-          <p:cNvCxnSpPr>
-            <a:cxnSpLocks/>
-            <a:stCxn id="16" idx="3"/>
-            <a:endCxn id="17" idx="1"/>
-          </p:cNvCxnSpPr>
-          <p:nvPr/>
-        </p:nvCxnSpPr>
-        <p:spPr>
-          <a:xfrm flipV="1">
-            <a:off x="9764111" y="2459415"/>
-            <a:ext cx="622591" cy="1"/>
-          </a:xfrm>
-          <a:prstGeom prst="straightConnector1">
-            <a:avLst/>
-          </a:prstGeom>
-          <a:ln>
-            <a:tailEnd type="triangle"/>
-          </a:ln>
-        </p:spPr>
-        <p:style>
-          <a:lnRef idx="1">
-            <a:schemeClr val="accent1"/>
-          </a:lnRef>
-          <a:fillRef idx="0">
-            <a:schemeClr val="accent1"/>
-          </a:fillRef>
-          <a:effectRef idx="0">
-            <a:schemeClr val="accent1"/>
-          </a:effectRef>
-          <a:fontRef idx="minor">
-            <a:schemeClr val="tx1"/>
-          </a:fontRef>
-        </p:style>
-      </p:cxnSp>
-      <p:cxnSp>
-        <p:nvCxnSpPr>
-          <p:cNvPr id="30" name="Elbow Connector 29">
-            <a:extLst>
-              <a:ext uri="{FF2B5EF4-FFF2-40B4-BE49-F238E27FC236}">
-                <a16:creationId xmlns:a16="http://schemas.microsoft.com/office/drawing/2014/main" id="{E9B13681-FFD4-4446-9F21-8A5D3DF11955}"/>
-              </a:ext>
-            </a:extLst>
-          </p:cNvPr>
-          <p:cNvCxnSpPr>
-            <a:cxnSpLocks/>
-            <a:stCxn id="7" idx="3"/>
-            <a:endCxn id="13" idx="2"/>
-          </p:cNvCxnSpPr>
-          <p:nvPr/>
-        </p:nvCxnSpPr>
-        <p:spPr>
-          <a:xfrm flipV="1">
-            <a:off x="2322779" y="2722176"/>
-            <a:ext cx="3069029" cy="1135991"/>
-          </a:xfrm>
-          <a:prstGeom prst="bentConnector2">
-            <a:avLst/>
-          </a:prstGeom>
-          <a:ln>
-            <a:tailEnd type="triangle"/>
-          </a:ln>
-        </p:spPr>
-        <p:style>
-          <a:lnRef idx="1">
-            <a:schemeClr val="accent1"/>
-          </a:lnRef>
-          <a:fillRef idx="0">
-            <a:schemeClr val="accent1"/>
-          </a:fillRef>
-          <a:effectRef idx="0">
-            <a:schemeClr val="accent1"/>
-          </a:effectRef>
-          <a:fontRef idx="minor">
-            <a:schemeClr val="tx1"/>
-          </a:fontRef>
-        </p:style>
-      </p:cxnSp>
-      <p:cxnSp>
-        <p:nvCxnSpPr>
-          <p:cNvPr id="32" name="Elbow Connector 31">
-            <a:extLst>
-              <a:ext uri="{FF2B5EF4-FFF2-40B4-BE49-F238E27FC236}">
-                <a16:creationId xmlns:a16="http://schemas.microsoft.com/office/drawing/2014/main" id="{D7C501C9-A628-7E45-8745-05D5B70ECC7D}"/>
-              </a:ext>
-            </a:extLst>
-          </p:cNvPr>
-          <p:cNvCxnSpPr>
-            <a:cxnSpLocks/>
-            <a:stCxn id="8" idx="3"/>
-            <a:endCxn id="14" idx="2"/>
-          </p:cNvCxnSpPr>
-          <p:nvPr/>
-        </p:nvCxnSpPr>
-        <p:spPr>
-          <a:xfrm flipV="1">
-            <a:off x="2322778" y="2711663"/>
-            <a:ext cx="4924106" cy="1850700"/>
-          </a:xfrm>
-          <a:prstGeom prst="bentConnector2">
-            <a:avLst/>
-          </a:prstGeom>
-          <a:ln>
-            <a:tailEnd type="triangle"/>
-          </a:ln>
-        </p:spPr>
-        <p:style>
-          <a:lnRef idx="1">
-            <a:schemeClr val="accent1"/>
-          </a:lnRef>
-          <a:fillRef idx="0">
-            <a:schemeClr val="accent1"/>
-          </a:fillRef>
-          <a:effectRef idx="0">
-            <a:schemeClr val="accent1"/>
-          </a:effectRef>
-          <a:fontRef idx="minor">
-            <a:schemeClr val="tx1"/>
-          </a:fontRef>
-        </p:style>
-      </p:cxnSp>
-      <p:cxnSp>
-        <p:nvCxnSpPr>
-          <p:cNvPr id="35" name="Elbow Connector 34">
-            <a:extLst>
-              <a:ext uri="{FF2B5EF4-FFF2-40B4-BE49-F238E27FC236}">
-                <a16:creationId xmlns:a16="http://schemas.microsoft.com/office/drawing/2014/main" id="{9B976E01-77F1-3946-BC3E-7D01125D2D99}"/>
-              </a:ext>
-            </a:extLst>
-          </p:cNvPr>
-          <p:cNvCxnSpPr>
-            <a:cxnSpLocks/>
-            <a:stCxn id="6" idx="3"/>
-            <a:endCxn id="16" idx="2"/>
-          </p:cNvCxnSpPr>
-          <p:nvPr/>
-        </p:nvCxnSpPr>
-        <p:spPr>
-          <a:xfrm flipV="1">
-            <a:off x="2360402" y="2711662"/>
-            <a:ext cx="6741558" cy="3206540"/>
-          </a:xfrm>
-          <a:prstGeom prst="bentConnector2">
-            <a:avLst/>
-          </a:prstGeom>
-          <a:ln>
-            <a:tailEnd type="triangle"/>
-          </a:ln>
-        </p:spPr>
-        <p:style>
-          <a:lnRef idx="1">
-            <a:schemeClr val="accent1"/>
-          </a:lnRef>
-          <a:fillRef idx="0">
-            <a:schemeClr val="accent1"/>
-          </a:fillRef>
-          <a:effectRef idx="0">
-            <a:schemeClr val="accent1"/>
-          </a:effectRef>
-          <a:fontRef idx="minor">
-            <a:schemeClr val="tx1"/>
-          </a:fontRef>
-        </p:style>
-      </p:cxnSp>
-      <p:sp>
-        <p:nvSpPr>
-          <p:cNvPr id="38" name="TextBox 37">
-            <a:extLst>
-              <a:ext uri="{FF2B5EF4-FFF2-40B4-BE49-F238E27FC236}">
-                <a16:creationId xmlns:a16="http://schemas.microsoft.com/office/drawing/2014/main" id="{16D1BC01-8536-9843-83C5-4203CE02E3D4}"/>
-              </a:ext>
-            </a:extLst>
-          </p:cNvPr>
-          <p:cNvSpPr txBox="1"/>
-          <p:nvPr/>
-        </p:nvSpPr>
-        <p:spPr>
-          <a:xfrm>
-            <a:off x="1036099" y="1450418"/>
-            <a:ext cx="1249060" cy="369332"/>
-          </a:xfrm>
-          <a:prstGeom prst="rect">
-            <a:avLst/>
-          </a:prstGeom>
-          <a:solidFill>
-            <a:schemeClr val="accent2"/>
-          </a:solidFill>
-        </p:spPr>
-        <p:txBody>
-          <a:bodyPr wrap="none" rtlCol="0">
-            <a:spAutoFit/>
-          </a:bodyPr>
-          <a:lstStyle/>
-          <a:p>
-            <a:r>
-              <a:rPr lang="en-CN" dirty="0"/>
-              <a:t>Input Data</a:t>
-            </a:r>
-          </a:p>
-        </p:txBody>
-      </p:sp>
-      <p:sp>
-        <p:nvSpPr>
-          <p:cNvPr id="39" name="TextBox 38">
-            <a:extLst>
-              <a:ext uri="{FF2B5EF4-FFF2-40B4-BE49-F238E27FC236}">
-                <a16:creationId xmlns:a16="http://schemas.microsoft.com/office/drawing/2014/main" id="{0E3E3C74-BB0B-8844-85D9-F7E605F32D6A}"/>
-              </a:ext>
-            </a:extLst>
-          </p:cNvPr>
-          <p:cNvSpPr txBox="1"/>
-          <p:nvPr/>
-        </p:nvSpPr>
-        <p:spPr>
-          <a:xfrm>
-            <a:off x="2874580" y="1450418"/>
-            <a:ext cx="8836425" cy="369332"/>
-          </a:xfrm>
-          <a:prstGeom prst="rect">
-            <a:avLst/>
-          </a:prstGeom>
-          <a:solidFill>
-            <a:schemeClr val="accent2"/>
-          </a:solidFill>
-        </p:spPr>
-        <p:txBody>
-          <a:bodyPr wrap="square" rtlCol="0">
-            <a:spAutoFit/>
-          </a:bodyPr>
-          <a:lstStyle/>
-          <a:p>
-            <a:pPr algn="ctr"/>
-            <a:r>
-              <a:rPr lang="en-CN" dirty="0"/>
-              <a:t>Procedures</a:t>
-            </a:r>
-          </a:p>
-        </p:txBody>
-      </p:sp>
-      <p:sp>
-        <p:nvSpPr>
-          <p:cNvPr id="28" name="Rounded Rectangle 27">
-            <a:extLst>
-              <a:ext uri="{FF2B5EF4-FFF2-40B4-BE49-F238E27FC236}">
-                <a16:creationId xmlns:a16="http://schemas.microsoft.com/office/drawing/2014/main" id="{CE24BF35-46EE-E147-A71B-5DC2B2B64E3E}"/>
-              </a:ext>
-            </a:extLst>
-          </p:cNvPr>
-          <p:cNvSpPr/>
-          <p:nvPr/>
-        </p:nvSpPr>
-        <p:spPr>
-          <a:xfrm>
-            <a:off x="998476" y="2894147"/>
-            <a:ext cx="1324303" cy="504493"/>
-          </a:xfrm>
-          <a:prstGeom prst="roundRect">
-            <a:avLst/>
-          </a:prstGeom>
-          <a:solidFill>
-            <a:srgbClr val="36A4D7"/>
-          </a:solidFill>
-          <a:ln>
-            <a:noFill/>
-          </a:ln>
-          <a:effectLst/>
-        </p:spPr>
-        <p:style>
-          <a:lnRef idx="2">
-            <a:schemeClr val="accent1">
-              <a:shade val="50000"/>
-            </a:schemeClr>
-          </a:lnRef>
-          <a:fillRef idx="1">
-            <a:schemeClr val="accent1"/>
-          </a:fillRef>
-          <a:effectRef idx="0">
-            <a:schemeClr val="accent1"/>
-          </a:effectRef>
-          <a:fontRef idx="minor">
-            <a:schemeClr val="lt1"/>
-          </a:fontRef>
-        </p:style>
-        <p:txBody>
-          <a:bodyPr rtlCol="0" anchor="ctr"/>
-          <a:lstStyle/>
-          <a:p>
-            <a:pPr algn="ctr"/>
-            <a:r>
-              <a:rPr lang="en-US" sz="1100" dirty="0"/>
-              <a:t>Transit time</a:t>
-            </a:r>
-            <a:endParaRPr lang="en-CN" sz="1100" dirty="0"/>
-          </a:p>
-        </p:txBody>
-      </p:sp>
-      <p:cxnSp>
-        <p:nvCxnSpPr>
-          <p:cNvPr id="21" name="Elbow Connector 20">
-            <a:extLst>
-              <a:ext uri="{FF2B5EF4-FFF2-40B4-BE49-F238E27FC236}">
-                <a16:creationId xmlns:a16="http://schemas.microsoft.com/office/drawing/2014/main" id="{66DA7311-AD24-154D-9628-D7D83B413514}"/>
-              </a:ext>
-            </a:extLst>
-          </p:cNvPr>
-          <p:cNvCxnSpPr>
-            <a:cxnSpLocks/>
-            <a:stCxn id="28" idx="3"/>
-            <a:endCxn id="9" idx="2"/>
-          </p:cNvCxnSpPr>
-          <p:nvPr/>
-        </p:nvCxnSpPr>
-        <p:spPr>
-          <a:xfrm flipV="1">
-            <a:off x="2322779" y="2722176"/>
-            <a:ext cx="1213953" cy="424218"/>
-          </a:xfrm>
-          <a:prstGeom prst="bentConnector2">
-            <a:avLst/>
-          </a:prstGeom>
-          <a:ln>
-            <a:tailEnd type="triangle"/>
-          </a:ln>
-        </p:spPr>
-        <p:style>
-          <a:lnRef idx="1">
-            <a:schemeClr val="accent1"/>
-          </a:lnRef>
-          <a:fillRef idx="0">
-            <a:schemeClr val="accent1"/>
-          </a:fillRef>
-          <a:effectRef idx="0">
-            <a:schemeClr val="accent1"/>
-          </a:effectRef>
-          <a:fontRef idx="minor">
-            <a:schemeClr val="tx1"/>
-          </a:fontRef>
-        </p:style>
-      </p:cxnSp>
-      <p:sp>
-        <p:nvSpPr>
-          <p:cNvPr id="49" name="TextBox 48">
-            <a:extLst>
-              <a:ext uri="{FF2B5EF4-FFF2-40B4-BE49-F238E27FC236}">
-                <a16:creationId xmlns:a16="http://schemas.microsoft.com/office/drawing/2014/main" id="{28843030-455F-4044-B55E-4E3250FB9312}"/>
-              </a:ext>
-            </a:extLst>
-          </p:cNvPr>
-          <p:cNvSpPr txBox="1"/>
-          <p:nvPr/>
-        </p:nvSpPr>
-        <p:spPr>
-          <a:xfrm>
-            <a:off x="4694501" y="6033583"/>
-            <a:ext cx="5826980" cy="738664"/>
-          </a:xfrm>
-          <a:prstGeom prst="rect">
-            <a:avLst/>
-          </a:prstGeom>
-          <a:solidFill>
-            <a:schemeClr val="bg1"/>
-          </a:solidFill>
-        </p:spPr>
-        <p:txBody>
-          <a:bodyPr wrap="none" rtlCol="0">
-            <a:spAutoFit/>
-          </a:bodyPr>
-          <a:lstStyle/>
-          <a:p>
-            <a:r>
-              <a:rPr lang="en-CN" sz="1400" dirty="0"/>
-              <a:t>Versions: different versions considered as same</a:t>
-            </a:r>
-          </a:p>
-          <a:p>
-            <a:r>
-              <a:rPr lang="en-CN" sz="1400" dirty="0"/>
-              <a:t>Sourcing rules: each DF only source same TAN from one PCBA site</a:t>
-            </a:r>
-          </a:p>
-          <a:p>
-            <a:r>
-              <a:rPr lang="en-CN" sz="1400" dirty="0"/>
-              <a:t>Transit time: air transit time – backlog gap should be covered by air ship</a:t>
-            </a:r>
-          </a:p>
-        </p:txBody>
-      </p:sp>
-      <p:sp>
-        <p:nvSpPr>
-          <p:cNvPr id="27" name="Rounded Rectangle 26">
-            <a:extLst>
-              <a:ext uri="{FF2B5EF4-FFF2-40B4-BE49-F238E27FC236}">
-                <a16:creationId xmlns:a16="http://schemas.microsoft.com/office/drawing/2014/main" id="{CD40F9E5-5FD3-4645-B4CF-E93EE130EDEE}"/>
-              </a:ext>
-            </a:extLst>
-          </p:cNvPr>
-          <p:cNvSpPr/>
-          <p:nvPr/>
-        </p:nvSpPr>
-        <p:spPr>
-          <a:xfrm>
-            <a:off x="998475" y="4986579"/>
-            <a:ext cx="1324303" cy="504493"/>
-          </a:xfrm>
-          <a:prstGeom prst="roundRect">
-            <a:avLst/>
-          </a:prstGeom>
-          <a:solidFill>
-            <a:srgbClr val="36A4D7"/>
-          </a:solidFill>
-          <a:ln>
-            <a:noFill/>
-          </a:ln>
-          <a:effectLst/>
-        </p:spPr>
-        <p:style>
-          <a:lnRef idx="2">
-            <a:schemeClr val="accent1">
-              <a:shade val="50000"/>
-            </a:schemeClr>
-          </a:lnRef>
-          <a:fillRef idx="1">
-            <a:schemeClr val="accent1"/>
-          </a:fillRef>
-          <a:effectRef idx="0">
-            <a:schemeClr val="accent1"/>
-          </a:effectRef>
-          <a:fontRef idx="minor">
-            <a:schemeClr val="lt1"/>
-          </a:fontRef>
-        </p:style>
-        <p:txBody>
-          <a:bodyPr rtlCol="0" anchor="ctr"/>
-          <a:lstStyle/>
-          <a:p>
-            <a:pPr algn="ctr"/>
-            <a:r>
-              <a:rPr lang="en-CN" sz="1100" dirty="0"/>
-              <a:t>SB</a:t>
-            </a:r>
-          </a:p>
-        </p:txBody>
-      </p:sp>
-      <p:cxnSp>
-        <p:nvCxnSpPr>
-          <p:cNvPr id="5" name="Elbow Connector 4">
-            <a:extLst>
-              <a:ext uri="{FF2B5EF4-FFF2-40B4-BE49-F238E27FC236}">
-                <a16:creationId xmlns:a16="http://schemas.microsoft.com/office/drawing/2014/main" id="{50044E46-EAB1-8345-9ABA-4E42D7512F21}"/>
-              </a:ext>
-            </a:extLst>
-          </p:cNvPr>
-          <p:cNvCxnSpPr>
-            <a:cxnSpLocks/>
-            <a:stCxn id="27" idx="3"/>
-            <a:endCxn id="14" idx="2"/>
-          </p:cNvCxnSpPr>
-          <p:nvPr/>
-        </p:nvCxnSpPr>
-        <p:spPr>
-          <a:xfrm flipV="1">
-            <a:off x="2322778" y="2711663"/>
-            <a:ext cx="4924106" cy="2527163"/>
-          </a:xfrm>
-          <a:prstGeom prst="bentConnector2">
-            <a:avLst/>
-          </a:prstGeom>
-          <a:ln>
-            <a:tailEnd type="triangle"/>
-          </a:ln>
-        </p:spPr>
-        <p:style>
-          <a:lnRef idx="1">
-            <a:schemeClr val="accent1"/>
-          </a:lnRef>
-          <a:fillRef idx="0">
-            <a:schemeClr val="accent1"/>
-          </a:fillRef>
-          <a:effectRef idx="0">
-            <a:schemeClr val="accent1"/>
-          </a:effectRef>
-          <a:fontRef idx="minor">
-            <a:schemeClr val="tx1"/>
-          </a:fontRef>
-        </p:style>
-      </p:cxnSp>
-      <p:sp>
-        <p:nvSpPr>
-          <p:cNvPr id="19" name="TextBox 18">
-            <a:extLst>
-              <a:ext uri="{FF2B5EF4-FFF2-40B4-BE49-F238E27FC236}">
-                <a16:creationId xmlns:a16="http://schemas.microsoft.com/office/drawing/2014/main" id="{75712387-A6FC-074B-A331-7DF4715D4021}"/>
-              </a:ext>
-            </a:extLst>
-          </p:cNvPr>
-          <p:cNvSpPr txBox="1"/>
-          <p:nvPr/>
-        </p:nvSpPr>
-        <p:spPr>
-          <a:xfrm>
-            <a:off x="3058501" y="5993156"/>
-            <a:ext cx="1569660" cy="369332"/>
-          </a:xfrm>
-          <a:prstGeom prst="rect">
-            <a:avLst/>
-          </a:prstGeom>
-          <a:noFill/>
-        </p:spPr>
-        <p:txBody>
-          <a:bodyPr wrap="none" rtlCol="0">
-            <a:spAutoFit/>
-          </a:bodyPr>
-          <a:lstStyle/>
-          <a:p>
-            <a:r>
-              <a:rPr lang="en-CN" dirty="0"/>
-              <a:t>Assumptions:</a:t>
-            </a:r>
-          </a:p>
-        </p:txBody>
-      </p:sp>
-      <p:sp>
-        <p:nvSpPr>
-          <p:cNvPr id="31" name="TextBox 30">
-            <a:extLst>
-              <a:ext uri="{FF2B5EF4-FFF2-40B4-BE49-F238E27FC236}">
-                <a16:creationId xmlns:a16="http://schemas.microsoft.com/office/drawing/2014/main" id="{2773AE47-D6B4-6F42-BBF1-A5883D416888}"/>
-              </a:ext>
-            </a:extLst>
-          </p:cNvPr>
-          <p:cNvSpPr txBox="1"/>
-          <p:nvPr/>
-        </p:nvSpPr>
-        <p:spPr>
-          <a:xfrm>
-            <a:off x="2430519" y="5020223"/>
-            <a:ext cx="2795958" cy="246221"/>
-          </a:xfrm>
-          <a:prstGeom prst="rect">
-            <a:avLst/>
-          </a:prstGeom>
-          <a:noFill/>
-        </p:spPr>
-        <p:txBody>
-          <a:bodyPr wrap="none" rtlCol="0">
-            <a:spAutoFit/>
-          </a:bodyPr>
-          <a:lstStyle/>
-          <a:p>
-            <a:r>
-              <a:rPr lang="en-CN" sz="1000" dirty="0"/>
-              <a:t>To be considered if we have good data source</a:t>
-            </a:r>
-          </a:p>
-        </p:txBody>
-      </p:sp>
-      <p:sp>
-        <p:nvSpPr>
-          <p:cNvPr id="33" name="TextBox 32">
-            <a:extLst>
-              <a:ext uri="{FF2B5EF4-FFF2-40B4-BE49-F238E27FC236}">
-                <a16:creationId xmlns:a16="http://schemas.microsoft.com/office/drawing/2014/main" id="{158DB9B5-DB86-E747-8B78-67938A7CEF49}"/>
-              </a:ext>
-            </a:extLst>
-          </p:cNvPr>
-          <p:cNvSpPr txBox="1"/>
-          <p:nvPr/>
-        </p:nvSpPr>
-        <p:spPr>
-          <a:xfrm>
-            <a:off x="2420006" y="4351357"/>
-            <a:ext cx="4891083" cy="246221"/>
-          </a:xfrm>
-          <a:prstGeom prst="rect">
-            <a:avLst/>
-          </a:prstGeom>
-          <a:noFill/>
-        </p:spPr>
-        <p:txBody>
-          <a:bodyPr wrap="none" rtlCol="0">
-            <a:spAutoFit/>
-          </a:bodyPr>
-          <a:lstStyle/>
-          <a:p>
-            <a:r>
-              <a:rPr lang="en-CN" sz="1000" dirty="0"/>
-              <a:t>ETA&lt;=15days considered as OH; ETA&gt;15days can backward fulfill -10 days OSSD</a:t>
-            </a:r>
-          </a:p>
-        </p:txBody>
-      </p:sp>
+          <p:cNvGraphicFramePr>
+            <a:graphicFrameLocks noGrp="1"/>
+          </p:cNvGraphicFramePr>
+          <p:nvPr>
+            <p:extLst>
+              <p:ext uri="{D42A27DB-BD31-4B8C-83A1-F6EECF244321}">
+                <p14:modId xmlns:p14="http://schemas.microsoft.com/office/powerpoint/2010/main" val="2569075608"/>
+              </p:ext>
+            </p:extLst>
+          </p:nvPr>
+        </p:nvGraphicFramePr>
+        <p:xfrm>
+          <a:off x="1568450" y="1861316"/>
+          <a:ext cx="2959101" cy="2813685"/>
+        </p:xfrm>
+        <a:graphic>
+          <a:graphicData uri="http://schemas.openxmlformats.org/drawingml/2006/table">
+            <a:tbl>
+              <a:tblPr>
+                <a:tableStyleId>{5C22544A-7EE6-4342-B048-85BDC9FD1C3A}</a:tableStyleId>
+              </a:tblPr>
+              <a:tblGrid>
+                <a:gridCol w="826901">
+                  <a:extLst>
+                    <a:ext uri="{9D8B030D-6E8A-4147-A177-3AD203B41FA5}">
+                      <a16:colId xmlns:a16="http://schemas.microsoft.com/office/drawing/2014/main" val="2247764834"/>
+                    </a:ext>
+                  </a:extLst>
+                </a:gridCol>
+                <a:gridCol w="826901">
+                  <a:extLst>
+                    <a:ext uri="{9D8B030D-6E8A-4147-A177-3AD203B41FA5}">
+                      <a16:colId xmlns:a16="http://schemas.microsoft.com/office/drawing/2014/main" val="1155189765"/>
+                    </a:ext>
+                  </a:extLst>
+                </a:gridCol>
+                <a:gridCol w="1305299">
+                  <a:extLst>
+                    <a:ext uri="{9D8B030D-6E8A-4147-A177-3AD203B41FA5}">
+                      <a16:colId xmlns:a16="http://schemas.microsoft.com/office/drawing/2014/main" val="2292816684"/>
+                    </a:ext>
+                  </a:extLst>
+                </a:gridCol>
+              </a:tblGrid>
+              <a:tr h="203200">
+                <a:tc>
+                  <a:txBody>
+                    <a:bodyPr/>
+                    <a:lstStyle/>
+                    <a:p>
+                      <a:pPr algn="l" fontAlgn="b"/>
+                      <a:r>
+                        <a:rPr lang="en-US" sz="1200" u="none" strike="noStrike">
+                          <a:effectLst/>
+                        </a:rPr>
+                        <a:t>PCBA Site</a:t>
+                      </a:r>
+                      <a:endParaRPr lang="en-US" sz="1200" b="0" i="0" u="none" strike="noStrike">
+                        <a:solidFill>
+                          <a:srgbClr val="000000"/>
+                        </a:solidFill>
+                        <a:effectLst/>
+                        <a:latin typeface="Calibri" panose="020F0502020204030204" pitchFamily="34" charset="0"/>
+                      </a:endParaRPr>
+                    </a:p>
+                  </a:txBody>
+                  <a:tcPr marL="9525" marR="9525" marT="9525" marB="0" anchor="b"/>
+                </a:tc>
+                <a:tc>
+                  <a:txBody>
+                    <a:bodyPr/>
+                    <a:lstStyle/>
+                    <a:p>
+                      <a:pPr algn="l" fontAlgn="b"/>
+                      <a:r>
+                        <a:rPr lang="en-US" sz="1200" u="none" strike="noStrike">
+                          <a:effectLst/>
+                        </a:rPr>
+                        <a:t>DF Site</a:t>
+                      </a:r>
+                      <a:endParaRPr lang="en-US" sz="1200" b="0" i="0" u="none" strike="noStrike">
+                        <a:solidFill>
+                          <a:srgbClr val="000000"/>
+                        </a:solidFill>
+                        <a:effectLst/>
+                        <a:latin typeface="Calibri" panose="020F0502020204030204" pitchFamily="34" charset="0"/>
+                      </a:endParaRPr>
+                    </a:p>
+                  </a:txBody>
+                  <a:tcPr marL="9525" marR="9525" marT="9525" marB="0" anchor="b"/>
+                </a:tc>
+                <a:tc>
+                  <a:txBody>
+                    <a:bodyPr/>
+                    <a:lstStyle/>
+                    <a:p>
+                      <a:pPr algn="ctr" fontAlgn="b"/>
+                      <a:r>
+                        <a:rPr lang="en-US" sz="1200" u="none" strike="noStrike">
+                          <a:effectLst/>
+                        </a:rPr>
+                        <a:t>Transit Time (days)</a:t>
+                      </a:r>
+                      <a:endParaRPr lang="en-US" sz="1200" b="0" i="0" u="none" strike="noStrike">
+                        <a:solidFill>
+                          <a:srgbClr val="000000"/>
+                        </a:solidFill>
+                        <a:effectLst/>
+                        <a:latin typeface="Calibri" panose="020F0502020204030204" pitchFamily="34" charset="0"/>
+                      </a:endParaRPr>
+                    </a:p>
+                  </a:txBody>
+                  <a:tcPr marL="9525" marR="9525" marT="9525" marB="0" anchor="b"/>
+                </a:tc>
+                <a:extLst>
+                  <a:ext uri="{0D108BD9-81ED-4DB2-BD59-A6C34878D82A}">
+                    <a16:rowId xmlns:a16="http://schemas.microsoft.com/office/drawing/2014/main" val="1234288361"/>
+                  </a:ext>
+                </a:extLst>
+              </a:tr>
+              <a:tr h="203200">
+                <a:tc>
+                  <a:txBody>
+                    <a:bodyPr/>
+                    <a:lstStyle/>
+                    <a:p>
+                      <a:pPr algn="l" fontAlgn="b"/>
+                      <a:r>
+                        <a:rPr lang="en-US" sz="1200" u="none" strike="noStrike">
+                          <a:effectLst/>
+                        </a:rPr>
+                        <a:t>FOL</a:t>
+                      </a:r>
+                      <a:endParaRPr lang="en-US" sz="1200" b="0" i="0" u="none" strike="noStrike">
+                        <a:solidFill>
+                          <a:srgbClr val="000000"/>
+                        </a:solidFill>
+                        <a:effectLst/>
+                        <a:latin typeface="Calibri" panose="020F0502020204030204" pitchFamily="34" charset="0"/>
+                      </a:endParaRPr>
+                    </a:p>
+                  </a:txBody>
+                  <a:tcPr marL="9525" marR="9525" marT="9525" marB="0" anchor="b"/>
+                </a:tc>
+                <a:tc>
+                  <a:txBody>
+                    <a:bodyPr/>
+                    <a:lstStyle/>
+                    <a:p>
+                      <a:pPr algn="l" fontAlgn="b"/>
+                      <a:r>
+                        <a:rPr lang="en-US" sz="1200" u="none" strike="noStrike">
+                          <a:effectLst/>
+                        </a:rPr>
+                        <a:t>FTX</a:t>
+                      </a:r>
+                      <a:endParaRPr lang="en-US" sz="1200" b="0" i="0" u="none" strike="noStrike">
+                        <a:solidFill>
+                          <a:srgbClr val="000000"/>
+                        </a:solidFill>
+                        <a:effectLst/>
+                        <a:latin typeface="Calibri" panose="020F0502020204030204" pitchFamily="34" charset="0"/>
+                      </a:endParaRPr>
+                    </a:p>
+                  </a:txBody>
+                  <a:tcPr marL="9525" marR="9525" marT="9525" marB="0" anchor="b"/>
+                </a:tc>
+                <a:tc>
+                  <a:txBody>
+                    <a:bodyPr/>
+                    <a:lstStyle/>
+                    <a:p>
+                      <a:pPr algn="ctr" fontAlgn="b"/>
+                      <a:r>
+                        <a:rPr lang="en-CN" sz="1200" u="none" strike="noStrike">
+                          <a:effectLst/>
+                        </a:rPr>
+                        <a:t>7</a:t>
+                      </a:r>
+                      <a:endParaRPr lang="en-CN" sz="1200" b="0" i="0" u="none" strike="noStrike">
+                        <a:solidFill>
+                          <a:srgbClr val="000000"/>
+                        </a:solidFill>
+                        <a:effectLst/>
+                        <a:latin typeface="Calibri" panose="020F0502020204030204" pitchFamily="34" charset="0"/>
+                      </a:endParaRPr>
+                    </a:p>
+                  </a:txBody>
+                  <a:tcPr marL="9525" marR="9525" marT="9525" marB="0" anchor="b"/>
+                </a:tc>
+                <a:extLst>
+                  <a:ext uri="{0D108BD9-81ED-4DB2-BD59-A6C34878D82A}">
+                    <a16:rowId xmlns:a16="http://schemas.microsoft.com/office/drawing/2014/main" val="2546320103"/>
+                  </a:ext>
+                </a:extLst>
+              </a:tr>
+              <a:tr h="203200">
+                <a:tc>
+                  <a:txBody>
+                    <a:bodyPr/>
+                    <a:lstStyle/>
+                    <a:p>
+                      <a:pPr algn="l" fontAlgn="b"/>
+                      <a:endParaRPr lang="en-CN" sz="1200" b="0" i="0" u="none" strike="noStrike">
+                        <a:solidFill>
+                          <a:srgbClr val="000000"/>
+                        </a:solidFill>
+                        <a:effectLst/>
+                        <a:latin typeface="Calibri" panose="020F0502020204030204" pitchFamily="34" charset="0"/>
+                      </a:endParaRPr>
+                    </a:p>
+                  </a:txBody>
+                  <a:tcPr marL="9525" marR="9525" marT="9525" marB="0" anchor="b"/>
+                </a:tc>
+                <a:tc>
+                  <a:txBody>
+                    <a:bodyPr/>
+                    <a:lstStyle/>
+                    <a:p>
+                      <a:pPr algn="l" fontAlgn="b"/>
+                      <a:r>
+                        <a:rPr lang="en-US" sz="1200" u="none" strike="noStrike">
+                          <a:effectLst/>
+                        </a:rPr>
+                        <a:t>FCZ</a:t>
+                      </a:r>
+                      <a:endParaRPr lang="en-US" sz="1200" b="0" i="0" u="none" strike="noStrike">
+                        <a:solidFill>
+                          <a:srgbClr val="000000"/>
+                        </a:solidFill>
+                        <a:effectLst/>
+                        <a:latin typeface="Calibri" panose="020F0502020204030204" pitchFamily="34" charset="0"/>
+                      </a:endParaRPr>
+                    </a:p>
+                  </a:txBody>
+                  <a:tcPr marL="9525" marR="9525" marT="9525" marB="0" anchor="b"/>
+                </a:tc>
+                <a:tc>
+                  <a:txBody>
+                    <a:bodyPr/>
+                    <a:lstStyle/>
+                    <a:p>
+                      <a:pPr algn="ctr" fontAlgn="b"/>
+                      <a:r>
+                        <a:rPr lang="en-CN" sz="1200" u="none" strike="noStrike">
+                          <a:effectLst/>
+                        </a:rPr>
+                        <a:t>9</a:t>
+                      </a:r>
+                      <a:endParaRPr lang="en-CN" sz="1200" b="0" i="0" u="none" strike="noStrike">
+                        <a:solidFill>
+                          <a:srgbClr val="000000"/>
+                        </a:solidFill>
+                        <a:effectLst/>
+                        <a:latin typeface="Calibri" panose="020F0502020204030204" pitchFamily="34" charset="0"/>
+                      </a:endParaRPr>
+                    </a:p>
+                  </a:txBody>
+                  <a:tcPr marL="9525" marR="9525" marT="9525" marB="0" anchor="b"/>
+                </a:tc>
+                <a:extLst>
+                  <a:ext uri="{0D108BD9-81ED-4DB2-BD59-A6C34878D82A}">
+                    <a16:rowId xmlns:a16="http://schemas.microsoft.com/office/drawing/2014/main" val="2000342423"/>
+                  </a:ext>
+                </a:extLst>
+              </a:tr>
+              <a:tr h="203200">
+                <a:tc>
+                  <a:txBody>
+                    <a:bodyPr/>
+                    <a:lstStyle/>
+                    <a:p>
+                      <a:pPr algn="l" fontAlgn="b"/>
+                      <a:endParaRPr lang="en-CN" sz="1200" b="0" i="0" u="none" strike="noStrike">
+                        <a:solidFill>
+                          <a:srgbClr val="000000"/>
+                        </a:solidFill>
+                        <a:effectLst/>
+                        <a:latin typeface="Calibri" panose="020F0502020204030204" pitchFamily="34" charset="0"/>
+                      </a:endParaRPr>
+                    </a:p>
+                  </a:txBody>
+                  <a:tcPr marL="9525" marR="9525" marT="9525" marB="0" anchor="b"/>
+                </a:tc>
+                <a:tc>
+                  <a:txBody>
+                    <a:bodyPr/>
+                    <a:lstStyle/>
+                    <a:p>
+                      <a:pPr algn="l" fontAlgn="b"/>
+                      <a:r>
+                        <a:rPr lang="en-US" sz="1200" u="none" strike="noStrike">
+                          <a:effectLst/>
+                        </a:rPr>
+                        <a:t>FJZ</a:t>
+                      </a:r>
+                      <a:endParaRPr lang="en-US" sz="1200" b="0" i="0" u="none" strike="noStrike">
+                        <a:solidFill>
+                          <a:srgbClr val="000000"/>
+                        </a:solidFill>
+                        <a:effectLst/>
+                        <a:latin typeface="Calibri" panose="020F0502020204030204" pitchFamily="34" charset="0"/>
+                      </a:endParaRPr>
+                    </a:p>
+                  </a:txBody>
+                  <a:tcPr marL="9525" marR="9525" marT="9525" marB="0" anchor="b"/>
+                </a:tc>
+                <a:tc>
+                  <a:txBody>
+                    <a:bodyPr/>
+                    <a:lstStyle/>
+                    <a:p>
+                      <a:pPr algn="ctr" fontAlgn="b"/>
+                      <a:r>
+                        <a:rPr lang="en-CN" sz="1200" u="none" strike="noStrike">
+                          <a:effectLst/>
+                        </a:rPr>
+                        <a:t>10</a:t>
+                      </a:r>
+                      <a:endParaRPr lang="en-CN" sz="1200" b="0" i="0" u="none" strike="noStrike">
+                        <a:solidFill>
+                          <a:srgbClr val="000000"/>
+                        </a:solidFill>
+                        <a:effectLst/>
+                        <a:latin typeface="Calibri" panose="020F0502020204030204" pitchFamily="34" charset="0"/>
+                      </a:endParaRPr>
+                    </a:p>
+                  </a:txBody>
+                  <a:tcPr marL="9525" marR="9525" marT="9525" marB="0" anchor="b"/>
+                </a:tc>
+                <a:extLst>
+                  <a:ext uri="{0D108BD9-81ED-4DB2-BD59-A6C34878D82A}">
+                    <a16:rowId xmlns:a16="http://schemas.microsoft.com/office/drawing/2014/main" val="2221334882"/>
+                  </a:ext>
+                </a:extLst>
+              </a:tr>
+              <a:tr h="203200">
+                <a:tc>
+                  <a:txBody>
+                    <a:bodyPr/>
+                    <a:lstStyle/>
+                    <a:p>
+                      <a:pPr algn="l" fontAlgn="b"/>
+                      <a:endParaRPr lang="en-CN" sz="1200" b="0" i="0" u="none" strike="noStrike">
+                        <a:solidFill>
+                          <a:srgbClr val="000000"/>
+                        </a:solidFill>
+                        <a:effectLst/>
+                        <a:latin typeface="Calibri" panose="020F0502020204030204" pitchFamily="34" charset="0"/>
+                      </a:endParaRPr>
+                    </a:p>
+                  </a:txBody>
+                  <a:tcPr marL="9525" marR="9525" marT="9525" marB="0" anchor="b"/>
+                </a:tc>
+                <a:tc>
+                  <a:txBody>
+                    <a:bodyPr/>
+                    <a:lstStyle/>
+                    <a:p>
+                      <a:pPr algn="l" fontAlgn="b"/>
+                      <a:r>
+                        <a:rPr lang="en-US" sz="1200" u="none" strike="noStrike">
+                          <a:effectLst/>
+                        </a:rPr>
+                        <a:t>SJZ</a:t>
+                      </a:r>
+                      <a:endParaRPr lang="en-US" sz="1200" b="0" i="0" u="none" strike="noStrike">
+                        <a:solidFill>
+                          <a:srgbClr val="000000"/>
+                        </a:solidFill>
+                        <a:effectLst/>
+                        <a:latin typeface="Calibri" panose="020F0502020204030204" pitchFamily="34" charset="0"/>
+                      </a:endParaRPr>
+                    </a:p>
+                  </a:txBody>
+                  <a:tcPr marL="9525" marR="9525" marT="9525" marB="0" anchor="b"/>
+                </a:tc>
+                <a:tc>
+                  <a:txBody>
+                    <a:bodyPr/>
+                    <a:lstStyle/>
+                    <a:p>
+                      <a:pPr algn="ctr" fontAlgn="b"/>
+                      <a:r>
+                        <a:rPr lang="en-CN" sz="1200" u="none" strike="noStrike">
+                          <a:effectLst/>
+                        </a:rPr>
+                        <a:t>10</a:t>
+                      </a:r>
+                      <a:endParaRPr lang="en-CN" sz="1200" b="0" i="0" u="none" strike="noStrike">
+                        <a:solidFill>
+                          <a:srgbClr val="000000"/>
+                        </a:solidFill>
+                        <a:effectLst/>
+                        <a:latin typeface="Calibri" panose="020F0502020204030204" pitchFamily="34" charset="0"/>
+                      </a:endParaRPr>
+                    </a:p>
+                  </a:txBody>
+                  <a:tcPr marL="9525" marR="9525" marT="9525" marB="0" anchor="b"/>
+                </a:tc>
+                <a:extLst>
+                  <a:ext uri="{0D108BD9-81ED-4DB2-BD59-A6C34878D82A}">
+                    <a16:rowId xmlns:a16="http://schemas.microsoft.com/office/drawing/2014/main" val="2682049783"/>
+                  </a:ext>
+                </a:extLst>
+              </a:tr>
+              <a:tr h="203200">
+                <a:tc>
+                  <a:txBody>
+                    <a:bodyPr/>
+                    <a:lstStyle/>
+                    <a:p>
+                      <a:pPr algn="l" fontAlgn="b"/>
+                      <a:endParaRPr lang="en-CN" sz="1200" b="0" i="0" u="none" strike="noStrike">
+                        <a:solidFill>
+                          <a:srgbClr val="000000"/>
+                        </a:solidFill>
+                        <a:effectLst/>
+                        <a:latin typeface="Calibri" panose="020F0502020204030204" pitchFamily="34" charset="0"/>
+                      </a:endParaRPr>
+                    </a:p>
+                  </a:txBody>
+                  <a:tcPr marL="9525" marR="9525" marT="9525" marB="0" anchor="b"/>
+                </a:tc>
+                <a:tc>
+                  <a:txBody>
+                    <a:bodyPr/>
+                    <a:lstStyle/>
+                    <a:p>
+                      <a:pPr algn="l" fontAlgn="b"/>
+                      <a:r>
+                        <a:rPr lang="en-US" sz="1200" u="none" strike="noStrike">
+                          <a:effectLst/>
+                        </a:rPr>
+                        <a:t>JMX</a:t>
+                      </a:r>
+                      <a:endParaRPr lang="en-US" sz="1200" b="0" i="0" u="none" strike="noStrike">
+                        <a:solidFill>
+                          <a:srgbClr val="000000"/>
+                        </a:solidFill>
+                        <a:effectLst/>
+                        <a:latin typeface="Calibri" panose="020F0502020204030204" pitchFamily="34" charset="0"/>
+                      </a:endParaRPr>
+                    </a:p>
+                  </a:txBody>
+                  <a:tcPr marL="9525" marR="9525" marT="9525" marB="0" anchor="b"/>
+                </a:tc>
+                <a:tc>
+                  <a:txBody>
+                    <a:bodyPr/>
+                    <a:lstStyle/>
+                    <a:p>
+                      <a:pPr algn="ctr" fontAlgn="b"/>
+                      <a:r>
+                        <a:rPr lang="en-CN" sz="1200" u="none" strike="noStrike">
+                          <a:effectLst/>
+                        </a:rPr>
+                        <a:t>9</a:t>
+                      </a:r>
+                      <a:endParaRPr lang="en-CN" sz="1200" b="0" i="0" u="none" strike="noStrike">
+                        <a:solidFill>
+                          <a:srgbClr val="000000"/>
+                        </a:solidFill>
+                        <a:effectLst/>
+                        <a:latin typeface="Calibri" panose="020F0502020204030204" pitchFamily="34" charset="0"/>
+                      </a:endParaRPr>
+                    </a:p>
+                  </a:txBody>
+                  <a:tcPr marL="9525" marR="9525" marT="9525" marB="0" anchor="b"/>
+                </a:tc>
+                <a:extLst>
+                  <a:ext uri="{0D108BD9-81ED-4DB2-BD59-A6C34878D82A}">
+                    <a16:rowId xmlns:a16="http://schemas.microsoft.com/office/drawing/2014/main" val="303944962"/>
+                  </a:ext>
+                </a:extLst>
+              </a:tr>
+              <a:tr h="203200">
+                <a:tc>
+                  <a:txBody>
+                    <a:bodyPr/>
+                    <a:lstStyle/>
+                    <a:p>
+                      <a:pPr algn="l" fontAlgn="b"/>
+                      <a:endParaRPr lang="en-CN" sz="1200" b="0" i="0" u="none" strike="noStrike">
+                        <a:solidFill>
+                          <a:srgbClr val="000000"/>
+                        </a:solidFill>
+                        <a:effectLst/>
+                        <a:latin typeface="Calibri" panose="020F0502020204030204" pitchFamily="34" charset="0"/>
+                      </a:endParaRPr>
+                    </a:p>
+                  </a:txBody>
+                  <a:tcPr marL="9525" marR="9525" marT="9525" marB="0" anchor="b"/>
+                </a:tc>
+                <a:tc>
+                  <a:txBody>
+                    <a:bodyPr/>
+                    <a:lstStyle/>
+                    <a:p>
+                      <a:pPr algn="l" fontAlgn="b"/>
+                      <a:r>
+                        <a:rPr lang="en-US" sz="1200" u="none" strike="noStrike">
+                          <a:effectLst/>
+                        </a:rPr>
+                        <a:t>FGU</a:t>
+                      </a:r>
+                      <a:endParaRPr lang="en-US" sz="1200" b="0" i="0" u="none" strike="noStrike">
+                        <a:solidFill>
+                          <a:srgbClr val="000000"/>
+                        </a:solidFill>
+                        <a:effectLst/>
+                        <a:latin typeface="Calibri" panose="020F0502020204030204" pitchFamily="34" charset="0"/>
+                      </a:endParaRPr>
+                    </a:p>
+                  </a:txBody>
+                  <a:tcPr marL="9525" marR="9525" marT="9525" marB="0" anchor="b"/>
+                </a:tc>
+                <a:tc>
+                  <a:txBody>
+                    <a:bodyPr/>
+                    <a:lstStyle/>
+                    <a:p>
+                      <a:pPr algn="ctr" fontAlgn="b"/>
+                      <a:r>
+                        <a:rPr lang="en-CN" sz="1200" u="none" strike="noStrike">
+                          <a:effectLst/>
+                        </a:rPr>
+                        <a:t>9</a:t>
+                      </a:r>
+                      <a:endParaRPr lang="en-CN" sz="1200" b="0" i="0" u="none" strike="noStrike">
+                        <a:solidFill>
+                          <a:srgbClr val="000000"/>
+                        </a:solidFill>
+                        <a:effectLst/>
+                        <a:latin typeface="Calibri" panose="020F0502020204030204" pitchFamily="34" charset="0"/>
+                      </a:endParaRPr>
+                    </a:p>
+                  </a:txBody>
+                  <a:tcPr marL="9525" marR="9525" marT="9525" marB="0" anchor="b"/>
+                </a:tc>
+                <a:extLst>
+                  <a:ext uri="{0D108BD9-81ED-4DB2-BD59-A6C34878D82A}">
+                    <a16:rowId xmlns:a16="http://schemas.microsoft.com/office/drawing/2014/main" val="3207069786"/>
+                  </a:ext>
+                </a:extLst>
+              </a:tr>
+              <a:tr h="203200">
+                <a:tc>
+                  <a:txBody>
+                    <a:bodyPr/>
+                    <a:lstStyle/>
+                    <a:p>
+                      <a:pPr algn="l" fontAlgn="b"/>
+                      <a:endParaRPr lang="en-CN" sz="1200" b="0" i="0" u="none" strike="noStrike">
+                        <a:solidFill>
+                          <a:srgbClr val="000000"/>
+                        </a:solidFill>
+                        <a:effectLst/>
+                        <a:latin typeface="Calibri" panose="020F0502020204030204" pitchFamily="34" charset="0"/>
+                      </a:endParaRPr>
+                    </a:p>
+                  </a:txBody>
+                  <a:tcPr marL="9525" marR="9525" marT="9525" marB="0" anchor="b"/>
+                </a:tc>
+                <a:tc>
+                  <a:txBody>
+                    <a:bodyPr/>
+                    <a:lstStyle/>
+                    <a:p>
+                      <a:pPr algn="l" fontAlgn="b"/>
+                      <a:r>
+                        <a:rPr lang="en-US" sz="1200" u="none" strike="noStrike">
+                          <a:effectLst/>
+                        </a:rPr>
+                        <a:t>JPE</a:t>
+                      </a:r>
+                      <a:endParaRPr lang="en-US" sz="1200" b="0" i="0" u="none" strike="noStrike">
+                        <a:solidFill>
+                          <a:srgbClr val="000000"/>
+                        </a:solidFill>
+                        <a:effectLst/>
+                        <a:latin typeface="Calibri" panose="020F0502020204030204" pitchFamily="34" charset="0"/>
+                      </a:endParaRPr>
+                    </a:p>
+                  </a:txBody>
+                  <a:tcPr marL="9525" marR="9525" marT="9525" marB="0" anchor="b"/>
+                </a:tc>
+                <a:tc>
+                  <a:txBody>
+                    <a:bodyPr/>
+                    <a:lstStyle/>
+                    <a:p>
+                      <a:pPr algn="ctr" fontAlgn="b"/>
+                      <a:r>
+                        <a:rPr lang="en-CN" sz="1200" u="none" strike="noStrike">
+                          <a:effectLst/>
+                        </a:rPr>
+                        <a:t>4</a:t>
+                      </a:r>
+                      <a:endParaRPr lang="en-CN" sz="1200" b="0" i="0" u="none" strike="noStrike">
+                        <a:solidFill>
+                          <a:srgbClr val="000000"/>
+                        </a:solidFill>
+                        <a:effectLst/>
+                        <a:latin typeface="Calibri" panose="020F0502020204030204" pitchFamily="34" charset="0"/>
+                      </a:endParaRPr>
+                    </a:p>
+                  </a:txBody>
+                  <a:tcPr marL="9525" marR="9525" marT="9525" marB="0" anchor="b"/>
+                </a:tc>
+                <a:extLst>
+                  <a:ext uri="{0D108BD9-81ED-4DB2-BD59-A6C34878D82A}">
+                    <a16:rowId xmlns:a16="http://schemas.microsoft.com/office/drawing/2014/main" val="69776803"/>
+                  </a:ext>
+                </a:extLst>
+              </a:tr>
+              <a:tr h="203200">
+                <a:tc>
+                  <a:txBody>
+                    <a:bodyPr/>
+                    <a:lstStyle/>
+                    <a:p>
+                      <a:pPr algn="l" fontAlgn="b"/>
+                      <a:endParaRPr lang="en-CN" sz="1200" b="0" i="0" u="none" strike="noStrike">
+                        <a:solidFill>
+                          <a:srgbClr val="000000"/>
+                        </a:solidFill>
+                        <a:effectLst/>
+                        <a:latin typeface="Calibri" panose="020F0502020204030204" pitchFamily="34" charset="0"/>
+                      </a:endParaRPr>
+                    </a:p>
+                  </a:txBody>
+                  <a:tcPr marL="9525" marR="9525" marT="9525" marB="0" anchor="b"/>
+                </a:tc>
+                <a:tc>
+                  <a:txBody>
+                    <a:bodyPr/>
+                    <a:lstStyle/>
+                    <a:p>
+                      <a:pPr algn="l" fontAlgn="b"/>
+                      <a:r>
+                        <a:rPr lang="en-US" sz="1200" u="none" strike="noStrike">
+                          <a:effectLst/>
+                        </a:rPr>
+                        <a:t>JPI</a:t>
+                      </a:r>
+                      <a:endParaRPr lang="en-US" sz="1200" b="0" i="0" u="none" strike="noStrike">
+                        <a:solidFill>
+                          <a:srgbClr val="000000"/>
+                        </a:solidFill>
+                        <a:effectLst/>
+                        <a:latin typeface="Calibri" panose="020F0502020204030204" pitchFamily="34" charset="0"/>
+                      </a:endParaRPr>
+                    </a:p>
+                  </a:txBody>
+                  <a:tcPr marL="9525" marR="9525" marT="9525" marB="0" anchor="b"/>
+                </a:tc>
+                <a:tc>
+                  <a:txBody>
+                    <a:bodyPr/>
+                    <a:lstStyle/>
+                    <a:p>
+                      <a:pPr algn="ctr" fontAlgn="b"/>
+                      <a:r>
+                        <a:rPr lang="en-CN" sz="1200" u="none" strike="noStrike">
+                          <a:effectLst/>
+                        </a:rPr>
+                        <a:t>5</a:t>
+                      </a:r>
+                      <a:endParaRPr lang="en-CN" sz="1200" b="0" i="0" u="none" strike="noStrike">
+                        <a:solidFill>
+                          <a:srgbClr val="000000"/>
+                        </a:solidFill>
+                        <a:effectLst/>
+                        <a:latin typeface="Calibri" panose="020F0502020204030204" pitchFamily="34" charset="0"/>
+                      </a:endParaRPr>
+                    </a:p>
+                  </a:txBody>
+                  <a:tcPr marL="9525" marR="9525" marT="9525" marB="0" anchor="b"/>
+                </a:tc>
+                <a:extLst>
+                  <a:ext uri="{0D108BD9-81ED-4DB2-BD59-A6C34878D82A}">
+                    <a16:rowId xmlns:a16="http://schemas.microsoft.com/office/drawing/2014/main" val="2996527314"/>
+                  </a:ext>
+                </a:extLst>
+              </a:tr>
+              <a:tr h="203200">
+                <a:tc>
+                  <a:txBody>
+                    <a:bodyPr/>
+                    <a:lstStyle/>
+                    <a:p>
+                      <a:pPr algn="l" fontAlgn="b"/>
+                      <a:endParaRPr lang="en-CN" sz="1200" b="0" i="0" u="none" strike="noStrike">
+                        <a:solidFill>
+                          <a:srgbClr val="000000"/>
+                        </a:solidFill>
+                        <a:effectLst/>
+                        <a:latin typeface="Calibri" panose="020F0502020204030204" pitchFamily="34" charset="0"/>
+                      </a:endParaRPr>
+                    </a:p>
+                  </a:txBody>
+                  <a:tcPr marL="9525" marR="9525" marT="9525" marB="0" anchor="b"/>
+                </a:tc>
+                <a:tc>
+                  <a:txBody>
+                    <a:bodyPr/>
+                    <a:lstStyle/>
+                    <a:p>
+                      <a:pPr algn="l" fontAlgn="b"/>
+                      <a:r>
+                        <a:rPr lang="en-US" sz="1200" u="none" strike="noStrike">
+                          <a:effectLst/>
+                        </a:rPr>
+                        <a:t>FSJ</a:t>
+                      </a:r>
+                      <a:endParaRPr lang="en-US" sz="1200" b="0" i="0" u="none" strike="noStrike">
+                        <a:solidFill>
+                          <a:srgbClr val="000000"/>
+                        </a:solidFill>
+                        <a:effectLst/>
+                        <a:latin typeface="Calibri" panose="020F0502020204030204" pitchFamily="34" charset="0"/>
+                      </a:endParaRPr>
+                    </a:p>
+                  </a:txBody>
+                  <a:tcPr marL="9525" marR="9525" marT="9525" marB="0" anchor="b"/>
+                </a:tc>
+                <a:tc>
+                  <a:txBody>
+                    <a:bodyPr/>
+                    <a:lstStyle/>
+                    <a:p>
+                      <a:pPr algn="ctr" fontAlgn="b"/>
+                      <a:r>
+                        <a:rPr lang="en-CN" sz="1200" u="none" strike="noStrike">
+                          <a:effectLst/>
+                        </a:rPr>
+                        <a:t>6</a:t>
+                      </a:r>
+                      <a:endParaRPr lang="en-CN" sz="1200" b="0" i="0" u="none" strike="noStrike">
+                        <a:solidFill>
+                          <a:srgbClr val="000000"/>
+                        </a:solidFill>
+                        <a:effectLst/>
+                        <a:latin typeface="Calibri" panose="020F0502020204030204" pitchFamily="34" charset="0"/>
+                      </a:endParaRPr>
+                    </a:p>
+                  </a:txBody>
+                  <a:tcPr marL="9525" marR="9525" marT="9525" marB="0" anchor="b"/>
+                </a:tc>
+                <a:extLst>
+                  <a:ext uri="{0D108BD9-81ED-4DB2-BD59-A6C34878D82A}">
+                    <a16:rowId xmlns:a16="http://schemas.microsoft.com/office/drawing/2014/main" val="3816658028"/>
+                  </a:ext>
+                </a:extLst>
+              </a:tr>
+              <a:tr h="203200">
+                <a:tc>
+                  <a:txBody>
+                    <a:bodyPr/>
+                    <a:lstStyle/>
+                    <a:p>
+                      <a:pPr algn="l" fontAlgn="b"/>
+                      <a:endParaRPr lang="en-CN" sz="1200" b="0" i="0" u="none" strike="noStrike">
+                        <a:solidFill>
+                          <a:srgbClr val="000000"/>
+                        </a:solidFill>
+                        <a:effectLst/>
+                        <a:latin typeface="Calibri" panose="020F0502020204030204" pitchFamily="34" charset="0"/>
+                      </a:endParaRPr>
+                    </a:p>
+                  </a:txBody>
+                  <a:tcPr marL="9525" marR="9525" marT="9525" marB="0" anchor="b"/>
+                </a:tc>
+                <a:tc>
+                  <a:txBody>
+                    <a:bodyPr/>
+                    <a:lstStyle/>
+                    <a:p>
+                      <a:pPr algn="l" fontAlgn="b"/>
+                      <a:r>
+                        <a:rPr lang="en-US" sz="1200" u="none" strike="noStrike">
+                          <a:effectLst/>
+                        </a:rPr>
+                        <a:t>FVE</a:t>
+                      </a:r>
+                      <a:endParaRPr lang="en-US" sz="1200" b="0" i="0" u="none" strike="noStrike">
+                        <a:solidFill>
+                          <a:srgbClr val="000000"/>
+                        </a:solidFill>
+                        <a:effectLst/>
+                        <a:latin typeface="Calibri" panose="020F0502020204030204" pitchFamily="34" charset="0"/>
+                      </a:endParaRPr>
+                    </a:p>
+                  </a:txBody>
+                  <a:tcPr marL="9525" marR="9525" marT="9525" marB="0" anchor="b"/>
+                </a:tc>
+                <a:tc>
+                  <a:txBody>
+                    <a:bodyPr/>
+                    <a:lstStyle/>
+                    <a:p>
+                      <a:pPr algn="ctr" fontAlgn="b"/>
+                      <a:r>
+                        <a:rPr lang="en-CN" sz="1200" u="none" strike="noStrike">
+                          <a:effectLst/>
+                        </a:rPr>
+                        <a:t>9</a:t>
+                      </a:r>
+                      <a:endParaRPr lang="en-CN" sz="1200" b="0" i="0" u="none" strike="noStrike">
+                        <a:solidFill>
+                          <a:srgbClr val="000000"/>
+                        </a:solidFill>
+                        <a:effectLst/>
+                        <a:latin typeface="Calibri" panose="020F0502020204030204" pitchFamily="34" charset="0"/>
+                      </a:endParaRPr>
+                    </a:p>
+                  </a:txBody>
+                  <a:tcPr marL="9525" marR="9525" marT="9525" marB="0" anchor="b"/>
+                </a:tc>
+                <a:extLst>
+                  <a:ext uri="{0D108BD9-81ED-4DB2-BD59-A6C34878D82A}">
+                    <a16:rowId xmlns:a16="http://schemas.microsoft.com/office/drawing/2014/main" val="4038808643"/>
+                  </a:ext>
+                </a:extLst>
+              </a:tr>
+              <a:tr h="203200">
+                <a:tc>
+                  <a:txBody>
+                    <a:bodyPr/>
+                    <a:lstStyle/>
+                    <a:p>
+                      <a:pPr algn="l" fontAlgn="b"/>
+                      <a:endParaRPr lang="en-CN" sz="1200" b="0" i="0" u="none" strike="noStrike">
+                        <a:solidFill>
+                          <a:srgbClr val="000000"/>
+                        </a:solidFill>
+                        <a:effectLst/>
+                        <a:latin typeface="Calibri" panose="020F0502020204030204" pitchFamily="34" charset="0"/>
+                      </a:endParaRPr>
+                    </a:p>
+                  </a:txBody>
+                  <a:tcPr marL="9525" marR="9525" marT="9525" marB="0" anchor="b"/>
+                </a:tc>
+                <a:tc>
+                  <a:txBody>
+                    <a:bodyPr/>
+                    <a:lstStyle/>
+                    <a:p>
+                      <a:pPr algn="l" fontAlgn="b"/>
+                      <a:r>
+                        <a:rPr lang="en-US" sz="1200" b="0" i="0" u="none" strike="noStrike" dirty="0">
+                          <a:solidFill>
+                            <a:srgbClr val="000000"/>
+                          </a:solidFill>
+                          <a:effectLst/>
+                          <a:latin typeface="Calibri" panose="020F0502020204030204" pitchFamily="34" charset="0"/>
+                        </a:rPr>
+                        <a:t>FOC</a:t>
+                      </a:r>
+                    </a:p>
+                  </a:txBody>
+                  <a:tcPr marL="9525" marR="9525" marT="9525" marB="0" anchor="b"/>
+                </a:tc>
+                <a:tc>
+                  <a:txBody>
+                    <a:bodyPr/>
+                    <a:lstStyle/>
+                    <a:p>
+                      <a:pPr algn="ctr" fontAlgn="b"/>
+                      <a:r>
+                        <a:rPr lang="en-CN" sz="1200" b="0" i="0" u="none" strike="noStrike" dirty="0">
+                          <a:solidFill>
+                            <a:srgbClr val="000000"/>
+                          </a:solidFill>
+                          <a:effectLst/>
+                          <a:latin typeface="Calibri" panose="020F0502020204030204" pitchFamily="34" charset="0"/>
+                        </a:rPr>
+                        <a:t>1</a:t>
+                      </a:r>
+                    </a:p>
+                  </a:txBody>
+                  <a:tcPr marL="9525" marR="9525" marT="9525" marB="0" anchor="b"/>
+                </a:tc>
+                <a:extLst>
+                  <a:ext uri="{0D108BD9-81ED-4DB2-BD59-A6C34878D82A}">
+                    <a16:rowId xmlns:a16="http://schemas.microsoft.com/office/drawing/2014/main" val="236345314"/>
+                  </a:ext>
+                </a:extLst>
+              </a:tr>
+              <a:tr h="203200">
+                <a:tc>
+                  <a:txBody>
+                    <a:bodyPr/>
+                    <a:lstStyle/>
+                    <a:p>
+                      <a:pPr algn="l" fontAlgn="b"/>
+                      <a:endParaRPr lang="en-CN" sz="1200" b="0" i="0" u="none" strike="noStrike">
+                        <a:solidFill>
+                          <a:srgbClr val="000000"/>
+                        </a:solidFill>
+                        <a:effectLst/>
+                        <a:latin typeface="Calibri" panose="020F0502020204030204" pitchFamily="34" charset="0"/>
+                      </a:endParaRPr>
+                    </a:p>
+                  </a:txBody>
+                  <a:tcPr marL="9525" marR="9525" marT="9525" marB="0" anchor="b"/>
+                </a:tc>
+                <a:tc>
+                  <a:txBody>
+                    <a:bodyPr/>
+                    <a:lstStyle/>
+                    <a:p>
+                      <a:pPr algn="l" fontAlgn="b"/>
+                      <a:r>
+                        <a:rPr lang="en-US" sz="1200" u="none" strike="noStrike">
+                          <a:effectLst/>
+                        </a:rPr>
+                        <a:t>Other</a:t>
+                      </a:r>
+                      <a:endParaRPr lang="en-US" sz="1200" b="0" i="0" u="none" strike="noStrike">
+                        <a:solidFill>
+                          <a:srgbClr val="000000"/>
+                        </a:solidFill>
+                        <a:effectLst/>
+                        <a:latin typeface="Calibri" panose="020F0502020204030204" pitchFamily="34" charset="0"/>
+                      </a:endParaRPr>
+                    </a:p>
+                  </a:txBody>
+                  <a:tcPr marL="9525" marR="9525" marT="9525" marB="0" anchor="b"/>
+                </a:tc>
+                <a:tc>
+                  <a:txBody>
+                    <a:bodyPr/>
+                    <a:lstStyle/>
+                    <a:p>
+                      <a:pPr algn="ctr" fontAlgn="b"/>
+                      <a:r>
+                        <a:rPr lang="en-CN" sz="1200" u="none" strike="noStrike" dirty="0">
+                          <a:effectLst/>
+                        </a:rPr>
+                        <a:t>7</a:t>
+                      </a:r>
+                      <a:endParaRPr lang="en-CN" sz="1200" b="0" i="0" u="none" strike="noStrike" dirty="0">
+                        <a:solidFill>
+                          <a:srgbClr val="000000"/>
+                        </a:solidFill>
+                        <a:effectLst/>
+                        <a:latin typeface="Calibri" panose="020F0502020204030204" pitchFamily="34" charset="0"/>
+                      </a:endParaRPr>
+                    </a:p>
+                  </a:txBody>
+                  <a:tcPr marL="9525" marR="9525" marT="9525" marB="0" anchor="b"/>
+                </a:tc>
+                <a:extLst>
+                  <a:ext uri="{0D108BD9-81ED-4DB2-BD59-A6C34878D82A}">
+                    <a16:rowId xmlns:a16="http://schemas.microsoft.com/office/drawing/2014/main" val="1991071661"/>
+                  </a:ext>
+                </a:extLst>
+              </a:tr>
+            </a:tbl>
+          </a:graphicData>
+        </a:graphic>
+      </p:graphicFrame>
     </p:spTree>
     <p:extLst>
       <p:ext uri="{BB962C8B-B14F-4D97-AF65-F5344CB8AC3E}">
-        <p14:creationId xmlns:p14="http://schemas.microsoft.com/office/powerpoint/2010/main" val="1021558180"/>
+        <p14:creationId xmlns:p14="http://schemas.microsoft.com/office/powerpoint/2010/main" val="210489922"/>
       </p:ext>
     </p:extLst>
   </p:cSld>

--- a/PCBA allocation Sep 29.pptx
+++ b/PCBA allocation Sep 29.pptx
@@ -5,13 +5,14 @@
     <p:sldMasterId id="2147483662" r:id="rId1"/>
   </p:sldMasterIdLst>
   <p:notesMasterIdLst>
-    <p:notesMasterId r:id="rId6"/>
+    <p:notesMasterId r:id="rId7"/>
   </p:notesMasterIdLst>
   <p:sldIdLst>
     <p:sldId id="267" r:id="rId2"/>
     <p:sldId id="281" r:id="rId3"/>
     <p:sldId id="285" r:id="rId4"/>
     <p:sldId id="286" r:id="rId5"/>
+    <p:sldId id="287" r:id="rId6"/>
   </p:sldIdLst>
   <p:sldSz cx="12192000" cy="6858000"/>
   <p:notesSz cx="6858000" cy="9144000"/>
@@ -230,7 +231,7 @@
           <a:p>
             <a:fld id="{055D18FD-D4CC-4163-B221-261AEA246121}" type="datetimeFigureOut">
               <a:rPr lang="en-US" smtClean="0"/>
-              <a:t>10/11/20</a:t>
+              <a:t>10/15/20</a:t>
             </a:fld>
             <a:endParaRPr lang="en-US"/>
           </a:p>
@@ -23706,6 +23707,106 @@
 </p:sld>
 </file>
 
+<file path=ppt/slides/slide5.xml><?xml version="1.0" encoding="utf-8"?>
+<p:sld xmlns:a="http://schemas.openxmlformats.org/drawingml/2006/main" xmlns:r="http://schemas.openxmlformats.org/officeDocument/2006/relationships" xmlns:p="http://schemas.openxmlformats.org/presentationml/2006/main">
+  <p:cSld>
+    <p:spTree>
+      <p:nvGrpSpPr>
+        <p:cNvPr id="1" name=""/>
+        <p:cNvGrpSpPr/>
+        <p:nvPr/>
+      </p:nvGrpSpPr>
+      <p:grpSpPr>
+        <a:xfrm>
+          <a:off x="0" y="0"/>
+          <a:ext cx="0" cy="0"/>
+          <a:chOff x="0" y="0"/>
+          <a:chExt cx="0" cy="0"/>
+        </a:xfrm>
+      </p:grpSpPr>
+      <p:sp>
+        <p:nvSpPr>
+          <p:cNvPr id="4" name="Title 3">
+            <a:extLst>
+              <a:ext uri="{FF2B5EF4-FFF2-40B4-BE49-F238E27FC236}">
+                <a16:creationId xmlns:a16="http://schemas.microsoft.com/office/drawing/2014/main" id="{F3100B5E-103E-0349-86B0-5D42B0DFB92C}"/>
+              </a:ext>
+            </a:extLst>
+          </p:cNvPr>
+          <p:cNvSpPr>
+            <a:spLocks noGrp="1"/>
+          </p:cNvSpPr>
+          <p:nvPr>
+            <p:ph type="title"/>
+          </p:nvPr>
+        </p:nvSpPr>
+        <p:spPr/>
+        <p:txBody>
+          <a:bodyPr/>
+          <a:lstStyle/>
+          <a:p>
+            <a:r>
+              <a:rPr lang="en-CN" dirty="0"/>
+              <a:t>Note</a:t>
+            </a:r>
+          </a:p>
+        </p:txBody>
+      </p:sp>
+      <p:sp>
+        <p:nvSpPr>
+          <p:cNvPr id="5" name="TextBox 4">
+            <a:extLst>
+              <a:ext uri="{FF2B5EF4-FFF2-40B4-BE49-F238E27FC236}">
+                <a16:creationId xmlns:a16="http://schemas.microsoft.com/office/drawing/2014/main" id="{9F7389C7-C52E-4B4F-ACB1-628B5A0A13DF}"/>
+              </a:ext>
+            </a:extLst>
+          </p:cNvPr>
+          <p:cNvSpPr txBox="1"/>
+          <p:nvPr/>
+        </p:nvSpPr>
+        <p:spPr>
+          <a:xfrm>
+            <a:off x="945931" y="1744716"/>
+            <a:ext cx="10363200" cy="923330"/>
+          </a:xfrm>
+          <a:prstGeom prst="rect">
+            <a:avLst/>
+          </a:prstGeom>
+          <a:noFill/>
+        </p:spPr>
+        <p:txBody>
+          <a:bodyPr wrap="square" rtlCol="0">
+            <a:spAutoFit/>
+          </a:bodyPr>
+          <a:lstStyle/>
+          <a:p>
+            <a:pPr marL="285750" indent="-285750">
+              <a:buFont typeface="Arial" panose="020B0604020202020204" pitchFamily="34" charset="0"/>
+              <a:buChar char="•"/>
+            </a:pPr>
+            <a:r>
+              <a:rPr lang="en-CN" dirty="0"/>
+              <a:t>Current design applies to orgs have different name between PCBA and DF as pcba_site is removed from OH data. this is a problem for FDO-FDO case; anything related to pcba_site may be a gating that need to be reviewed.</a:t>
+            </a:r>
+          </a:p>
+        </p:txBody>
+      </p:sp>
+    </p:spTree>
+    <p:extLst>
+      <p:ext uri="{BB962C8B-B14F-4D97-AF65-F5344CB8AC3E}">
+        <p14:creationId xmlns:p14="http://schemas.microsoft.com/office/powerpoint/2010/main" val="1540917323"/>
+      </p:ext>
+    </p:extLst>
+  </p:cSld>
+  <p:clrMapOvr>
+    <a:masterClrMapping/>
+  </p:clrMapOvr>
+  <p:transition spd="med">
+    <p:fade/>
+  </p:transition>
+</p:sld>
+</file>
+
 <file path=ppt/theme/theme1.xml><?xml version="1.0" encoding="utf-8"?>
 <a:theme xmlns:a="http://schemas.openxmlformats.org/drawingml/2006/main" name="Blue theme 2016 16x9">
   <a:themeElements>

--- a/PCBA allocation Sep 29.pptx
+++ b/PCBA allocation Sep 29.pptx
@@ -5,14 +5,15 @@
     <p:sldMasterId id="2147483662" r:id="rId1"/>
   </p:sldMasterIdLst>
   <p:notesMasterIdLst>
-    <p:notesMasterId r:id="rId7"/>
+    <p:notesMasterId r:id="rId8"/>
   </p:notesMasterIdLst>
   <p:sldIdLst>
     <p:sldId id="267" r:id="rId2"/>
     <p:sldId id="281" r:id="rId3"/>
     <p:sldId id="285" r:id="rId4"/>
-    <p:sldId id="286" r:id="rId5"/>
-    <p:sldId id="287" r:id="rId6"/>
+    <p:sldId id="288" r:id="rId5"/>
+    <p:sldId id="286" r:id="rId6"/>
+    <p:sldId id="287" r:id="rId7"/>
   </p:sldIdLst>
   <p:sldSz cx="12192000" cy="6858000"/>
   <p:notesSz cx="6858000" cy="9144000"/>
@@ -231,7 +232,7 @@
           <a:p>
             <a:fld id="{055D18FD-D4CC-4163-B221-261AEA246121}" type="datetimeFigureOut">
               <a:rPr lang="en-US" smtClean="0"/>
-              <a:t>10/15/20</a:t>
+              <a:t>10/23/20</a:t>
             </a:fld>
             <a:endParaRPr lang="en-US"/>
           </a:p>
@@ -566,14 +567,14 @@
           </a:ln>
           <a:extLst>
             <a:ext uri="{909E8E84-426E-40dd-AFC4-6F175D3DCCD1}">
-              <a14:hiddenFill xmlns:a14="http://schemas.microsoft.com/office/drawing/2010/main" xmlns="">
+              <a14:hiddenFill xmlns="" xmlns:a14="http://schemas.microsoft.com/office/drawing/2010/main">
                 <a:solidFill>
                   <a:srgbClr val="FFFFFF"/>
                 </a:solidFill>
               </a14:hiddenFill>
             </a:ext>
             <a:ext uri="{91240B29-F687-4f45-9708-019B960494DF}">
-              <a14:hiddenLine xmlns:a14="http://schemas.microsoft.com/office/drawing/2010/main" xmlns="" w="9525">
+              <a14:hiddenLine xmlns="" xmlns:a14="http://schemas.microsoft.com/office/drawing/2010/main" w="9525">
                 <a:solidFill>
                   <a:srgbClr val="000000"/>
                 </a:solidFill>
@@ -1358,14 +1359,14 @@
           </a:ln>
           <a:extLst>
             <a:ext uri="{909E8E84-426E-40dd-AFC4-6F175D3DCCD1}">
-              <a14:hiddenFill xmlns:a14="http://schemas.microsoft.com/office/drawing/2010/main" xmlns="">
+              <a14:hiddenFill xmlns="" xmlns:a14="http://schemas.microsoft.com/office/drawing/2010/main">
                 <a:solidFill>
                   <a:srgbClr val="FFFFFF"/>
                 </a:solidFill>
               </a14:hiddenFill>
             </a:ext>
             <a:ext uri="{91240B29-F687-4f45-9708-019B960494DF}">
-              <a14:hiddenLine xmlns:a14="http://schemas.microsoft.com/office/drawing/2010/main" xmlns="" w="9525">
+              <a14:hiddenLine xmlns="" xmlns:a14="http://schemas.microsoft.com/office/drawing/2010/main" w="9525">
                 <a:solidFill>
                   <a:srgbClr val="000000"/>
                 </a:solidFill>
@@ -1754,14 +1755,14 @@
           </a:ln>
           <a:extLst>
             <a:ext uri="{909E8E84-426E-40dd-AFC4-6F175D3DCCD1}">
-              <a14:hiddenFill xmlns:a14="http://schemas.microsoft.com/office/drawing/2010/main" xmlns="">
+              <a14:hiddenFill xmlns="" xmlns:a14="http://schemas.microsoft.com/office/drawing/2010/main">
                 <a:solidFill>
                   <a:srgbClr val="FFFFFF"/>
                 </a:solidFill>
               </a14:hiddenFill>
             </a:ext>
             <a:ext uri="{91240B29-F687-4f45-9708-019B960494DF}">
-              <a14:hiddenLine xmlns:a14="http://schemas.microsoft.com/office/drawing/2010/main" xmlns="" w="9525">
+              <a14:hiddenLine xmlns="" xmlns:a14="http://schemas.microsoft.com/office/drawing/2010/main" w="9525">
                 <a:solidFill>
                   <a:srgbClr val="000000"/>
                 </a:solidFill>
@@ -3403,14 +3404,14 @@
           </a:ln>
           <a:extLst>
             <a:ext uri="{909E8E84-426E-40dd-AFC4-6F175D3DCCD1}">
-              <a14:hiddenFill xmlns:a14="http://schemas.microsoft.com/office/drawing/2010/main" xmlns="">
+              <a14:hiddenFill xmlns="" xmlns:a14="http://schemas.microsoft.com/office/drawing/2010/main">
                 <a:solidFill>
                   <a:srgbClr val="FFFFFF"/>
                 </a:solidFill>
               </a14:hiddenFill>
             </a:ext>
             <a:ext uri="{91240B29-F687-4f45-9708-019B960494DF}">
-              <a14:hiddenLine xmlns:a14="http://schemas.microsoft.com/office/drawing/2010/main" xmlns="" w="9525">
+              <a14:hiddenLine xmlns="" xmlns:a14="http://schemas.microsoft.com/office/drawing/2010/main" w="9525">
                 <a:solidFill>
                   <a:srgbClr val="000000"/>
                 </a:solidFill>
@@ -3499,14 +3500,14 @@
           </a:ln>
           <a:extLst>
             <a:ext uri="{909E8E84-426E-40dd-AFC4-6F175D3DCCD1}">
-              <a14:hiddenFill xmlns:a14="http://schemas.microsoft.com/office/drawing/2010/main" xmlns="">
+              <a14:hiddenFill xmlns="" xmlns:a14="http://schemas.microsoft.com/office/drawing/2010/main">
                 <a:solidFill>
                   <a:srgbClr val="FFFFFF"/>
                 </a:solidFill>
               </a14:hiddenFill>
             </a:ext>
             <a:ext uri="{91240B29-F687-4f45-9708-019B960494DF}">
-              <a14:hiddenLine xmlns:a14="http://schemas.microsoft.com/office/drawing/2010/main" xmlns="" w="9525">
+              <a14:hiddenLine xmlns="" xmlns:a14="http://schemas.microsoft.com/office/drawing/2010/main" w="9525">
                 <a:solidFill>
                   <a:srgbClr val="000000"/>
                 </a:solidFill>
@@ -4034,14 +4035,14 @@
           </a:ln>
           <a:extLst>
             <a:ext uri="{909E8E84-426E-40dd-AFC4-6F175D3DCCD1}">
-              <a14:hiddenFill xmlns:a14="http://schemas.microsoft.com/office/drawing/2010/main" xmlns="">
+              <a14:hiddenFill xmlns="" xmlns:a14="http://schemas.microsoft.com/office/drawing/2010/main">
                 <a:solidFill>
                   <a:srgbClr val="FFFFFF"/>
                 </a:solidFill>
               </a14:hiddenFill>
             </a:ext>
             <a:ext uri="{91240B29-F687-4f45-9708-019B960494DF}">
-              <a14:hiddenLine xmlns:a14="http://schemas.microsoft.com/office/drawing/2010/main" xmlns="" w="9525">
+              <a14:hiddenLine xmlns="" xmlns:a14="http://schemas.microsoft.com/office/drawing/2010/main" w="9525">
                 <a:solidFill>
                   <a:srgbClr val="000000"/>
                 </a:solidFill>
@@ -4510,14 +4511,14 @@
           </a:ln>
           <a:extLst>
             <a:ext uri="{909E8E84-426E-40dd-AFC4-6F175D3DCCD1}">
-              <a14:hiddenFill xmlns:a14="http://schemas.microsoft.com/office/drawing/2010/main" xmlns="">
+              <a14:hiddenFill xmlns="" xmlns:a14="http://schemas.microsoft.com/office/drawing/2010/main">
                 <a:solidFill>
                   <a:srgbClr val="FFFFFF"/>
                 </a:solidFill>
               </a14:hiddenFill>
             </a:ext>
             <a:ext uri="{91240B29-F687-4f45-9708-019B960494DF}">
-              <a14:hiddenLine xmlns:a14="http://schemas.microsoft.com/office/drawing/2010/main" xmlns="" w="9525">
+              <a14:hiddenLine xmlns="" xmlns:a14="http://schemas.microsoft.com/office/drawing/2010/main" w="9525">
                 <a:solidFill>
                   <a:srgbClr val="000000"/>
                 </a:solidFill>
@@ -4731,14 +4732,14 @@
           </a:ln>
           <a:extLst>
             <a:ext uri="{909E8E84-426E-40dd-AFC4-6F175D3DCCD1}">
-              <a14:hiddenFill xmlns:a14="http://schemas.microsoft.com/office/drawing/2010/main" xmlns="">
+              <a14:hiddenFill xmlns="" xmlns:a14="http://schemas.microsoft.com/office/drawing/2010/main">
                 <a:solidFill>
                   <a:srgbClr val="FFFFFF"/>
                 </a:solidFill>
               </a14:hiddenFill>
             </a:ext>
             <a:ext uri="{91240B29-F687-4f45-9708-019B960494DF}">
-              <a14:hiddenLine xmlns:a14="http://schemas.microsoft.com/office/drawing/2010/main" xmlns="" w="9525">
+              <a14:hiddenLine xmlns="" xmlns:a14="http://schemas.microsoft.com/office/drawing/2010/main" w="9525">
                 <a:solidFill>
                   <a:srgbClr val="000000"/>
                 </a:solidFill>
@@ -4952,14 +4953,14 @@
           </a:ln>
           <a:extLst>
             <a:ext uri="{909E8E84-426E-40dd-AFC4-6F175D3DCCD1}">
-              <a14:hiddenFill xmlns:a14="http://schemas.microsoft.com/office/drawing/2010/main" xmlns="">
+              <a14:hiddenFill xmlns="" xmlns:a14="http://schemas.microsoft.com/office/drawing/2010/main">
                 <a:solidFill>
                   <a:srgbClr val="FFFFFF"/>
                 </a:solidFill>
               </a14:hiddenFill>
             </a:ext>
             <a:ext uri="{91240B29-F687-4f45-9708-019B960494DF}">
-              <a14:hiddenLine xmlns:a14="http://schemas.microsoft.com/office/drawing/2010/main" xmlns="" w="9525">
+              <a14:hiddenLine xmlns="" xmlns:a14="http://schemas.microsoft.com/office/drawing/2010/main" w="9525">
                 <a:solidFill>
                   <a:srgbClr val="000000"/>
                 </a:solidFill>
@@ -5621,7 +5622,7 @@
           </a:ln>
           <a:extLst>
             <a:ext uri="{91240B29-F687-4f45-9708-019B960494DF}">
-              <a14:hiddenLine xmlns:a14="http://schemas.microsoft.com/office/drawing/2010/main" xmlns="" w="25400" algn="ctr">
+              <a14:hiddenLine xmlns="" xmlns:a14="http://schemas.microsoft.com/office/drawing/2010/main" w="25400" algn="ctr">
                 <a:solidFill>
                   <a:srgbClr val="000000"/>
                 </a:solidFill>
@@ -5777,7 +5778,7 @@
           </a:ln>
           <a:extLst>
             <a:ext uri="{91240B29-F687-4f45-9708-019B960494DF}">
-              <a14:hiddenLine xmlns:a14="http://schemas.microsoft.com/office/drawing/2010/main" xmlns="" w="25400" algn="ctr">
+              <a14:hiddenLine xmlns="" xmlns:a14="http://schemas.microsoft.com/office/drawing/2010/main" w="25400" algn="ctr">
                 <a:solidFill>
                   <a:srgbClr val="000000"/>
                 </a:solidFill>
@@ -5933,7 +5934,7 @@
           </a:ln>
           <a:extLst>
             <a:ext uri="{91240B29-F687-4f45-9708-019B960494DF}">
-              <a14:hiddenLine xmlns:a14="http://schemas.microsoft.com/office/drawing/2010/main" xmlns="" w="25400" algn="ctr">
+              <a14:hiddenLine xmlns="" xmlns:a14="http://schemas.microsoft.com/office/drawing/2010/main" w="25400" algn="ctr">
                 <a:solidFill>
                   <a:srgbClr val="000000"/>
                 </a:solidFill>
@@ -6087,14 +6088,14 @@
           </a:ln>
           <a:extLst>
             <a:ext uri="{909E8E84-426E-40dd-AFC4-6F175D3DCCD1}">
-              <a14:hiddenFill xmlns:a14="http://schemas.microsoft.com/office/drawing/2010/main" xmlns="">
+              <a14:hiddenFill xmlns="" xmlns:a14="http://schemas.microsoft.com/office/drawing/2010/main">
                 <a:solidFill>
                   <a:srgbClr val="FFFFFF"/>
                 </a:solidFill>
               </a14:hiddenFill>
             </a:ext>
             <a:ext uri="{91240B29-F687-4f45-9708-019B960494DF}">
-              <a14:hiddenLine xmlns:a14="http://schemas.microsoft.com/office/drawing/2010/main" xmlns="" w="9525">
+              <a14:hiddenLine xmlns="" xmlns:a14="http://schemas.microsoft.com/office/drawing/2010/main" w="9525">
                 <a:solidFill>
                   <a:srgbClr val="000000"/>
                 </a:solidFill>
@@ -12959,14 +12960,14 @@
           <a:noFill/>
           <a:extLst>
             <a:ext uri="{909E8E84-426E-40dd-AFC4-6F175D3DCCD1}">
-              <a14:hiddenFill xmlns:a14="http://schemas.microsoft.com/office/drawing/2010/main" xmlns="">
+              <a14:hiddenFill xmlns="" xmlns:a14="http://schemas.microsoft.com/office/drawing/2010/main">
                 <a:solidFill>
                   <a:srgbClr val="FFFFFF"/>
                 </a:solidFill>
               </a14:hiddenFill>
             </a:ext>
             <a:ext uri="{91240B29-F687-4f45-9708-019B960494DF}">
-              <a14:hiddenLine xmlns:a14="http://schemas.microsoft.com/office/drawing/2010/main" xmlns="" w="9525">
+              <a14:hiddenLine xmlns="" xmlns:a14="http://schemas.microsoft.com/office/drawing/2010/main" w="9525">
                 <a:solidFill>
                   <a:srgbClr val="000000"/>
                 </a:solidFill>
@@ -15389,14 +15390,14 @@
           </a:ln>
           <a:extLst>
             <a:ext uri="{909E8E84-426E-40dd-AFC4-6F175D3DCCD1}">
-              <a14:hiddenFill xmlns:a14="http://schemas.microsoft.com/office/drawing/2010/main" xmlns="">
+              <a14:hiddenFill xmlns="" xmlns:a14="http://schemas.microsoft.com/office/drawing/2010/main">
                 <a:solidFill>
                   <a:srgbClr val="FFFFFF"/>
                 </a:solidFill>
               </a14:hiddenFill>
             </a:ext>
             <a:ext uri="{91240B29-F687-4f45-9708-019B960494DF}">
-              <a14:hiddenLine xmlns:a14="http://schemas.microsoft.com/office/drawing/2010/main" xmlns="" w="9525">
+              <a14:hiddenLine xmlns="" xmlns:a14="http://schemas.microsoft.com/office/drawing/2010/main" w="9525">
                 <a:solidFill>
                   <a:srgbClr val="000000"/>
                 </a:solidFill>
@@ -15693,14 +15694,14 @@
           </a:ln>
           <a:extLst>
             <a:ext uri="{909E8E84-426E-40dd-AFC4-6F175D3DCCD1}">
-              <a14:hiddenFill xmlns:a14="http://schemas.microsoft.com/office/drawing/2010/main" xmlns="">
+              <a14:hiddenFill xmlns="" xmlns:a14="http://schemas.microsoft.com/office/drawing/2010/main">
                 <a:solidFill>
                   <a:srgbClr val="FFFFFF"/>
                 </a:solidFill>
               </a14:hiddenFill>
             </a:ext>
             <a:ext uri="{91240B29-F687-4f45-9708-019B960494DF}">
-              <a14:hiddenLine xmlns:a14="http://schemas.microsoft.com/office/drawing/2010/main" xmlns="" w="9525">
+              <a14:hiddenLine xmlns="" xmlns:a14="http://schemas.microsoft.com/office/drawing/2010/main" w="9525">
                 <a:solidFill>
                   <a:srgbClr val="000000"/>
                 </a:solidFill>
@@ -15823,14 +15824,14 @@
           </a:ln>
           <a:extLst>
             <a:ext uri="{909E8E84-426E-40dd-AFC4-6F175D3DCCD1}">
-              <a14:hiddenFill xmlns:a14="http://schemas.microsoft.com/office/drawing/2010/main" xmlns="">
+              <a14:hiddenFill xmlns="" xmlns:a14="http://schemas.microsoft.com/office/drawing/2010/main">
                 <a:solidFill>
                   <a:srgbClr val="FFFFFF"/>
                 </a:solidFill>
               </a14:hiddenFill>
             </a:ext>
             <a:ext uri="{91240B29-F687-4f45-9708-019B960494DF}">
-              <a14:hiddenLine xmlns:a14="http://schemas.microsoft.com/office/drawing/2010/main" xmlns="" w="9525">
+              <a14:hiddenLine xmlns="" xmlns:a14="http://schemas.microsoft.com/office/drawing/2010/main" w="9525">
                 <a:solidFill>
                   <a:srgbClr val="000000"/>
                 </a:solidFill>
@@ -16061,14 +16062,14 @@
           <a:noFill/>
           <a:extLst>
             <a:ext uri="{909E8E84-426E-40dd-AFC4-6F175D3DCCD1}">
-              <a14:hiddenFill xmlns:a14="http://schemas.microsoft.com/office/drawing/2010/main" xmlns="">
+              <a14:hiddenFill xmlns="" xmlns:a14="http://schemas.microsoft.com/office/drawing/2010/main">
                 <a:solidFill>
                   <a:srgbClr val="FFFFFF"/>
                 </a:solidFill>
               </a14:hiddenFill>
             </a:ext>
             <a:ext uri="{91240B29-F687-4f45-9708-019B960494DF}">
-              <a14:hiddenLine xmlns:a14="http://schemas.microsoft.com/office/drawing/2010/main" xmlns="" w="9525">
+              <a14:hiddenLine xmlns="" xmlns:a14="http://schemas.microsoft.com/office/drawing/2010/main" w="9525">
                 <a:solidFill>
                   <a:srgbClr val="000000"/>
                 </a:solidFill>
@@ -18034,14 +18035,14 @@
           <a:noFill/>
           <a:extLst>
             <a:ext uri="{909E8E84-426E-40dd-AFC4-6F175D3DCCD1}">
-              <a14:hiddenFill xmlns:a14="http://schemas.microsoft.com/office/drawing/2010/main" xmlns="">
+              <a14:hiddenFill xmlns="" xmlns:a14="http://schemas.microsoft.com/office/drawing/2010/main">
                 <a:solidFill>
                   <a:srgbClr val="FFFFFF"/>
                 </a:solidFill>
               </a14:hiddenFill>
             </a:ext>
             <a:ext uri="{91240B29-F687-4f45-9708-019B960494DF}">
-              <a14:hiddenLine xmlns:a14="http://schemas.microsoft.com/office/drawing/2010/main" xmlns="" w="9525">
+              <a14:hiddenLine xmlns="" xmlns:a14="http://schemas.microsoft.com/office/drawing/2010/main" w="9525">
                 <a:solidFill>
                   <a:srgbClr val="000000"/>
                 </a:solidFill>
@@ -18422,14 +18423,14 @@
           </a:ln>
           <a:extLst>
             <a:ext uri="{909E8E84-426E-40dd-AFC4-6F175D3DCCD1}">
-              <a14:hiddenFill xmlns:a14="http://schemas.microsoft.com/office/drawing/2010/main" xmlns="">
+              <a14:hiddenFill xmlns="" xmlns:a14="http://schemas.microsoft.com/office/drawing/2010/main">
                 <a:solidFill>
                   <a:srgbClr val="FFFFFF"/>
                 </a:solidFill>
               </a14:hiddenFill>
             </a:ext>
             <a:ext uri="{91240B29-F687-4f45-9708-019B960494DF}">
-              <a14:hiddenLine xmlns:a14="http://schemas.microsoft.com/office/drawing/2010/main" xmlns="" w="9525">
+              <a14:hiddenLine xmlns="" xmlns:a14="http://schemas.microsoft.com/office/drawing/2010/main" w="9525">
                 <a:solidFill>
                   <a:srgbClr val="000000"/>
                 </a:solidFill>
@@ -18636,14 +18637,14 @@
           </a:ln>
           <a:extLst>
             <a:ext uri="{909E8E84-426E-40dd-AFC4-6F175D3DCCD1}">
-              <a14:hiddenFill xmlns:a14="http://schemas.microsoft.com/office/drawing/2010/main" xmlns="">
+              <a14:hiddenFill xmlns="" xmlns:a14="http://schemas.microsoft.com/office/drawing/2010/main">
                 <a:solidFill>
                   <a:srgbClr val="FFFFFF"/>
                 </a:solidFill>
               </a14:hiddenFill>
             </a:ext>
             <a:ext uri="{91240B29-F687-4f45-9708-019B960494DF}">
-              <a14:hiddenLine xmlns:a14="http://schemas.microsoft.com/office/drawing/2010/main" xmlns="" w="9525">
+              <a14:hiddenLine xmlns="" xmlns:a14="http://schemas.microsoft.com/office/drawing/2010/main" w="9525">
                 <a:solidFill>
                   <a:srgbClr val="000000"/>
                 </a:solidFill>
@@ -18862,14 +18863,14 @@
           </a:ln>
           <a:extLst>
             <a:ext uri="{909E8E84-426E-40dd-AFC4-6F175D3DCCD1}">
-              <a14:hiddenFill xmlns:a14="http://schemas.microsoft.com/office/drawing/2010/main" xmlns="">
+              <a14:hiddenFill xmlns="" xmlns:a14="http://schemas.microsoft.com/office/drawing/2010/main">
                 <a:solidFill>
                   <a:srgbClr val="FFFFFF"/>
                 </a:solidFill>
               </a14:hiddenFill>
             </a:ext>
             <a:ext uri="{91240B29-F687-4f45-9708-019B960494DF}">
-              <a14:hiddenLine xmlns:a14="http://schemas.microsoft.com/office/drawing/2010/main" xmlns="" w="9525">
+              <a14:hiddenLine xmlns="" xmlns:a14="http://schemas.microsoft.com/office/drawing/2010/main" w="9525">
                 <a:solidFill>
                   <a:srgbClr val="000000"/>
                 </a:solidFill>
@@ -19079,14 +19080,14 @@
           </a:ln>
           <a:extLst>
             <a:ext uri="{909E8E84-426E-40dd-AFC4-6F175D3DCCD1}">
-              <a14:hiddenFill xmlns:a14="http://schemas.microsoft.com/office/drawing/2010/main" xmlns="">
+              <a14:hiddenFill xmlns="" xmlns:a14="http://schemas.microsoft.com/office/drawing/2010/main">
                 <a:solidFill>
                   <a:srgbClr val="FFFFFF"/>
                 </a:solidFill>
               </a14:hiddenFill>
             </a:ext>
             <a:ext uri="{91240B29-F687-4f45-9708-019B960494DF}">
-              <a14:hiddenLine xmlns:a14="http://schemas.microsoft.com/office/drawing/2010/main" xmlns="" w="9525">
+              <a14:hiddenLine xmlns="" xmlns:a14="http://schemas.microsoft.com/office/drawing/2010/main" w="9525">
                 <a:solidFill>
                   <a:srgbClr val="000000"/>
                 </a:solidFill>
@@ -19337,14 +19338,14 @@
           </a:ln>
           <a:extLst>
             <a:ext uri="{909E8E84-426E-40dd-AFC4-6F175D3DCCD1}">
-              <a14:hiddenFill xmlns:a14="http://schemas.microsoft.com/office/drawing/2010/main" xmlns="">
+              <a14:hiddenFill xmlns="" xmlns:a14="http://schemas.microsoft.com/office/drawing/2010/main">
                 <a:solidFill>
                   <a:srgbClr val="FFFFFF"/>
                 </a:solidFill>
               </a14:hiddenFill>
             </a:ext>
             <a:ext uri="{91240B29-F687-4f45-9708-019B960494DF}">
-              <a14:hiddenLine xmlns:a14="http://schemas.microsoft.com/office/drawing/2010/main" xmlns="" w="9525">
+              <a14:hiddenLine xmlns="" xmlns:a14="http://schemas.microsoft.com/office/drawing/2010/main" w="9525">
                 <a:solidFill>
                   <a:srgbClr val="000000"/>
                 </a:solidFill>
@@ -19536,14 +19537,14 @@
           </a:ln>
           <a:extLst>
             <a:ext uri="{909E8E84-426E-40dd-AFC4-6F175D3DCCD1}">
-              <a14:hiddenFill xmlns:a14="http://schemas.microsoft.com/office/drawing/2010/main" xmlns="">
+              <a14:hiddenFill xmlns="" xmlns:a14="http://schemas.microsoft.com/office/drawing/2010/main">
                 <a:solidFill>
                   <a:srgbClr val="FFFFFF"/>
                 </a:solidFill>
               </a14:hiddenFill>
             </a:ext>
             <a:ext uri="{91240B29-F687-4f45-9708-019B960494DF}">
-              <a14:hiddenLine xmlns:a14="http://schemas.microsoft.com/office/drawing/2010/main" xmlns="" w="9525">
+              <a14:hiddenLine xmlns="" xmlns:a14="http://schemas.microsoft.com/office/drawing/2010/main" w="9525">
                 <a:solidFill>
                   <a:srgbClr val="000000"/>
                 </a:solidFill>
@@ -21569,7 +21570,7 @@
             <a:pPr algn="ctr"/>
             <a:r>
               <a:rPr lang="en-CN" sz="1100" dirty="0"/>
-              <a:t>Offsset 3A4 OSSD </a:t>
+              <a:t>Offsset 3A4 OSSD, FCD </a:t>
             </a:r>
           </a:p>
         </p:txBody>
@@ -22534,19 +22535,7 @@
           <a:p>
             <a:r>
               <a:rPr lang="en-CN" dirty="0"/>
-              <a:t>Logic shared and aligned with DF managers: BP, Paco, Max, Seth, </a:t>
-            </a:r>
-            <a:r>
-              <a:rPr lang="en-CN" dirty="0">
-                <a:highlight>
-                  <a:srgbClr val="FFFF00"/>
-                </a:highlight>
-              </a:rPr>
-              <a:t>Ann</a:t>
-            </a:r>
-            <a:r>
-              <a:rPr lang="en-CN" dirty="0"/>
-              <a:t> (Ann is shared)</a:t>
+              <a:t>Logic shared and aligned with DF managers: BP, Paco, Max, Seth, Ann (Ann is shared)</a:t>
             </a:r>
           </a:p>
         </p:txBody>
@@ -22674,6 +22663,159 @@
 </file>
 
 <file path=ppt/slides/slide4.xml><?xml version="1.0" encoding="utf-8"?>
+<p:sld xmlns:a="http://schemas.openxmlformats.org/drawingml/2006/main" xmlns:r="http://schemas.openxmlformats.org/officeDocument/2006/relationships" xmlns:p="http://schemas.openxmlformats.org/presentationml/2006/main">
+  <p:cSld>
+    <p:spTree>
+      <p:nvGrpSpPr>
+        <p:cNvPr id="1" name=""/>
+        <p:cNvGrpSpPr/>
+        <p:nvPr/>
+      </p:nvGrpSpPr>
+      <p:grpSpPr>
+        <a:xfrm>
+          <a:off x="0" y="0"/>
+          <a:ext cx="0" cy="0"/>
+          <a:chOff x="0" y="0"/>
+          <a:chExt cx="0" cy="0"/>
+        </a:xfrm>
+      </p:grpSpPr>
+      <p:sp>
+        <p:nvSpPr>
+          <p:cNvPr id="4" name="Title 3">
+            <a:extLst>
+              <a:ext uri="{FF2B5EF4-FFF2-40B4-BE49-F238E27FC236}">
+                <a16:creationId xmlns:a16="http://schemas.microsoft.com/office/drawing/2014/main" id="{93D5556D-850B-6F4B-AF16-9AB95FAF23B9}"/>
+              </a:ext>
+            </a:extLst>
+          </p:cNvPr>
+          <p:cNvSpPr>
+            <a:spLocks noGrp="1"/>
+          </p:cNvSpPr>
+          <p:nvPr>
+            <p:ph type="title"/>
+          </p:nvPr>
+        </p:nvSpPr>
+        <p:spPr/>
+        <p:txBody>
+          <a:bodyPr/>
+          <a:lstStyle/>
+          <a:p>
+            <a:r>
+              <a:rPr lang="en-CN" dirty="0"/>
+              <a:t>Manual SS Priority Injection</a:t>
+            </a:r>
+          </a:p>
+        </p:txBody>
+      </p:sp>
+      <p:sp>
+        <p:nvSpPr>
+          <p:cNvPr id="3" name="TextBox 2">
+            <a:extLst>
+              <a:ext uri="{FF2B5EF4-FFF2-40B4-BE49-F238E27FC236}">
+                <a16:creationId xmlns:a16="http://schemas.microsoft.com/office/drawing/2014/main" id="{4E92FE06-CED1-D644-B97C-097605F4FFF5}"/>
+              </a:ext>
+            </a:extLst>
+          </p:cNvPr>
+          <p:cNvSpPr txBox="1"/>
+          <p:nvPr/>
+        </p:nvSpPr>
+        <p:spPr>
+          <a:xfrm>
+            <a:off x="693683" y="1681656"/>
+            <a:ext cx="10646980" cy="2246769"/>
+          </a:xfrm>
+          <a:prstGeom prst="rect">
+            <a:avLst/>
+          </a:prstGeom>
+          <a:noFill/>
+        </p:spPr>
+        <p:txBody>
+          <a:bodyPr wrap="square" rtlCol="0">
+            <a:spAutoFit/>
+          </a:bodyPr>
+          <a:lstStyle/>
+          <a:p>
+            <a:r>
+              <a:rPr lang="en-CN" dirty="0"/>
+              <a:t>User can flag and give a new priority rank for any SS as needed to</a:t>
+            </a:r>
+          </a:p>
+          <a:p>
+            <a:endParaRPr lang="en-CN" dirty="0"/>
+          </a:p>
+          <a:p>
+            <a:r>
+              <a:rPr lang="en-CN" dirty="0"/>
+              <a:t>How: </a:t>
+            </a:r>
+          </a:p>
+          <a:p>
+            <a:pPr marL="285750" indent="-285750">
+              <a:buFont typeface="Arial" panose="020B0604020202020204" pitchFamily="34" charset="0"/>
+              <a:buChar char="•"/>
+            </a:pPr>
+            <a:r>
+              <a:rPr lang="en-CN" dirty="0"/>
+              <a:t>Add the SS into smartsheet via: </a:t>
+            </a:r>
+            <a:r>
+              <a:rPr lang="en-US" sz="1400" dirty="0">
+                <a:hlinkClick r:id="rId2"/>
+              </a:rPr>
+              <a:t>https://app.smartsheet.com/sheets/vMWf8q5CPR24P52rCpxMx6H5gcv3Hx4Q3mF82pG1?view=grid</a:t>
+            </a:r>
+            <a:endParaRPr lang="en-US" sz="1400" dirty="0"/>
+          </a:p>
+          <a:p>
+            <a:pPr marL="285750" indent="-285750">
+              <a:buFont typeface="Arial" panose="020B0604020202020204" pitchFamily="34" charset="0"/>
+              <a:buChar char="•"/>
+            </a:pPr>
+            <a:r>
+              <a:rPr lang="en-US" dirty="0"/>
+              <a:t>Give a specific ranking# to the SS. Example: </a:t>
+            </a:r>
+          </a:p>
+          <a:p>
+            <a:pPr marL="742950" lvl="1" indent="-285750">
+              <a:buFont typeface="Arial" panose="020B0604020202020204" pitchFamily="34" charset="0"/>
+              <a:buChar char="•"/>
+            </a:pPr>
+            <a:r>
+              <a:rPr lang="en-US" dirty="0"/>
+              <a:t>1.5 - make the order lower than PR1 but higher than PR2; </a:t>
+            </a:r>
+          </a:p>
+          <a:p>
+            <a:pPr marL="742950" lvl="1" indent="-285750">
+              <a:buFont typeface="Arial" panose="020B0604020202020204" pitchFamily="34" charset="0"/>
+              <a:buChar char="•"/>
+            </a:pPr>
+            <a:r>
+              <a:rPr lang="en-US" dirty="0"/>
+              <a:t>or any number &gt;6 - make the order lower than BUP, but higher than any other order</a:t>
+            </a:r>
+            <a:endParaRPr lang="en-CN" dirty="0"/>
+          </a:p>
+        </p:txBody>
+      </p:sp>
+    </p:spTree>
+    <p:extLst>
+      <p:ext uri="{BB962C8B-B14F-4D97-AF65-F5344CB8AC3E}">
+        <p14:creationId xmlns:p14="http://schemas.microsoft.com/office/powerpoint/2010/main" val="3418426945"/>
+      </p:ext>
+    </p:extLst>
+  </p:cSld>
+  <p:clrMapOvr>
+    <a:masterClrMapping/>
+  </p:clrMapOvr>
+  <p:transition spd="med">
+    <p:fade/>
+  </p:transition>
+</p:sld>
+</file>
+
+<file path=ppt/slides/slide5.xml><?xml version="1.0" encoding="utf-8"?>
 <p:sld xmlns:a="http://schemas.openxmlformats.org/drawingml/2006/main" xmlns:r="http://schemas.openxmlformats.org/officeDocument/2006/relationships" xmlns:p="http://schemas.openxmlformats.org/presentationml/2006/main">
   <p:cSld>
     <p:spTree>
@@ -23707,7 +23849,7 @@
 </p:sld>
 </file>
 
-<file path=ppt/slides/slide5.xml><?xml version="1.0" encoding="utf-8"?>
+<file path=ppt/slides/slide6.xml><?xml version="1.0" encoding="utf-8"?>
 <p:sld xmlns:a="http://schemas.openxmlformats.org/drawingml/2006/main" xmlns:r="http://schemas.openxmlformats.org/officeDocument/2006/relationships" xmlns:p="http://schemas.openxmlformats.org/presentationml/2006/main">
   <p:cSld>
     <p:spTree>
@@ -23786,8 +23928,13 @@
             </a:pPr>
             <a:r>
               <a:rPr lang="en-CN" dirty="0"/>
-              <a:t>Current design applies to orgs have different name between PCBA and DF as pcba_site is removed from OH data. this is a problem for FDO-FDO case; anything related to pcba_site may be a gating that need to be reviewed.</a:t>
-            </a:r>
+              <a:t>Current design applies to orgs have different name between PCBA and DF. Need to figure a way to distinguish DF OH vs PCBA OH in that same org code case; also currently pcba_site is removed from OH data</a:t>
+            </a:r>
+            <a:r>
+              <a:rPr lang="en-US" dirty="0"/>
+              <a:t> so DF OH is also get removed in this case.</a:t>
+            </a:r>
+            <a:endParaRPr lang="en-CN" dirty="0"/>
           </a:p>
         </p:txBody>
       </p:sp>
